--- a/PPT/mach.pptx
+++ b/PPT/mach.pptx
@@ -6,9 +6,12 @@
   </p:sldMasterIdLst>
   <p:sldIdLst>
     <p:sldId id="256" r:id="rId2"/>
-    <p:sldId id="259" r:id="rId3"/>
-    <p:sldId id="257" r:id="rId4"/>
+    <p:sldId id="257" r:id="rId3"/>
+    <p:sldId id="260" r:id="rId4"/>
     <p:sldId id="258" r:id="rId5"/>
+    <p:sldId id="259" r:id="rId6"/>
+    <p:sldId id="261" r:id="rId7"/>
+    <p:sldId id="262" r:id="rId8"/>
   </p:sldIdLst>
   <p:sldSz cx="12192000" cy="6858000"/>
   <p:notesSz cx="6858000" cy="9144000"/>
@@ -262,7 +265,7 @@
           <a:p>
             <a:fld id="{88B84046-4F4C-49E5-A593-D8106D027857}" type="datetimeFigureOut">
               <a:rPr lang="zh-CN" altLang="en-US" smtClean="0"/>
-              <a:t>2024-12-23</a:t>
+              <a:t>2024-12-27</a:t>
             </a:fld>
             <a:endParaRPr lang="zh-CN" altLang="en-US"/>
           </a:p>
@@ -460,7 +463,7 @@
           <a:p>
             <a:fld id="{88B84046-4F4C-49E5-A593-D8106D027857}" type="datetimeFigureOut">
               <a:rPr lang="zh-CN" altLang="en-US" smtClean="0"/>
-              <a:t>2024-12-23</a:t>
+              <a:t>2024-12-27</a:t>
             </a:fld>
             <a:endParaRPr lang="zh-CN" altLang="en-US"/>
           </a:p>
@@ -668,7 +671,7 @@
           <a:p>
             <a:fld id="{88B84046-4F4C-49E5-A593-D8106D027857}" type="datetimeFigureOut">
               <a:rPr lang="zh-CN" altLang="en-US" smtClean="0"/>
-              <a:t>2024-12-23</a:t>
+              <a:t>2024-12-27</a:t>
             </a:fld>
             <a:endParaRPr lang="zh-CN" altLang="en-US"/>
           </a:p>
@@ -866,7 +869,7 @@
           <a:p>
             <a:fld id="{88B84046-4F4C-49E5-A593-D8106D027857}" type="datetimeFigureOut">
               <a:rPr lang="zh-CN" altLang="en-US" smtClean="0"/>
-              <a:t>2024-12-23</a:t>
+              <a:t>2024-12-27</a:t>
             </a:fld>
             <a:endParaRPr lang="zh-CN" altLang="en-US"/>
           </a:p>
@@ -1141,7 +1144,7 @@
           <a:p>
             <a:fld id="{88B84046-4F4C-49E5-A593-D8106D027857}" type="datetimeFigureOut">
               <a:rPr lang="zh-CN" altLang="en-US" smtClean="0"/>
-              <a:t>2024-12-23</a:t>
+              <a:t>2024-12-27</a:t>
             </a:fld>
             <a:endParaRPr lang="zh-CN" altLang="en-US"/>
           </a:p>
@@ -1406,7 +1409,7 @@
           <a:p>
             <a:fld id="{88B84046-4F4C-49E5-A593-D8106D027857}" type="datetimeFigureOut">
               <a:rPr lang="zh-CN" altLang="en-US" smtClean="0"/>
-              <a:t>2024-12-23</a:t>
+              <a:t>2024-12-27</a:t>
             </a:fld>
             <a:endParaRPr lang="zh-CN" altLang="en-US"/>
           </a:p>
@@ -1818,7 +1821,7 @@
           <a:p>
             <a:fld id="{88B84046-4F4C-49E5-A593-D8106D027857}" type="datetimeFigureOut">
               <a:rPr lang="zh-CN" altLang="en-US" smtClean="0"/>
-              <a:t>2024-12-23</a:t>
+              <a:t>2024-12-27</a:t>
             </a:fld>
             <a:endParaRPr lang="zh-CN" altLang="en-US"/>
           </a:p>
@@ -1959,7 +1962,7 @@
           <a:p>
             <a:fld id="{88B84046-4F4C-49E5-A593-D8106D027857}" type="datetimeFigureOut">
               <a:rPr lang="zh-CN" altLang="en-US" smtClean="0"/>
-              <a:t>2024-12-23</a:t>
+              <a:t>2024-12-27</a:t>
             </a:fld>
             <a:endParaRPr lang="zh-CN" altLang="en-US"/>
           </a:p>
@@ -2072,7 +2075,7 @@
           <a:p>
             <a:fld id="{88B84046-4F4C-49E5-A593-D8106D027857}" type="datetimeFigureOut">
               <a:rPr lang="zh-CN" altLang="en-US" smtClean="0"/>
-              <a:t>2024-12-23</a:t>
+              <a:t>2024-12-27</a:t>
             </a:fld>
             <a:endParaRPr lang="zh-CN" altLang="en-US"/>
           </a:p>
@@ -2383,7 +2386,7 @@
           <a:p>
             <a:fld id="{88B84046-4F4C-49E5-A593-D8106D027857}" type="datetimeFigureOut">
               <a:rPr lang="zh-CN" altLang="en-US" smtClean="0"/>
-              <a:t>2024-12-23</a:t>
+              <a:t>2024-12-27</a:t>
             </a:fld>
             <a:endParaRPr lang="zh-CN" altLang="en-US"/>
           </a:p>
@@ -2671,7 +2674,7 @@
           <a:p>
             <a:fld id="{88B84046-4F4C-49E5-A593-D8106D027857}" type="datetimeFigureOut">
               <a:rPr lang="zh-CN" altLang="en-US" smtClean="0"/>
-              <a:t>2024-12-23</a:t>
+              <a:t>2024-12-27</a:t>
             </a:fld>
             <a:endParaRPr lang="zh-CN" altLang="en-US"/>
           </a:p>
@@ -2912,7 +2915,7 @@
           <a:p>
             <a:fld id="{88B84046-4F4C-49E5-A593-D8106D027857}" type="datetimeFigureOut">
               <a:rPr lang="zh-CN" altLang="en-US" smtClean="0"/>
-              <a:t>2024-12-23</a:t>
+              <a:t>2024-12-27</a:t>
             </a:fld>
             <a:endParaRPr lang="zh-CN" altLang="en-US"/>
           </a:p>
@@ -3986,6 +3989,4228 @@
           <a:chExt cx="0" cy="0"/>
         </a:xfrm>
       </p:grpSpPr>
+      <p:sp>
+        <p:nvSpPr>
+          <p:cNvPr id="9" name="等腰三角形 8">
+            <a:extLst>
+              <a:ext uri="{FF2B5EF4-FFF2-40B4-BE49-F238E27FC236}">
+                <a16:creationId xmlns:a16="http://schemas.microsoft.com/office/drawing/2014/main" id="{3CFB3B80-C8EC-246E-3BF6-3C42594A6FC6}"/>
+              </a:ext>
+            </a:extLst>
+          </p:cNvPr>
+          <p:cNvSpPr/>
+          <p:nvPr/>
+        </p:nvSpPr>
+        <p:spPr>
+          <a:xfrm rot="16200000">
+            <a:off x="962288" y="755322"/>
+            <a:ext cx="288000" cy="144000"/>
+          </a:xfrm>
+          <a:prstGeom prst="triangle">
+            <a:avLst/>
+          </a:prstGeom>
+        </p:spPr>
+        <p:style>
+          <a:lnRef idx="2">
+            <a:schemeClr val="dk1"/>
+          </a:lnRef>
+          <a:fillRef idx="1">
+            <a:schemeClr val="lt1"/>
+          </a:fillRef>
+          <a:effectRef idx="0">
+            <a:schemeClr val="dk1"/>
+          </a:effectRef>
+          <a:fontRef idx="minor">
+            <a:schemeClr val="dk1"/>
+          </a:fontRef>
+        </p:style>
+        <p:txBody>
+          <a:bodyPr rtlCol="0" anchor="ctr"/>
+          <a:lstStyle/>
+          <a:p>
+            <a:pPr algn="ctr"/>
+            <a:endParaRPr lang="zh-CN" altLang="en-US" dirty="0"/>
+          </a:p>
+        </p:txBody>
+      </p:sp>
+      <p:sp>
+        <p:nvSpPr>
+          <p:cNvPr id="2" name="矩形 1">
+            <a:extLst>
+              <a:ext uri="{FF2B5EF4-FFF2-40B4-BE49-F238E27FC236}">
+                <a16:creationId xmlns:a16="http://schemas.microsoft.com/office/drawing/2014/main" id="{295E7A5F-23C4-24D8-3596-A7ADF8ABD29C}"/>
+              </a:ext>
+            </a:extLst>
+          </p:cNvPr>
+          <p:cNvSpPr/>
+          <p:nvPr/>
+        </p:nvSpPr>
+        <p:spPr>
+          <a:xfrm>
+            <a:off x="3743688" y="1169308"/>
+            <a:ext cx="2160000" cy="1080000"/>
+          </a:xfrm>
+          <a:prstGeom prst="rect">
+            <a:avLst/>
+          </a:prstGeom>
+        </p:spPr>
+        <p:style>
+          <a:lnRef idx="2">
+            <a:schemeClr val="dk1"/>
+          </a:lnRef>
+          <a:fillRef idx="1">
+            <a:schemeClr val="lt1"/>
+          </a:fillRef>
+          <a:effectRef idx="0">
+            <a:schemeClr val="dk1"/>
+          </a:effectRef>
+          <a:fontRef idx="minor">
+            <a:schemeClr val="dk1"/>
+          </a:fontRef>
+        </p:style>
+        <p:txBody>
+          <a:bodyPr rtlCol="0" anchor="ctr"/>
+          <a:lstStyle/>
+          <a:p>
+            <a:pPr algn="ctr"/>
+            <a:endParaRPr lang="zh-CN" altLang="en-US" dirty="0"/>
+          </a:p>
+        </p:txBody>
+      </p:sp>
+      <p:sp>
+        <p:nvSpPr>
+          <p:cNvPr id="3" name="矩形 2">
+            <a:extLst>
+              <a:ext uri="{FF2B5EF4-FFF2-40B4-BE49-F238E27FC236}">
+                <a16:creationId xmlns:a16="http://schemas.microsoft.com/office/drawing/2014/main" id="{34C75511-641E-FCF2-CF41-5E864CB3D588}"/>
+              </a:ext>
+            </a:extLst>
+          </p:cNvPr>
+          <p:cNvSpPr/>
+          <p:nvPr/>
+        </p:nvSpPr>
+        <p:spPr>
+          <a:xfrm>
+            <a:off x="6498062" y="1169308"/>
+            <a:ext cx="1080000" cy="1080000"/>
+          </a:xfrm>
+          <a:prstGeom prst="rect">
+            <a:avLst/>
+          </a:prstGeom>
+        </p:spPr>
+        <p:style>
+          <a:lnRef idx="2">
+            <a:schemeClr val="dk1"/>
+          </a:lnRef>
+          <a:fillRef idx="1">
+            <a:schemeClr val="lt1"/>
+          </a:fillRef>
+          <a:effectRef idx="0">
+            <a:schemeClr val="dk1"/>
+          </a:effectRef>
+          <a:fontRef idx="minor">
+            <a:schemeClr val="dk1"/>
+          </a:fontRef>
+        </p:style>
+        <p:txBody>
+          <a:bodyPr rtlCol="0" anchor="ctr"/>
+          <a:lstStyle/>
+          <a:p>
+            <a:pPr algn="ctr"/>
+            <a:endParaRPr lang="zh-CN" altLang="en-US"/>
+          </a:p>
+        </p:txBody>
+      </p:sp>
+      <p:grpSp>
+        <p:nvGrpSpPr>
+          <p:cNvPr id="7" name="组合 6">
+            <a:extLst>
+              <a:ext uri="{FF2B5EF4-FFF2-40B4-BE49-F238E27FC236}">
+                <a16:creationId xmlns:a16="http://schemas.microsoft.com/office/drawing/2014/main" id="{7D559BB9-5AB4-D599-C865-C35AA61236B5}"/>
+              </a:ext>
+            </a:extLst>
+          </p:cNvPr>
+          <p:cNvGrpSpPr/>
+          <p:nvPr/>
+        </p:nvGrpSpPr>
+        <p:grpSpPr>
+          <a:xfrm>
+            <a:off x="4430999" y="390375"/>
+            <a:ext cx="576000" cy="288000"/>
+            <a:chOff x="2795239" y="810322"/>
+            <a:chExt cx="576000" cy="288000"/>
+          </a:xfrm>
+        </p:grpSpPr>
+        <p:sp>
+          <p:nvSpPr>
+            <p:cNvPr id="4" name="矩形 3">
+              <a:extLst>
+                <a:ext uri="{FF2B5EF4-FFF2-40B4-BE49-F238E27FC236}">
+                  <a16:creationId xmlns:a16="http://schemas.microsoft.com/office/drawing/2014/main" id="{BE5C74D8-0D25-6E7F-93F8-CE34E5A3F9CF}"/>
+                </a:ext>
+              </a:extLst>
+            </p:cNvPr>
+            <p:cNvSpPr/>
+            <p:nvPr/>
+          </p:nvSpPr>
+          <p:spPr>
+            <a:xfrm>
+              <a:off x="2795239" y="810322"/>
+              <a:ext cx="288000" cy="288000"/>
+            </a:xfrm>
+            <a:prstGeom prst="rect">
+              <a:avLst/>
+            </a:prstGeom>
+          </p:spPr>
+          <p:style>
+            <a:lnRef idx="2">
+              <a:schemeClr val="dk1"/>
+            </a:lnRef>
+            <a:fillRef idx="1">
+              <a:schemeClr val="lt1"/>
+            </a:fillRef>
+            <a:effectRef idx="0">
+              <a:schemeClr val="dk1"/>
+            </a:effectRef>
+            <a:fontRef idx="minor">
+              <a:schemeClr val="dk1"/>
+            </a:fontRef>
+          </p:style>
+          <p:txBody>
+            <a:bodyPr rtlCol="0" anchor="ctr"/>
+            <a:lstStyle/>
+            <a:p>
+              <a:pPr algn="ctr"/>
+              <a:endParaRPr lang="zh-CN" altLang="en-US" dirty="0"/>
+            </a:p>
+          </p:txBody>
+        </p:sp>
+        <p:sp>
+          <p:nvSpPr>
+            <p:cNvPr id="5" name="矩形 4">
+              <a:extLst>
+                <a:ext uri="{FF2B5EF4-FFF2-40B4-BE49-F238E27FC236}">
+                  <a16:creationId xmlns:a16="http://schemas.microsoft.com/office/drawing/2014/main" id="{C55B479A-C1CE-5F47-6E2C-48A7E2E7A744}"/>
+                </a:ext>
+              </a:extLst>
+            </p:cNvPr>
+            <p:cNvSpPr/>
+            <p:nvPr/>
+          </p:nvSpPr>
+          <p:spPr>
+            <a:xfrm>
+              <a:off x="3083239" y="810322"/>
+              <a:ext cx="288000" cy="288000"/>
+            </a:xfrm>
+            <a:prstGeom prst="rect">
+              <a:avLst/>
+            </a:prstGeom>
+          </p:spPr>
+          <p:style>
+            <a:lnRef idx="2">
+              <a:schemeClr val="dk1"/>
+            </a:lnRef>
+            <a:fillRef idx="1">
+              <a:schemeClr val="lt1"/>
+            </a:fillRef>
+            <a:effectRef idx="0">
+              <a:schemeClr val="dk1"/>
+            </a:effectRef>
+            <a:fontRef idx="minor">
+              <a:schemeClr val="dk1"/>
+            </a:fontRef>
+          </p:style>
+          <p:txBody>
+            <a:bodyPr rtlCol="0" anchor="ctr"/>
+            <a:lstStyle/>
+            <a:p>
+              <a:pPr algn="ctr"/>
+              <a:endParaRPr lang="zh-CN" altLang="en-US"/>
+            </a:p>
+          </p:txBody>
+        </p:sp>
+      </p:grpSp>
+      <p:grpSp>
+        <p:nvGrpSpPr>
+          <p:cNvPr id="17" name="组合 16">
+            <a:extLst>
+              <a:ext uri="{FF2B5EF4-FFF2-40B4-BE49-F238E27FC236}">
+                <a16:creationId xmlns:a16="http://schemas.microsoft.com/office/drawing/2014/main" id="{A2F891BE-6D40-4973-3A16-BD0F550850EB}"/>
+              </a:ext>
+            </a:extLst>
+          </p:cNvPr>
+          <p:cNvGrpSpPr/>
+          <p:nvPr/>
+        </p:nvGrpSpPr>
+        <p:grpSpPr>
+          <a:xfrm>
+            <a:off x="5006999" y="390375"/>
+            <a:ext cx="708324" cy="288001"/>
+            <a:chOff x="2048126" y="1204776"/>
+            <a:chExt cx="708324" cy="288001"/>
+          </a:xfrm>
+        </p:grpSpPr>
+        <p:sp>
+          <p:nvSpPr>
+            <p:cNvPr id="8" name="矩形 7">
+              <a:extLst>
+                <a:ext uri="{FF2B5EF4-FFF2-40B4-BE49-F238E27FC236}">
+                  <a16:creationId xmlns:a16="http://schemas.microsoft.com/office/drawing/2014/main" id="{915F0C61-2703-AE47-8050-FDD07E31D5C0}"/>
+                </a:ext>
+              </a:extLst>
+            </p:cNvPr>
+            <p:cNvSpPr/>
+            <p:nvPr/>
+          </p:nvSpPr>
+          <p:spPr>
+            <a:xfrm>
+              <a:off x="2468450" y="1204777"/>
+              <a:ext cx="288000" cy="288000"/>
+            </a:xfrm>
+            <a:prstGeom prst="rect">
+              <a:avLst/>
+            </a:prstGeom>
+          </p:spPr>
+          <p:style>
+            <a:lnRef idx="2">
+              <a:schemeClr val="dk1"/>
+            </a:lnRef>
+            <a:fillRef idx="1">
+              <a:schemeClr val="lt1"/>
+            </a:fillRef>
+            <a:effectRef idx="0">
+              <a:schemeClr val="dk1"/>
+            </a:effectRef>
+            <a:fontRef idx="minor">
+              <a:schemeClr val="dk1"/>
+            </a:fontRef>
+          </p:style>
+          <p:txBody>
+            <a:bodyPr rtlCol="0" anchor="ctr"/>
+            <a:lstStyle/>
+            <a:p>
+              <a:pPr algn="ctr"/>
+              <a:endParaRPr lang="zh-CN" altLang="en-US" dirty="0"/>
+            </a:p>
+          </p:txBody>
+        </p:sp>
+        <p:grpSp>
+          <p:nvGrpSpPr>
+            <p:cNvPr id="15" name="组合 14">
+              <a:extLst>
+                <a:ext uri="{FF2B5EF4-FFF2-40B4-BE49-F238E27FC236}">
+                  <a16:creationId xmlns:a16="http://schemas.microsoft.com/office/drawing/2014/main" id="{0DDAF01C-D6F1-3690-6F95-3D6145560372}"/>
+                </a:ext>
+              </a:extLst>
+            </p:cNvPr>
+            <p:cNvGrpSpPr/>
+            <p:nvPr/>
+          </p:nvGrpSpPr>
+          <p:grpSpPr>
+            <a:xfrm rot="10800000">
+              <a:off x="2048126" y="1204776"/>
+              <a:ext cx="420324" cy="288000"/>
+              <a:chOff x="1772013" y="1086549"/>
+              <a:chExt cx="420324" cy="288000"/>
+            </a:xfrm>
+          </p:grpSpPr>
+          <p:sp>
+            <p:nvSpPr>
+              <p:cNvPr id="10" name="箭头: 五边形 9">
+                <a:extLst>
+                  <a:ext uri="{FF2B5EF4-FFF2-40B4-BE49-F238E27FC236}">
+                    <a16:creationId xmlns:a16="http://schemas.microsoft.com/office/drawing/2014/main" id="{E6407397-D7B2-9F2C-6661-88A65134D15F}"/>
+                  </a:ext>
+                </a:extLst>
+              </p:cNvPr>
+              <p:cNvSpPr/>
+              <p:nvPr/>
+            </p:nvSpPr>
+            <p:spPr>
+              <a:xfrm>
+                <a:off x="1772013" y="1086549"/>
+                <a:ext cx="420324" cy="288000"/>
+              </a:xfrm>
+              <a:prstGeom prst="homePlate">
+                <a:avLst>
+                  <a:gd name="adj" fmla="val 42834"/>
+                </a:avLst>
+              </a:prstGeom>
+            </p:spPr>
+            <p:style>
+              <a:lnRef idx="2">
+                <a:schemeClr val="dk1"/>
+              </a:lnRef>
+              <a:fillRef idx="1">
+                <a:schemeClr val="lt1"/>
+              </a:fillRef>
+              <a:effectRef idx="0">
+                <a:schemeClr val="dk1"/>
+              </a:effectRef>
+              <a:fontRef idx="minor">
+                <a:schemeClr val="dk1"/>
+              </a:fontRef>
+            </p:style>
+            <p:txBody>
+              <a:bodyPr rtlCol="0" anchor="ctr"/>
+              <a:lstStyle/>
+              <a:p>
+                <a:pPr algn="ctr"/>
+                <a:endParaRPr lang="zh-CN" altLang="en-US" dirty="0"/>
+              </a:p>
+            </p:txBody>
+          </p:sp>
+          <p:cxnSp>
+            <p:nvCxnSpPr>
+              <p:cNvPr id="14" name="直接连接符 13">
+                <a:extLst>
+                  <a:ext uri="{FF2B5EF4-FFF2-40B4-BE49-F238E27FC236}">
+                    <a16:creationId xmlns:a16="http://schemas.microsoft.com/office/drawing/2014/main" id="{0D0B91B2-A364-34BD-357B-C8BD9124C26D}"/>
+                  </a:ext>
+                </a:extLst>
+              </p:cNvPr>
+              <p:cNvCxnSpPr/>
+              <p:nvPr/>
+            </p:nvCxnSpPr>
+            <p:spPr>
+              <a:xfrm flipV="1">
+                <a:off x="2063750" y="1086549"/>
+                <a:ext cx="0" cy="288000"/>
+              </a:xfrm>
+              <a:prstGeom prst="line">
+                <a:avLst/>
+              </a:prstGeom>
+              <a:ln w="12700"/>
+            </p:spPr>
+            <p:style>
+              <a:lnRef idx="3">
+                <a:schemeClr val="dk1"/>
+              </a:lnRef>
+              <a:fillRef idx="0">
+                <a:schemeClr val="dk1"/>
+              </a:fillRef>
+              <a:effectRef idx="2">
+                <a:schemeClr val="dk1"/>
+              </a:effectRef>
+              <a:fontRef idx="minor">
+                <a:schemeClr val="tx1"/>
+              </a:fontRef>
+            </p:style>
+          </p:cxnSp>
+        </p:grpSp>
+      </p:grpSp>
+      <p:sp>
+        <p:nvSpPr>
+          <p:cNvPr id="16" name="文本框 15">
+            <a:extLst>
+              <a:ext uri="{FF2B5EF4-FFF2-40B4-BE49-F238E27FC236}">
+                <a16:creationId xmlns:a16="http://schemas.microsoft.com/office/drawing/2014/main" id="{3C526AA9-7EC8-1742-6118-350654D238B0}"/>
+              </a:ext>
+            </a:extLst>
+          </p:cNvPr>
+          <p:cNvSpPr txBox="1"/>
+          <p:nvPr/>
+        </p:nvSpPr>
+        <p:spPr>
+          <a:xfrm>
+            <a:off x="5427328" y="349709"/>
+            <a:ext cx="287994" cy="369332"/>
+          </a:xfrm>
+          <a:prstGeom prst="rect">
+            <a:avLst/>
+          </a:prstGeom>
+          <a:noFill/>
+        </p:spPr>
+        <p:txBody>
+          <a:bodyPr wrap="square" rtlCol="0">
+            <a:spAutoFit/>
+          </a:bodyPr>
+          <a:lstStyle/>
+          <a:p>
+            <a:pPr algn="ctr"/>
+            <a:r>
+              <a:rPr lang="en-US" altLang="zh-CN" dirty="0">
+                <a:latin typeface="Times New Roman" panose="02020603050405020304" pitchFamily="18" charset="0"/>
+                <a:cs typeface="Times New Roman" panose="02020603050405020304" pitchFamily="18" charset="0"/>
+              </a:rPr>
+              <a:t>A</a:t>
+            </a:r>
+            <a:endParaRPr lang="zh-CN" altLang="en-US" dirty="0">
+              <a:latin typeface="Times New Roman" panose="02020603050405020304" pitchFamily="18" charset="0"/>
+              <a:cs typeface="Times New Roman" panose="02020603050405020304" pitchFamily="18" charset="0"/>
+            </a:endParaRPr>
+          </a:p>
+        </p:txBody>
+      </p:sp>
+      <p:grpSp>
+        <p:nvGrpSpPr>
+          <p:cNvPr id="18" name="组合 17">
+            <a:extLst>
+              <a:ext uri="{FF2B5EF4-FFF2-40B4-BE49-F238E27FC236}">
+                <a16:creationId xmlns:a16="http://schemas.microsoft.com/office/drawing/2014/main" id="{E4E40D50-9DC7-9580-E371-F623B72A1D77}"/>
+              </a:ext>
+            </a:extLst>
+          </p:cNvPr>
+          <p:cNvGrpSpPr/>
+          <p:nvPr/>
+        </p:nvGrpSpPr>
+        <p:grpSpPr>
+          <a:xfrm>
+            <a:off x="5181323" y="433933"/>
+            <a:ext cx="200259" cy="200883"/>
+            <a:chOff x="2725821" y="3095069"/>
+            <a:chExt cx="228974" cy="438294"/>
+          </a:xfrm>
+        </p:grpSpPr>
+        <p:cxnSp>
+          <p:nvCxnSpPr>
+            <p:cNvPr id="19" name="直接连接符 18">
+              <a:extLst>
+                <a:ext uri="{FF2B5EF4-FFF2-40B4-BE49-F238E27FC236}">
+                  <a16:creationId xmlns:a16="http://schemas.microsoft.com/office/drawing/2014/main" id="{0BA59FCC-2BE0-EC98-C0A7-E7322D5BD30D}"/>
+                </a:ext>
+              </a:extLst>
+            </p:cNvPr>
+            <p:cNvCxnSpPr>
+              <a:cxnSpLocks/>
+            </p:cNvCxnSpPr>
+            <p:nvPr/>
+          </p:nvCxnSpPr>
+          <p:spPr>
+            <a:xfrm flipV="1">
+              <a:off x="2725821" y="3095069"/>
+              <a:ext cx="90000" cy="438294"/>
+            </a:xfrm>
+            <a:prstGeom prst="line">
+              <a:avLst/>
+            </a:prstGeom>
+          </p:spPr>
+          <p:style>
+            <a:lnRef idx="3">
+              <a:schemeClr val="dk1"/>
+            </a:lnRef>
+            <a:fillRef idx="0">
+              <a:schemeClr val="dk1"/>
+            </a:fillRef>
+            <a:effectRef idx="2">
+              <a:schemeClr val="dk1"/>
+            </a:effectRef>
+            <a:fontRef idx="minor">
+              <a:schemeClr val="tx1"/>
+            </a:fontRef>
+          </p:style>
+        </p:cxnSp>
+        <p:cxnSp>
+          <p:nvCxnSpPr>
+            <p:cNvPr id="20" name="直接连接符 19">
+              <a:extLst>
+                <a:ext uri="{FF2B5EF4-FFF2-40B4-BE49-F238E27FC236}">
+                  <a16:creationId xmlns:a16="http://schemas.microsoft.com/office/drawing/2014/main" id="{F7C2ACF9-BD23-501D-3365-C193AC09BA31}"/>
+                </a:ext>
+              </a:extLst>
+            </p:cNvPr>
+            <p:cNvCxnSpPr>
+              <a:cxnSpLocks/>
+            </p:cNvCxnSpPr>
+            <p:nvPr/>
+          </p:nvCxnSpPr>
+          <p:spPr>
+            <a:xfrm flipV="1">
+              <a:off x="2864795" y="3095069"/>
+              <a:ext cx="90000" cy="438294"/>
+            </a:xfrm>
+            <a:prstGeom prst="line">
+              <a:avLst/>
+            </a:prstGeom>
+          </p:spPr>
+          <p:style>
+            <a:lnRef idx="3">
+              <a:schemeClr val="dk1"/>
+            </a:lnRef>
+            <a:fillRef idx="0">
+              <a:schemeClr val="dk1"/>
+            </a:fillRef>
+            <a:effectRef idx="2">
+              <a:schemeClr val="dk1"/>
+            </a:effectRef>
+            <a:fontRef idx="minor">
+              <a:schemeClr val="tx1"/>
+            </a:fontRef>
+          </p:style>
+        </p:cxnSp>
+      </p:grpSp>
+      <p:cxnSp>
+        <p:nvCxnSpPr>
+          <p:cNvPr id="21" name="直接连接符 20">
+            <a:extLst>
+              <a:ext uri="{FF2B5EF4-FFF2-40B4-BE49-F238E27FC236}">
+                <a16:creationId xmlns:a16="http://schemas.microsoft.com/office/drawing/2014/main" id="{62076AAE-E6A3-8166-AC92-07F638B53C2E}"/>
+              </a:ext>
+            </a:extLst>
+          </p:cNvPr>
+          <p:cNvCxnSpPr>
+            <a:cxnSpLocks/>
+          </p:cNvCxnSpPr>
+          <p:nvPr/>
+        </p:nvCxnSpPr>
+        <p:spPr>
+          <a:xfrm>
+            <a:off x="4495391" y="552336"/>
+            <a:ext cx="162969" cy="0"/>
+          </a:xfrm>
+          <a:prstGeom prst="line">
+            <a:avLst/>
+          </a:prstGeom>
+        </p:spPr>
+        <p:style>
+          <a:lnRef idx="3">
+            <a:schemeClr val="dk1"/>
+          </a:lnRef>
+          <a:fillRef idx="0">
+            <a:schemeClr val="dk1"/>
+          </a:fillRef>
+          <a:effectRef idx="2">
+            <a:schemeClr val="dk1"/>
+          </a:effectRef>
+          <a:fontRef idx="minor">
+            <a:schemeClr val="tx1"/>
+          </a:fontRef>
+        </p:style>
+      </p:cxnSp>
+      <p:sp>
+        <p:nvSpPr>
+          <p:cNvPr id="23" name="文本框 22">
+            <a:extLst>
+              <a:ext uri="{FF2B5EF4-FFF2-40B4-BE49-F238E27FC236}">
+                <a16:creationId xmlns:a16="http://schemas.microsoft.com/office/drawing/2014/main" id="{35498AFC-F448-2917-2209-67C3A46AF22D}"/>
+              </a:ext>
+            </a:extLst>
+          </p:cNvPr>
+          <p:cNvSpPr txBox="1"/>
+          <p:nvPr/>
+        </p:nvSpPr>
+        <p:spPr>
+          <a:xfrm>
+            <a:off x="4726462" y="349709"/>
+            <a:ext cx="287994" cy="369332"/>
+          </a:xfrm>
+          <a:prstGeom prst="rect">
+            <a:avLst/>
+          </a:prstGeom>
+          <a:noFill/>
+        </p:spPr>
+        <p:txBody>
+          <a:bodyPr wrap="square" rtlCol="0">
+            <a:spAutoFit/>
+          </a:bodyPr>
+          <a:lstStyle/>
+          <a:p>
+            <a:pPr algn="ctr"/>
+            <a:r>
+              <a:rPr lang="en-US" altLang="zh-CN" dirty="0">
+                <a:latin typeface="Times New Roman" panose="02020603050405020304" pitchFamily="18" charset="0"/>
+                <a:cs typeface="Times New Roman" panose="02020603050405020304" pitchFamily="18" charset="0"/>
+              </a:rPr>
+              <a:t>t</a:t>
+            </a:r>
+            <a:endParaRPr lang="zh-CN" altLang="en-US" dirty="0">
+              <a:latin typeface="Times New Roman" panose="02020603050405020304" pitchFamily="18" charset="0"/>
+              <a:cs typeface="Times New Roman" panose="02020603050405020304" pitchFamily="18" charset="0"/>
+            </a:endParaRPr>
+          </a:p>
+        </p:txBody>
+      </p:sp>
+      <p:cxnSp>
+        <p:nvCxnSpPr>
+          <p:cNvPr id="27" name="连接符: 肘形 26">
+            <a:extLst>
+              <a:ext uri="{FF2B5EF4-FFF2-40B4-BE49-F238E27FC236}">
+                <a16:creationId xmlns:a16="http://schemas.microsoft.com/office/drawing/2014/main" id="{D1E64BFD-65F8-7124-9B03-7AF369617513}"/>
+              </a:ext>
+            </a:extLst>
+          </p:cNvPr>
+          <p:cNvCxnSpPr>
+            <a:stCxn id="4" idx="1"/>
+          </p:cNvCxnSpPr>
+          <p:nvPr/>
+        </p:nvCxnSpPr>
+        <p:spPr>
+          <a:xfrm rot="10800000" flipV="1">
+            <a:off x="4104641" y="534374"/>
+            <a:ext cx="326359" cy="634933"/>
+          </a:xfrm>
+          <a:prstGeom prst="bentConnector2">
+            <a:avLst/>
+          </a:prstGeom>
+          <a:ln>
+            <a:tailEnd type="stealth"/>
+          </a:ln>
+        </p:spPr>
+        <p:style>
+          <a:lnRef idx="3">
+            <a:schemeClr val="dk1"/>
+          </a:lnRef>
+          <a:fillRef idx="0">
+            <a:schemeClr val="dk1"/>
+          </a:fillRef>
+          <a:effectRef idx="2">
+            <a:schemeClr val="dk1"/>
+          </a:effectRef>
+          <a:fontRef idx="minor">
+            <a:schemeClr val="tx1"/>
+          </a:fontRef>
+        </p:style>
+      </p:cxnSp>
+      <p:sp>
+        <p:nvSpPr>
+          <p:cNvPr id="28" name="等腰三角形 27">
+            <a:extLst>
+              <a:ext uri="{FF2B5EF4-FFF2-40B4-BE49-F238E27FC236}">
+                <a16:creationId xmlns:a16="http://schemas.microsoft.com/office/drawing/2014/main" id="{2BE86EC5-5AC3-DB94-4992-725DDE605D3C}"/>
+              </a:ext>
+            </a:extLst>
+          </p:cNvPr>
+          <p:cNvSpPr/>
+          <p:nvPr/>
+        </p:nvSpPr>
+        <p:spPr>
+          <a:xfrm rot="5400000">
+            <a:off x="7550122" y="1663588"/>
+            <a:ext cx="147320" cy="91440"/>
+          </a:xfrm>
+          <a:prstGeom prst="triangle">
+            <a:avLst/>
+          </a:prstGeom>
+          <a:solidFill>
+            <a:schemeClr val="tx1"/>
+          </a:solidFill>
+        </p:spPr>
+        <p:style>
+          <a:lnRef idx="2">
+            <a:schemeClr val="dk1"/>
+          </a:lnRef>
+          <a:fillRef idx="1">
+            <a:schemeClr val="lt1"/>
+          </a:fillRef>
+          <a:effectRef idx="0">
+            <a:schemeClr val="dk1"/>
+          </a:effectRef>
+          <a:fontRef idx="minor">
+            <a:schemeClr val="dk1"/>
+          </a:fontRef>
+        </p:style>
+        <p:txBody>
+          <a:bodyPr rtlCol="0" anchor="ctr"/>
+          <a:lstStyle/>
+          <a:p>
+            <a:pPr algn="ctr"/>
+            <a:endParaRPr lang="zh-CN" altLang="en-US"/>
+          </a:p>
+        </p:txBody>
+      </p:sp>
+      <p:cxnSp>
+        <p:nvCxnSpPr>
+          <p:cNvPr id="30" name="直接连接符 29">
+            <a:extLst>
+              <a:ext uri="{FF2B5EF4-FFF2-40B4-BE49-F238E27FC236}">
+                <a16:creationId xmlns:a16="http://schemas.microsoft.com/office/drawing/2014/main" id="{3381DA08-1FBC-CD56-5D6C-8A0F76EE8ADB}"/>
+              </a:ext>
+            </a:extLst>
+          </p:cNvPr>
+          <p:cNvCxnSpPr>
+            <a:cxnSpLocks/>
+            <a:stCxn id="28" idx="0"/>
+          </p:cNvCxnSpPr>
+          <p:nvPr/>
+        </p:nvCxnSpPr>
+        <p:spPr>
+          <a:xfrm>
+            <a:off x="7669502" y="1709308"/>
+            <a:ext cx="138458" cy="0"/>
+          </a:xfrm>
+          <a:prstGeom prst="line">
+            <a:avLst/>
+          </a:prstGeom>
+        </p:spPr>
+        <p:style>
+          <a:lnRef idx="3">
+            <a:schemeClr val="dk1"/>
+          </a:lnRef>
+          <a:fillRef idx="0">
+            <a:schemeClr val="dk1"/>
+          </a:fillRef>
+          <a:effectRef idx="2">
+            <a:schemeClr val="dk1"/>
+          </a:effectRef>
+          <a:fontRef idx="minor">
+            <a:schemeClr val="tx1"/>
+          </a:fontRef>
+        </p:style>
+      </p:cxnSp>
+      <p:sp>
+        <p:nvSpPr>
+          <p:cNvPr id="35" name="矩形 34">
+            <a:extLst>
+              <a:ext uri="{FF2B5EF4-FFF2-40B4-BE49-F238E27FC236}">
+                <a16:creationId xmlns:a16="http://schemas.microsoft.com/office/drawing/2014/main" id="{C40710EA-A0AA-6091-1C78-248A2496E8B6}"/>
+              </a:ext>
+            </a:extLst>
+          </p:cNvPr>
+          <p:cNvSpPr/>
+          <p:nvPr/>
+        </p:nvSpPr>
+        <p:spPr>
+          <a:xfrm>
+            <a:off x="7807959" y="1628873"/>
+            <a:ext cx="180000" cy="180000"/>
+          </a:xfrm>
+          <a:prstGeom prst="rect">
+            <a:avLst/>
+          </a:prstGeom>
+        </p:spPr>
+        <p:style>
+          <a:lnRef idx="2">
+            <a:schemeClr val="dk1"/>
+          </a:lnRef>
+          <a:fillRef idx="1">
+            <a:schemeClr val="lt1"/>
+          </a:fillRef>
+          <a:effectRef idx="0">
+            <a:schemeClr val="dk1"/>
+          </a:effectRef>
+          <a:fontRef idx="minor">
+            <a:schemeClr val="dk1"/>
+          </a:fontRef>
+        </p:style>
+        <p:txBody>
+          <a:bodyPr rtlCol="0" anchor="ctr"/>
+          <a:lstStyle/>
+          <a:p>
+            <a:pPr algn="ctr"/>
+            <a:endParaRPr lang="zh-CN" altLang="en-US" dirty="0"/>
+          </a:p>
+        </p:txBody>
+      </p:sp>
+      <p:sp>
+        <p:nvSpPr>
+          <p:cNvPr id="36" name="文本框 35">
+            <a:extLst>
+              <a:ext uri="{FF2B5EF4-FFF2-40B4-BE49-F238E27FC236}">
+                <a16:creationId xmlns:a16="http://schemas.microsoft.com/office/drawing/2014/main" id="{BF109522-4800-C5BF-0704-56527A17D448}"/>
+              </a:ext>
+            </a:extLst>
+          </p:cNvPr>
+          <p:cNvSpPr txBox="1"/>
+          <p:nvPr/>
+        </p:nvSpPr>
+        <p:spPr>
+          <a:xfrm>
+            <a:off x="7795921" y="1570808"/>
+            <a:ext cx="204075" cy="276999"/>
+          </a:xfrm>
+          <a:prstGeom prst="rect">
+            <a:avLst/>
+          </a:prstGeom>
+          <a:noFill/>
+        </p:spPr>
+        <p:txBody>
+          <a:bodyPr wrap="square" rtlCol="0">
+            <a:spAutoFit/>
+          </a:bodyPr>
+          <a:lstStyle/>
+          <a:p>
+            <a:pPr algn="ctr"/>
+            <a:r>
+              <a:rPr lang="en-US" altLang="zh-CN" sz="1200" dirty="0">
+                <a:latin typeface="Times New Roman" panose="02020603050405020304" pitchFamily="18" charset="0"/>
+                <a:cs typeface="Times New Roman" panose="02020603050405020304" pitchFamily="18" charset="0"/>
+              </a:rPr>
+              <a:t>A</a:t>
+            </a:r>
+            <a:endParaRPr lang="zh-CN" altLang="en-US" dirty="0">
+              <a:latin typeface="Times New Roman" panose="02020603050405020304" pitchFamily="18" charset="0"/>
+              <a:cs typeface="Times New Roman" panose="02020603050405020304" pitchFamily="18" charset="0"/>
+            </a:endParaRPr>
+          </a:p>
+        </p:txBody>
+      </p:sp>
+      <p:sp>
+        <p:nvSpPr>
+          <p:cNvPr id="66" name="矩形 65">
+            <a:extLst>
+              <a:ext uri="{FF2B5EF4-FFF2-40B4-BE49-F238E27FC236}">
+                <a16:creationId xmlns:a16="http://schemas.microsoft.com/office/drawing/2014/main" id="{83BF0A4A-D19E-B4F2-26B6-3275A084C10C}"/>
+              </a:ext>
+            </a:extLst>
+          </p:cNvPr>
+          <p:cNvSpPr/>
+          <p:nvPr/>
+        </p:nvSpPr>
+        <p:spPr>
+          <a:xfrm>
+            <a:off x="8542454" y="1163536"/>
+            <a:ext cx="2160000" cy="1080000"/>
+          </a:xfrm>
+          <a:prstGeom prst="rect">
+            <a:avLst/>
+          </a:prstGeom>
+        </p:spPr>
+        <p:style>
+          <a:lnRef idx="2">
+            <a:schemeClr val="dk1"/>
+          </a:lnRef>
+          <a:fillRef idx="1">
+            <a:schemeClr val="lt1"/>
+          </a:fillRef>
+          <a:effectRef idx="0">
+            <a:schemeClr val="dk1"/>
+          </a:effectRef>
+          <a:fontRef idx="minor">
+            <a:schemeClr val="dk1"/>
+          </a:fontRef>
+        </p:style>
+        <p:txBody>
+          <a:bodyPr rtlCol="0" anchor="ctr"/>
+          <a:lstStyle/>
+          <a:p>
+            <a:pPr algn="ctr"/>
+            <a:endParaRPr lang="zh-CN" altLang="en-US" dirty="0"/>
+          </a:p>
+        </p:txBody>
+      </p:sp>
+      <p:cxnSp>
+        <p:nvCxnSpPr>
+          <p:cNvPr id="68" name="直接连接符 67">
+            <a:extLst>
+              <a:ext uri="{FF2B5EF4-FFF2-40B4-BE49-F238E27FC236}">
+                <a16:creationId xmlns:a16="http://schemas.microsoft.com/office/drawing/2014/main" id="{F70BFC72-A00D-C37D-53FD-EA210E2915C3}"/>
+              </a:ext>
+            </a:extLst>
+          </p:cNvPr>
+          <p:cNvCxnSpPr/>
+          <p:nvPr/>
+        </p:nvCxnSpPr>
+        <p:spPr>
+          <a:xfrm flipV="1">
+            <a:off x="8542454" y="866246"/>
+            <a:ext cx="569796" cy="297290"/>
+          </a:xfrm>
+          <a:prstGeom prst="line">
+            <a:avLst/>
+          </a:prstGeom>
+          <a:ln w="12700"/>
+        </p:spPr>
+        <p:style>
+          <a:lnRef idx="3">
+            <a:schemeClr val="dk1"/>
+          </a:lnRef>
+          <a:fillRef idx="0">
+            <a:schemeClr val="dk1"/>
+          </a:fillRef>
+          <a:effectRef idx="2">
+            <a:schemeClr val="dk1"/>
+          </a:effectRef>
+          <a:fontRef idx="minor">
+            <a:schemeClr val="tx1"/>
+          </a:fontRef>
+        </p:style>
+      </p:cxnSp>
+      <p:cxnSp>
+        <p:nvCxnSpPr>
+          <p:cNvPr id="69" name="直接连接符 68">
+            <a:extLst>
+              <a:ext uri="{FF2B5EF4-FFF2-40B4-BE49-F238E27FC236}">
+                <a16:creationId xmlns:a16="http://schemas.microsoft.com/office/drawing/2014/main" id="{01B14B3F-8BC7-62F5-DFDD-75200C7A6629}"/>
+              </a:ext>
+            </a:extLst>
+          </p:cNvPr>
+          <p:cNvCxnSpPr/>
+          <p:nvPr/>
+        </p:nvCxnSpPr>
+        <p:spPr>
+          <a:xfrm flipV="1">
+            <a:off x="10702454" y="866246"/>
+            <a:ext cx="569796" cy="297290"/>
+          </a:xfrm>
+          <a:prstGeom prst="line">
+            <a:avLst/>
+          </a:prstGeom>
+          <a:ln w="12700"/>
+        </p:spPr>
+        <p:style>
+          <a:lnRef idx="3">
+            <a:schemeClr val="dk1"/>
+          </a:lnRef>
+          <a:fillRef idx="0">
+            <a:schemeClr val="dk1"/>
+          </a:fillRef>
+          <a:effectRef idx="2">
+            <a:schemeClr val="dk1"/>
+          </a:effectRef>
+          <a:fontRef idx="minor">
+            <a:schemeClr val="tx1"/>
+          </a:fontRef>
+        </p:style>
+      </p:cxnSp>
+      <p:cxnSp>
+        <p:nvCxnSpPr>
+          <p:cNvPr id="70" name="直接连接符 69">
+            <a:extLst>
+              <a:ext uri="{FF2B5EF4-FFF2-40B4-BE49-F238E27FC236}">
+                <a16:creationId xmlns:a16="http://schemas.microsoft.com/office/drawing/2014/main" id="{E460ABBF-9FF9-D1F7-1B8B-1427A0206D18}"/>
+              </a:ext>
+            </a:extLst>
+          </p:cNvPr>
+          <p:cNvCxnSpPr/>
+          <p:nvPr/>
+        </p:nvCxnSpPr>
+        <p:spPr>
+          <a:xfrm flipV="1">
+            <a:off x="10702454" y="1946246"/>
+            <a:ext cx="569796" cy="297290"/>
+          </a:xfrm>
+          <a:prstGeom prst="line">
+            <a:avLst/>
+          </a:prstGeom>
+          <a:ln w="12700"/>
+        </p:spPr>
+        <p:style>
+          <a:lnRef idx="3">
+            <a:schemeClr val="dk1"/>
+          </a:lnRef>
+          <a:fillRef idx="0">
+            <a:schemeClr val="dk1"/>
+          </a:fillRef>
+          <a:effectRef idx="2">
+            <a:schemeClr val="dk1"/>
+          </a:effectRef>
+          <a:fontRef idx="minor">
+            <a:schemeClr val="tx1"/>
+          </a:fontRef>
+        </p:style>
+      </p:cxnSp>
+      <p:cxnSp>
+        <p:nvCxnSpPr>
+          <p:cNvPr id="72" name="直接连接符 71">
+            <a:extLst>
+              <a:ext uri="{FF2B5EF4-FFF2-40B4-BE49-F238E27FC236}">
+                <a16:creationId xmlns:a16="http://schemas.microsoft.com/office/drawing/2014/main" id="{D945134F-40C3-CDB1-F4B9-FF130D13D67C}"/>
+              </a:ext>
+            </a:extLst>
+          </p:cNvPr>
+          <p:cNvCxnSpPr>
+            <a:cxnSpLocks/>
+          </p:cNvCxnSpPr>
+          <p:nvPr/>
+        </p:nvCxnSpPr>
+        <p:spPr>
+          <a:xfrm flipV="1">
+            <a:off x="11272250" y="866246"/>
+            <a:ext cx="0" cy="1080000"/>
+          </a:xfrm>
+          <a:prstGeom prst="line">
+            <a:avLst/>
+          </a:prstGeom>
+          <a:ln w="12700"/>
+        </p:spPr>
+        <p:style>
+          <a:lnRef idx="3">
+            <a:schemeClr val="dk1"/>
+          </a:lnRef>
+          <a:fillRef idx="0">
+            <a:schemeClr val="dk1"/>
+          </a:fillRef>
+          <a:effectRef idx="2">
+            <a:schemeClr val="dk1"/>
+          </a:effectRef>
+          <a:fontRef idx="minor">
+            <a:schemeClr val="tx1"/>
+          </a:fontRef>
+        </p:style>
+      </p:cxnSp>
+      <p:cxnSp>
+        <p:nvCxnSpPr>
+          <p:cNvPr id="75" name="直接连接符 74">
+            <a:extLst>
+              <a:ext uri="{FF2B5EF4-FFF2-40B4-BE49-F238E27FC236}">
+                <a16:creationId xmlns:a16="http://schemas.microsoft.com/office/drawing/2014/main" id="{BCCCC3C2-B8FA-4638-F9D9-8B0EE7090E6F}"/>
+              </a:ext>
+            </a:extLst>
+          </p:cNvPr>
+          <p:cNvCxnSpPr/>
+          <p:nvPr/>
+        </p:nvCxnSpPr>
+        <p:spPr>
+          <a:xfrm>
+            <a:off x="9112250" y="866246"/>
+            <a:ext cx="2160000" cy="0"/>
+          </a:xfrm>
+          <a:prstGeom prst="line">
+            <a:avLst/>
+          </a:prstGeom>
+          <a:ln w="12700"/>
+        </p:spPr>
+        <p:style>
+          <a:lnRef idx="3">
+            <a:schemeClr val="dk1"/>
+          </a:lnRef>
+          <a:fillRef idx="0">
+            <a:schemeClr val="dk1"/>
+          </a:fillRef>
+          <a:effectRef idx="2">
+            <a:schemeClr val="dk1"/>
+          </a:effectRef>
+          <a:fontRef idx="minor">
+            <a:schemeClr val="tx1"/>
+          </a:fontRef>
+        </p:style>
+      </p:cxnSp>
+      <p:sp>
+        <p:nvSpPr>
+          <p:cNvPr id="76" name="等腰三角形 75">
+            <a:extLst>
+              <a:ext uri="{FF2B5EF4-FFF2-40B4-BE49-F238E27FC236}">
+                <a16:creationId xmlns:a16="http://schemas.microsoft.com/office/drawing/2014/main" id="{4DF0B933-C2E7-6AC7-7265-9CA35A578B38}"/>
+              </a:ext>
+            </a:extLst>
+          </p:cNvPr>
+          <p:cNvSpPr/>
+          <p:nvPr/>
+        </p:nvSpPr>
+        <p:spPr>
+          <a:xfrm rot="15712681">
+            <a:off x="9453520" y="1711910"/>
+            <a:ext cx="114799" cy="68065"/>
+          </a:xfrm>
+          <a:prstGeom prst="triangle">
+            <a:avLst/>
+          </a:prstGeom>
+          <a:solidFill>
+            <a:schemeClr val="tx1"/>
+          </a:solidFill>
+        </p:spPr>
+        <p:style>
+          <a:lnRef idx="2">
+            <a:schemeClr val="dk1"/>
+          </a:lnRef>
+          <a:fillRef idx="1">
+            <a:schemeClr val="lt1"/>
+          </a:fillRef>
+          <a:effectRef idx="0">
+            <a:schemeClr val="dk1"/>
+          </a:effectRef>
+          <a:fontRef idx="minor">
+            <a:schemeClr val="dk1"/>
+          </a:fontRef>
+        </p:style>
+        <p:txBody>
+          <a:bodyPr rtlCol="0" anchor="ctr"/>
+          <a:lstStyle/>
+          <a:p>
+            <a:pPr algn="ctr"/>
+            <a:endParaRPr lang="zh-CN" altLang="en-US"/>
+          </a:p>
+        </p:txBody>
+      </p:sp>
+      <p:cxnSp>
+        <p:nvCxnSpPr>
+          <p:cNvPr id="78" name="直接连接符 77">
+            <a:extLst>
+              <a:ext uri="{FF2B5EF4-FFF2-40B4-BE49-F238E27FC236}">
+                <a16:creationId xmlns:a16="http://schemas.microsoft.com/office/drawing/2014/main" id="{BB31B1D5-680E-8BF6-C6BF-74F33E45B9F7}"/>
+              </a:ext>
+            </a:extLst>
+          </p:cNvPr>
+          <p:cNvCxnSpPr>
+            <a:cxnSpLocks/>
+            <a:stCxn id="76" idx="0"/>
+          </p:cNvCxnSpPr>
+          <p:nvPr/>
+        </p:nvCxnSpPr>
+        <p:spPr>
+          <a:xfrm flipH="1">
+            <a:off x="9372600" y="1750750"/>
+            <a:ext cx="104628" cy="17196"/>
+          </a:xfrm>
+          <a:prstGeom prst="line">
+            <a:avLst/>
+          </a:prstGeom>
+        </p:spPr>
+        <p:style>
+          <a:lnRef idx="3">
+            <a:schemeClr val="dk1"/>
+          </a:lnRef>
+          <a:fillRef idx="0">
+            <a:schemeClr val="dk1"/>
+          </a:fillRef>
+          <a:effectRef idx="2">
+            <a:schemeClr val="dk1"/>
+          </a:effectRef>
+          <a:fontRef idx="minor">
+            <a:schemeClr val="tx1"/>
+          </a:fontRef>
+        </p:style>
+      </p:cxnSp>
+      <p:sp>
+        <p:nvSpPr>
+          <p:cNvPr id="80" name="菱形 79">
+            <a:extLst>
+              <a:ext uri="{FF2B5EF4-FFF2-40B4-BE49-F238E27FC236}">
+                <a16:creationId xmlns:a16="http://schemas.microsoft.com/office/drawing/2014/main" id="{C9D23D68-849B-0228-7666-6EB726A7DAB2}"/>
+              </a:ext>
+            </a:extLst>
+          </p:cNvPr>
+          <p:cNvSpPr/>
+          <p:nvPr/>
+        </p:nvSpPr>
+        <p:spPr>
+          <a:xfrm rot="2412548">
+            <a:off x="9255035" y="1678305"/>
+            <a:ext cx="173850" cy="179282"/>
+          </a:xfrm>
+          <a:prstGeom prst="diamond">
+            <a:avLst/>
+          </a:prstGeom>
+        </p:spPr>
+        <p:style>
+          <a:lnRef idx="2">
+            <a:schemeClr val="dk1"/>
+          </a:lnRef>
+          <a:fillRef idx="1">
+            <a:schemeClr val="lt1"/>
+          </a:fillRef>
+          <a:effectRef idx="0">
+            <a:schemeClr val="dk1"/>
+          </a:effectRef>
+          <a:fontRef idx="minor">
+            <a:schemeClr val="dk1"/>
+          </a:fontRef>
+        </p:style>
+        <p:txBody>
+          <a:bodyPr rtlCol="0" anchor="ctr"/>
+          <a:lstStyle/>
+          <a:p>
+            <a:pPr algn="ctr"/>
+            <a:endParaRPr lang="zh-CN" altLang="en-US" dirty="0"/>
+          </a:p>
+        </p:txBody>
+      </p:sp>
+      <p:sp>
+        <p:nvSpPr>
+          <p:cNvPr id="81" name="文本框 80">
+            <a:extLst>
+              <a:ext uri="{FF2B5EF4-FFF2-40B4-BE49-F238E27FC236}">
+                <a16:creationId xmlns:a16="http://schemas.microsoft.com/office/drawing/2014/main" id="{947DC7C3-3B7C-B915-4DC6-C66D156B4343}"/>
+              </a:ext>
+            </a:extLst>
+          </p:cNvPr>
+          <p:cNvSpPr txBox="1"/>
+          <p:nvPr/>
+        </p:nvSpPr>
+        <p:spPr>
+          <a:xfrm>
+            <a:off x="9263205" y="1647561"/>
+            <a:ext cx="153703" cy="230832"/>
+          </a:xfrm>
+          <a:prstGeom prst="rect">
+            <a:avLst/>
+          </a:prstGeom>
+          <a:noFill/>
+        </p:spPr>
+        <p:txBody>
+          <a:bodyPr wrap="square" rtlCol="0">
+            <a:spAutoFit/>
+          </a:bodyPr>
+          <a:lstStyle/>
+          <a:p>
+            <a:pPr algn="ctr"/>
+            <a:r>
+              <a:rPr lang="en-US" altLang="zh-CN" sz="900" dirty="0">
+                <a:latin typeface="Times New Roman" panose="02020603050405020304" pitchFamily="18" charset="0"/>
+                <a:cs typeface="Times New Roman" panose="02020603050405020304" pitchFamily="18" charset="0"/>
+              </a:rPr>
+              <a:t>A</a:t>
+            </a:r>
+            <a:endParaRPr lang="zh-CN" altLang="en-US" sz="1100" dirty="0">
+              <a:latin typeface="Times New Roman" panose="02020603050405020304" pitchFamily="18" charset="0"/>
+              <a:cs typeface="Times New Roman" panose="02020603050405020304" pitchFamily="18" charset="0"/>
+            </a:endParaRPr>
+          </a:p>
+        </p:txBody>
+      </p:sp>
+      <p:sp>
+        <p:nvSpPr>
+          <p:cNvPr id="82" name="椭圆 81">
+            <a:extLst>
+              <a:ext uri="{FF2B5EF4-FFF2-40B4-BE49-F238E27FC236}">
+                <a16:creationId xmlns:a16="http://schemas.microsoft.com/office/drawing/2014/main" id="{0A48A8F4-F6C7-07CB-70AA-D889B19DD44C}"/>
+              </a:ext>
+            </a:extLst>
+          </p:cNvPr>
+          <p:cNvSpPr/>
+          <p:nvPr/>
+        </p:nvSpPr>
+        <p:spPr>
+          <a:xfrm>
+            <a:off x="9766299" y="992031"/>
+            <a:ext cx="45719" cy="45719"/>
+          </a:xfrm>
+          <a:prstGeom prst="ellipse">
+            <a:avLst/>
+          </a:prstGeom>
+          <a:solidFill>
+            <a:schemeClr val="tx1"/>
+          </a:solidFill>
+        </p:spPr>
+        <p:style>
+          <a:lnRef idx="2">
+            <a:schemeClr val="dk1"/>
+          </a:lnRef>
+          <a:fillRef idx="1">
+            <a:schemeClr val="lt1"/>
+          </a:fillRef>
+          <a:effectRef idx="0">
+            <a:schemeClr val="dk1"/>
+          </a:effectRef>
+          <a:fontRef idx="minor">
+            <a:schemeClr val="dk1"/>
+          </a:fontRef>
+        </p:style>
+        <p:txBody>
+          <a:bodyPr rtlCol="0" anchor="ctr"/>
+          <a:lstStyle/>
+          <a:p>
+            <a:pPr algn="ctr"/>
+            <a:endParaRPr lang="zh-CN" altLang="en-US"/>
+          </a:p>
+        </p:txBody>
+      </p:sp>
+      <p:cxnSp>
+        <p:nvCxnSpPr>
+          <p:cNvPr id="84" name="连接符: 肘形 83">
+            <a:extLst>
+              <a:ext uri="{FF2B5EF4-FFF2-40B4-BE49-F238E27FC236}">
+                <a16:creationId xmlns:a16="http://schemas.microsoft.com/office/drawing/2014/main" id="{32CCF657-2A29-DC50-3F63-347BACD4D902}"/>
+              </a:ext>
+            </a:extLst>
+          </p:cNvPr>
+          <p:cNvCxnSpPr>
+            <a:cxnSpLocks/>
+            <a:stCxn id="82" idx="0"/>
+          </p:cNvCxnSpPr>
+          <p:nvPr/>
+        </p:nvCxnSpPr>
+        <p:spPr>
+          <a:xfrm rot="5400000" flipH="1" flipV="1">
+            <a:off x="9739094" y="728440"/>
+            <a:ext cx="313656" cy="213527"/>
+          </a:xfrm>
+          <a:prstGeom prst="bentConnector3">
+            <a:avLst>
+              <a:gd name="adj1" fmla="val 96564"/>
+            </a:avLst>
+          </a:prstGeom>
+          <a:ln w="12700"/>
+        </p:spPr>
+        <p:style>
+          <a:lnRef idx="3">
+            <a:schemeClr val="dk1"/>
+          </a:lnRef>
+          <a:fillRef idx="0">
+            <a:schemeClr val="dk1"/>
+          </a:fillRef>
+          <a:effectRef idx="2">
+            <a:schemeClr val="dk1"/>
+          </a:effectRef>
+          <a:fontRef idx="minor">
+            <a:schemeClr val="tx1"/>
+          </a:fontRef>
+        </p:style>
+      </p:cxnSp>
+      <p:grpSp>
+        <p:nvGrpSpPr>
+          <p:cNvPr id="90" name="组合 89">
+            <a:extLst>
+              <a:ext uri="{FF2B5EF4-FFF2-40B4-BE49-F238E27FC236}">
+                <a16:creationId xmlns:a16="http://schemas.microsoft.com/office/drawing/2014/main" id="{E1B9AD4E-8048-8545-3AA7-7E551B56D40B}"/>
+              </a:ext>
+            </a:extLst>
+          </p:cNvPr>
+          <p:cNvGrpSpPr/>
+          <p:nvPr/>
+        </p:nvGrpSpPr>
+        <p:grpSpPr>
+          <a:xfrm>
+            <a:off x="10003954" y="542225"/>
+            <a:ext cx="576000" cy="288000"/>
+            <a:chOff x="2795239" y="810322"/>
+            <a:chExt cx="576000" cy="288000"/>
+          </a:xfrm>
+        </p:grpSpPr>
+        <p:sp>
+          <p:nvSpPr>
+            <p:cNvPr id="91" name="矩形 90">
+              <a:extLst>
+                <a:ext uri="{FF2B5EF4-FFF2-40B4-BE49-F238E27FC236}">
+                  <a16:creationId xmlns:a16="http://schemas.microsoft.com/office/drawing/2014/main" id="{DFB5242C-2058-0B32-C146-CB2679B9DAB0}"/>
+                </a:ext>
+              </a:extLst>
+            </p:cNvPr>
+            <p:cNvSpPr/>
+            <p:nvPr/>
+          </p:nvSpPr>
+          <p:spPr>
+            <a:xfrm>
+              <a:off x="2795239" y="810322"/>
+              <a:ext cx="288000" cy="288000"/>
+            </a:xfrm>
+            <a:prstGeom prst="rect">
+              <a:avLst/>
+            </a:prstGeom>
+          </p:spPr>
+          <p:style>
+            <a:lnRef idx="2">
+              <a:schemeClr val="dk1"/>
+            </a:lnRef>
+            <a:fillRef idx="1">
+              <a:schemeClr val="lt1"/>
+            </a:fillRef>
+            <a:effectRef idx="0">
+              <a:schemeClr val="dk1"/>
+            </a:effectRef>
+            <a:fontRef idx="minor">
+              <a:schemeClr val="dk1"/>
+            </a:fontRef>
+          </p:style>
+          <p:txBody>
+            <a:bodyPr rtlCol="0" anchor="ctr"/>
+            <a:lstStyle/>
+            <a:p>
+              <a:pPr algn="ctr"/>
+              <a:endParaRPr lang="zh-CN" altLang="en-US" dirty="0"/>
+            </a:p>
+          </p:txBody>
+        </p:sp>
+        <p:sp>
+          <p:nvSpPr>
+            <p:cNvPr id="92" name="矩形 91">
+              <a:extLst>
+                <a:ext uri="{FF2B5EF4-FFF2-40B4-BE49-F238E27FC236}">
+                  <a16:creationId xmlns:a16="http://schemas.microsoft.com/office/drawing/2014/main" id="{BC2F2CBF-4F8F-05E6-983C-04CF2C6F8590}"/>
+                </a:ext>
+              </a:extLst>
+            </p:cNvPr>
+            <p:cNvSpPr/>
+            <p:nvPr/>
+          </p:nvSpPr>
+          <p:spPr>
+            <a:xfrm>
+              <a:off x="3083239" y="810322"/>
+              <a:ext cx="288000" cy="288000"/>
+            </a:xfrm>
+            <a:prstGeom prst="rect">
+              <a:avLst/>
+            </a:prstGeom>
+          </p:spPr>
+          <p:style>
+            <a:lnRef idx="2">
+              <a:schemeClr val="dk1"/>
+            </a:lnRef>
+            <a:fillRef idx="1">
+              <a:schemeClr val="lt1"/>
+            </a:fillRef>
+            <a:effectRef idx="0">
+              <a:schemeClr val="dk1"/>
+            </a:effectRef>
+            <a:fontRef idx="minor">
+              <a:schemeClr val="dk1"/>
+            </a:fontRef>
+          </p:style>
+          <p:txBody>
+            <a:bodyPr rtlCol="0" anchor="ctr"/>
+            <a:lstStyle/>
+            <a:p>
+              <a:pPr algn="ctr"/>
+              <a:endParaRPr lang="zh-CN" altLang="en-US"/>
+            </a:p>
+          </p:txBody>
+        </p:sp>
+      </p:grpSp>
+      <p:grpSp>
+        <p:nvGrpSpPr>
+          <p:cNvPr id="93" name="组合 92">
+            <a:extLst>
+              <a:ext uri="{FF2B5EF4-FFF2-40B4-BE49-F238E27FC236}">
+                <a16:creationId xmlns:a16="http://schemas.microsoft.com/office/drawing/2014/main" id="{D7B8515E-8926-6344-0AFE-5A13EEE4DA79}"/>
+              </a:ext>
+            </a:extLst>
+          </p:cNvPr>
+          <p:cNvGrpSpPr/>
+          <p:nvPr/>
+        </p:nvGrpSpPr>
+        <p:grpSpPr>
+          <a:xfrm>
+            <a:off x="10579954" y="542225"/>
+            <a:ext cx="708324" cy="288001"/>
+            <a:chOff x="2048126" y="1204776"/>
+            <a:chExt cx="708324" cy="288001"/>
+          </a:xfrm>
+        </p:grpSpPr>
+        <p:sp>
+          <p:nvSpPr>
+            <p:cNvPr id="94" name="矩形 93">
+              <a:extLst>
+                <a:ext uri="{FF2B5EF4-FFF2-40B4-BE49-F238E27FC236}">
+                  <a16:creationId xmlns:a16="http://schemas.microsoft.com/office/drawing/2014/main" id="{7164EC2C-9C8F-CA98-B43B-EA24F39E9C9A}"/>
+                </a:ext>
+              </a:extLst>
+            </p:cNvPr>
+            <p:cNvSpPr/>
+            <p:nvPr/>
+          </p:nvSpPr>
+          <p:spPr>
+            <a:xfrm>
+              <a:off x="2468450" y="1204777"/>
+              <a:ext cx="288000" cy="288000"/>
+            </a:xfrm>
+            <a:prstGeom prst="rect">
+              <a:avLst/>
+            </a:prstGeom>
+          </p:spPr>
+          <p:style>
+            <a:lnRef idx="2">
+              <a:schemeClr val="dk1"/>
+            </a:lnRef>
+            <a:fillRef idx="1">
+              <a:schemeClr val="lt1"/>
+            </a:fillRef>
+            <a:effectRef idx="0">
+              <a:schemeClr val="dk1"/>
+            </a:effectRef>
+            <a:fontRef idx="minor">
+              <a:schemeClr val="dk1"/>
+            </a:fontRef>
+          </p:style>
+          <p:txBody>
+            <a:bodyPr rtlCol="0" anchor="ctr"/>
+            <a:lstStyle/>
+            <a:p>
+              <a:pPr algn="ctr"/>
+              <a:endParaRPr lang="zh-CN" altLang="en-US" dirty="0"/>
+            </a:p>
+          </p:txBody>
+        </p:sp>
+        <p:grpSp>
+          <p:nvGrpSpPr>
+            <p:cNvPr id="95" name="组合 94">
+              <a:extLst>
+                <a:ext uri="{FF2B5EF4-FFF2-40B4-BE49-F238E27FC236}">
+                  <a16:creationId xmlns:a16="http://schemas.microsoft.com/office/drawing/2014/main" id="{E48ED71C-1BEE-54CB-2817-B8A0A89F75D5}"/>
+                </a:ext>
+              </a:extLst>
+            </p:cNvPr>
+            <p:cNvGrpSpPr/>
+            <p:nvPr/>
+          </p:nvGrpSpPr>
+          <p:grpSpPr>
+            <a:xfrm rot="10800000">
+              <a:off x="2048126" y="1204776"/>
+              <a:ext cx="420324" cy="288000"/>
+              <a:chOff x="1772013" y="1086549"/>
+              <a:chExt cx="420324" cy="288000"/>
+            </a:xfrm>
+          </p:grpSpPr>
+          <p:sp>
+            <p:nvSpPr>
+              <p:cNvPr id="96" name="箭头: 五边形 95">
+                <a:extLst>
+                  <a:ext uri="{FF2B5EF4-FFF2-40B4-BE49-F238E27FC236}">
+                    <a16:creationId xmlns:a16="http://schemas.microsoft.com/office/drawing/2014/main" id="{55C19F54-C44A-2EAD-ADCB-23A9B8B6C978}"/>
+                  </a:ext>
+                </a:extLst>
+              </p:cNvPr>
+              <p:cNvSpPr/>
+              <p:nvPr/>
+            </p:nvSpPr>
+            <p:spPr>
+              <a:xfrm>
+                <a:off x="1772013" y="1086549"/>
+                <a:ext cx="420324" cy="288000"/>
+              </a:xfrm>
+              <a:prstGeom prst="homePlate">
+                <a:avLst>
+                  <a:gd name="adj" fmla="val 42834"/>
+                </a:avLst>
+              </a:prstGeom>
+            </p:spPr>
+            <p:style>
+              <a:lnRef idx="2">
+                <a:schemeClr val="dk1"/>
+              </a:lnRef>
+              <a:fillRef idx="1">
+                <a:schemeClr val="lt1"/>
+              </a:fillRef>
+              <a:effectRef idx="0">
+                <a:schemeClr val="dk1"/>
+              </a:effectRef>
+              <a:fontRef idx="minor">
+                <a:schemeClr val="dk1"/>
+              </a:fontRef>
+            </p:style>
+            <p:txBody>
+              <a:bodyPr rtlCol="0" anchor="ctr"/>
+              <a:lstStyle/>
+              <a:p>
+                <a:pPr algn="ctr"/>
+                <a:endParaRPr lang="zh-CN" altLang="en-US" dirty="0"/>
+              </a:p>
+            </p:txBody>
+          </p:sp>
+          <p:cxnSp>
+            <p:nvCxnSpPr>
+              <p:cNvPr id="97" name="直接连接符 96">
+                <a:extLst>
+                  <a:ext uri="{FF2B5EF4-FFF2-40B4-BE49-F238E27FC236}">
+                    <a16:creationId xmlns:a16="http://schemas.microsoft.com/office/drawing/2014/main" id="{D1B734D9-F614-E4EC-5BA6-6DE243C79251}"/>
+                  </a:ext>
+                </a:extLst>
+              </p:cNvPr>
+              <p:cNvCxnSpPr/>
+              <p:nvPr/>
+            </p:nvCxnSpPr>
+            <p:spPr>
+              <a:xfrm flipV="1">
+                <a:off x="2063750" y="1086549"/>
+                <a:ext cx="0" cy="288000"/>
+              </a:xfrm>
+              <a:prstGeom prst="line">
+                <a:avLst/>
+              </a:prstGeom>
+              <a:ln w="12700"/>
+            </p:spPr>
+            <p:style>
+              <a:lnRef idx="3">
+                <a:schemeClr val="dk1"/>
+              </a:lnRef>
+              <a:fillRef idx="0">
+                <a:schemeClr val="dk1"/>
+              </a:fillRef>
+              <a:effectRef idx="2">
+                <a:schemeClr val="dk1"/>
+              </a:effectRef>
+              <a:fontRef idx="minor">
+                <a:schemeClr val="tx1"/>
+              </a:fontRef>
+            </p:style>
+          </p:cxnSp>
+        </p:grpSp>
+      </p:grpSp>
+      <p:sp>
+        <p:nvSpPr>
+          <p:cNvPr id="98" name="文本框 97">
+            <a:extLst>
+              <a:ext uri="{FF2B5EF4-FFF2-40B4-BE49-F238E27FC236}">
+                <a16:creationId xmlns:a16="http://schemas.microsoft.com/office/drawing/2014/main" id="{31DA55F2-8E0E-0D06-3B73-4642C13E75AB}"/>
+              </a:ext>
+            </a:extLst>
+          </p:cNvPr>
+          <p:cNvSpPr txBox="1"/>
+          <p:nvPr/>
+        </p:nvSpPr>
+        <p:spPr>
+          <a:xfrm>
+            <a:off x="11000283" y="501559"/>
+            <a:ext cx="287994" cy="369332"/>
+          </a:xfrm>
+          <a:prstGeom prst="rect">
+            <a:avLst/>
+          </a:prstGeom>
+          <a:noFill/>
+        </p:spPr>
+        <p:txBody>
+          <a:bodyPr wrap="square" rtlCol="0">
+            <a:spAutoFit/>
+          </a:bodyPr>
+          <a:lstStyle/>
+          <a:p>
+            <a:pPr algn="ctr"/>
+            <a:r>
+              <a:rPr lang="en-US" altLang="zh-CN" dirty="0">
+                <a:latin typeface="Times New Roman" panose="02020603050405020304" pitchFamily="18" charset="0"/>
+                <a:cs typeface="Times New Roman" panose="02020603050405020304" pitchFamily="18" charset="0"/>
+              </a:rPr>
+              <a:t>A</a:t>
+            </a:r>
+            <a:endParaRPr lang="zh-CN" altLang="en-US" dirty="0">
+              <a:latin typeface="Times New Roman" panose="02020603050405020304" pitchFamily="18" charset="0"/>
+              <a:cs typeface="Times New Roman" panose="02020603050405020304" pitchFamily="18" charset="0"/>
+            </a:endParaRPr>
+          </a:p>
+        </p:txBody>
+      </p:sp>
+      <p:grpSp>
+        <p:nvGrpSpPr>
+          <p:cNvPr id="99" name="组合 98">
+            <a:extLst>
+              <a:ext uri="{FF2B5EF4-FFF2-40B4-BE49-F238E27FC236}">
+                <a16:creationId xmlns:a16="http://schemas.microsoft.com/office/drawing/2014/main" id="{75B89111-66E9-67A9-12F9-C503ADE73AD6}"/>
+              </a:ext>
+            </a:extLst>
+          </p:cNvPr>
+          <p:cNvGrpSpPr/>
+          <p:nvPr/>
+        </p:nvGrpSpPr>
+        <p:grpSpPr>
+          <a:xfrm>
+            <a:off x="10754278" y="585783"/>
+            <a:ext cx="200259" cy="200883"/>
+            <a:chOff x="2725821" y="3095069"/>
+            <a:chExt cx="228974" cy="438294"/>
+          </a:xfrm>
+        </p:grpSpPr>
+        <p:cxnSp>
+          <p:nvCxnSpPr>
+            <p:cNvPr id="100" name="直接连接符 99">
+              <a:extLst>
+                <a:ext uri="{FF2B5EF4-FFF2-40B4-BE49-F238E27FC236}">
+                  <a16:creationId xmlns:a16="http://schemas.microsoft.com/office/drawing/2014/main" id="{994D91D4-EAA0-FF44-6F4E-F9F3E536466E}"/>
+                </a:ext>
+              </a:extLst>
+            </p:cNvPr>
+            <p:cNvCxnSpPr>
+              <a:cxnSpLocks/>
+            </p:cNvCxnSpPr>
+            <p:nvPr/>
+          </p:nvCxnSpPr>
+          <p:spPr>
+            <a:xfrm flipV="1">
+              <a:off x="2725821" y="3095069"/>
+              <a:ext cx="90000" cy="438294"/>
+            </a:xfrm>
+            <a:prstGeom prst="line">
+              <a:avLst/>
+            </a:prstGeom>
+          </p:spPr>
+          <p:style>
+            <a:lnRef idx="3">
+              <a:schemeClr val="dk1"/>
+            </a:lnRef>
+            <a:fillRef idx="0">
+              <a:schemeClr val="dk1"/>
+            </a:fillRef>
+            <a:effectRef idx="2">
+              <a:schemeClr val="dk1"/>
+            </a:effectRef>
+            <a:fontRef idx="minor">
+              <a:schemeClr val="tx1"/>
+            </a:fontRef>
+          </p:style>
+        </p:cxnSp>
+        <p:cxnSp>
+          <p:nvCxnSpPr>
+            <p:cNvPr id="101" name="直接连接符 100">
+              <a:extLst>
+                <a:ext uri="{FF2B5EF4-FFF2-40B4-BE49-F238E27FC236}">
+                  <a16:creationId xmlns:a16="http://schemas.microsoft.com/office/drawing/2014/main" id="{5CD414A3-6AEC-B129-E0E4-3C92A9977B07}"/>
+                </a:ext>
+              </a:extLst>
+            </p:cNvPr>
+            <p:cNvCxnSpPr>
+              <a:cxnSpLocks/>
+            </p:cNvCxnSpPr>
+            <p:nvPr/>
+          </p:nvCxnSpPr>
+          <p:spPr>
+            <a:xfrm flipV="1">
+              <a:off x="2864795" y="3095069"/>
+              <a:ext cx="90000" cy="438294"/>
+            </a:xfrm>
+            <a:prstGeom prst="line">
+              <a:avLst/>
+            </a:prstGeom>
+          </p:spPr>
+          <p:style>
+            <a:lnRef idx="3">
+              <a:schemeClr val="dk1"/>
+            </a:lnRef>
+            <a:fillRef idx="0">
+              <a:schemeClr val="dk1"/>
+            </a:fillRef>
+            <a:effectRef idx="2">
+              <a:schemeClr val="dk1"/>
+            </a:effectRef>
+            <a:fontRef idx="minor">
+              <a:schemeClr val="tx1"/>
+            </a:fontRef>
+          </p:style>
+        </p:cxnSp>
+      </p:grpSp>
+      <p:cxnSp>
+        <p:nvCxnSpPr>
+          <p:cNvPr id="102" name="直接连接符 101">
+            <a:extLst>
+              <a:ext uri="{FF2B5EF4-FFF2-40B4-BE49-F238E27FC236}">
+                <a16:creationId xmlns:a16="http://schemas.microsoft.com/office/drawing/2014/main" id="{24119A78-2176-C29E-F244-85DDEE7FD822}"/>
+              </a:ext>
+            </a:extLst>
+          </p:cNvPr>
+          <p:cNvCxnSpPr>
+            <a:cxnSpLocks/>
+          </p:cNvCxnSpPr>
+          <p:nvPr/>
+        </p:nvCxnSpPr>
+        <p:spPr>
+          <a:xfrm>
+            <a:off x="10068346" y="704186"/>
+            <a:ext cx="162969" cy="0"/>
+          </a:xfrm>
+          <a:prstGeom prst="line">
+            <a:avLst/>
+          </a:prstGeom>
+        </p:spPr>
+        <p:style>
+          <a:lnRef idx="3">
+            <a:schemeClr val="dk1"/>
+          </a:lnRef>
+          <a:fillRef idx="0">
+            <a:schemeClr val="dk1"/>
+          </a:fillRef>
+          <a:effectRef idx="2">
+            <a:schemeClr val="dk1"/>
+          </a:effectRef>
+          <a:fontRef idx="minor">
+            <a:schemeClr val="tx1"/>
+          </a:fontRef>
+        </p:style>
+      </p:cxnSp>
+      <p:sp>
+        <p:nvSpPr>
+          <p:cNvPr id="103" name="文本框 102">
+            <a:extLst>
+              <a:ext uri="{FF2B5EF4-FFF2-40B4-BE49-F238E27FC236}">
+                <a16:creationId xmlns:a16="http://schemas.microsoft.com/office/drawing/2014/main" id="{49EE3FC7-EDCF-7F77-4408-8D308DA5AA92}"/>
+              </a:ext>
+            </a:extLst>
+          </p:cNvPr>
+          <p:cNvSpPr txBox="1"/>
+          <p:nvPr/>
+        </p:nvSpPr>
+        <p:spPr>
+          <a:xfrm>
+            <a:off x="10299417" y="501559"/>
+            <a:ext cx="287994" cy="369332"/>
+          </a:xfrm>
+          <a:prstGeom prst="rect">
+            <a:avLst/>
+          </a:prstGeom>
+          <a:noFill/>
+        </p:spPr>
+        <p:txBody>
+          <a:bodyPr wrap="square" rtlCol="0">
+            <a:spAutoFit/>
+          </a:bodyPr>
+          <a:lstStyle/>
+          <a:p>
+            <a:pPr algn="ctr"/>
+            <a:r>
+              <a:rPr lang="en-US" altLang="zh-CN" dirty="0">
+                <a:latin typeface="Times New Roman" panose="02020603050405020304" pitchFamily="18" charset="0"/>
+                <a:cs typeface="Times New Roman" panose="02020603050405020304" pitchFamily="18" charset="0"/>
+              </a:rPr>
+              <a:t>t</a:t>
+            </a:r>
+            <a:endParaRPr lang="zh-CN" altLang="en-US" dirty="0">
+              <a:latin typeface="Times New Roman" panose="02020603050405020304" pitchFamily="18" charset="0"/>
+              <a:cs typeface="Times New Roman" panose="02020603050405020304" pitchFamily="18" charset="0"/>
+            </a:endParaRPr>
+          </a:p>
+        </p:txBody>
+      </p:sp>
+      <p:sp>
+        <p:nvSpPr>
+          <p:cNvPr id="105" name="矩形 104">
+            <a:extLst>
+              <a:ext uri="{FF2B5EF4-FFF2-40B4-BE49-F238E27FC236}">
+                <a16:creationId xmlns:a16="http://schemas.microsoft.com/office/drawing/2014/main" id="{68A992EB-2A3A-E041-8A3E-B9728E5BC8FA}"/>
+              </a:ext>
+            </a:extLst>
+          </p:cNvPr>
+          <p:cNvSpPr/>
+          <p:nvPr/>
+        </p:nvSpPr>
+        <p:spPr>
+          <a:xfrm>
+            <a:off x="988656" y="4476410"/>
+            <a:ext cx="2160000" cy="1080000"/>
+          </a:xfrm>
+          <a:prstGeom prst="rect">
+            <a:avLst/>
+          </a:prstGeom>
+        </p:spPr>
+        <p:style>
+          <a:lnRef idx="2">
+            <a:schemeClr val="dk1"/>
+          </a:lnRef>
+          <a:fillRef idx="1">
+            <a:schemeClr val="lt1"/>
+          </a:fillRef>
+          <a:effectRef idx="0">
+            <a:schemeClr val="dk1"/>
+          </a:effectRef>
+          <a:fontRef idx="minor">
+            <a:schemeClr val="dk1"/>
+          </a:fontRef>
+        </p:style>
+        <p:txBody>
+          <a:bodyPr rtlCol="0" anchor="ctr"/>
+          <a:lstStyle/>
+          <a:p>
+            <a:pPr algn="ctr"/>
+            <a:endParaRPr lang="zh-CN" altLang="en-US"/>
+          </a:p>
+        </p:txBody>
+      </p:sp>
+      <p:sp>
+        <p:nvSpPr>
+          <p:cNvPr id="112" name="任意多边形: 形状 111">
+            <a:extLst>
+              <a:ext uri="{FF2B5EF4-FFF2-40B4-BE49-F238E27FC236}">
+                <a16:creationId xmlns:a16="http://schemas.microsoft.com/office/drawing/2014/main" id="{07307455-200C-09E0-24B0-2BDE29592212}"/>
+              </a:ext>
+            </a:extLst>
+          </p:cNvPr>
+          <p:cNvSpPr/>
+          <p:nvPr/>
+        </p:nvSpPr>
+        <p:spPr>
+          <a:xfrm>
+            <a:off x="3926999" y="4476410"/>
+            <a:ext cx="1080000" cy="1080000"/>
+          </a:xfrm>
+          <a:custGeom>
+            <a:avLst/>
+            <a:gdLst>
+              <a:gd name="connsiteX0" fmla="*/ 0 w 1080000"/>
+              <a:gd name="connsiteY0" fmla="*/ 0 h 1080000"/>
+              <a:gd name="connsiteX1" fmla="*/ 1080000 w 1080000"/>
+              <a:gd name="connsiteY1" fmla="*/ 360000 h 1080000"/>
+              <a:gd name="connsiteX2" fmla="*/ 1080000 w 1080000"/>
+              <a:gd name="connsiteY2" fmla="*/ 1080000 h 1080000"/>
+              <a:gd name="connsiteX3" fmla="*/ 0 w 1080000"/>
+              <a:gd name="connsiteY3" fmla="*/ 1080000 h 1080000"/>
+              <a:gd name="connsiteX4" fmla="*/ 0 w 1080000"/>
+              <a:gd name="connsiteY4" fmla="*/ 360000 h 1080000"/>
+            </a:gdLst>
+            <a:ahLst/>
+            <a:cxnLst>
+              <a:cxn ang="0">
+                <a:pos x="connsiteX0" y="connsiteY0"/>
+              </a:cxn>
+              <a:cxn ang="0">
+                <a:pos x="connsiteX1" y="connsiteY1"/>
+              </a:cxn>
+              <a:cxn ang="0">
+                <a:pos x="connsiteX2" y="connsiteY2"/>
+              </a:cxn>
+              <a:cxn ang="0">
+                <a:pos x="connsiteX3" y="connsiteY3"/>
+              </a:cxn>
+              <a:cxn ang="0">
+                <a:pos x="connsiteX4" y="connsiteY4"/>
+              </a:cxn>
+            </a:cxnLst>
+            <a:rect l="l" t="t" r="r" b="b"/>
+            <a:pathLst>
+              <a:path w="1080000" h="1080000">
+                <a:moveTo>
+                  <a:pt x="0" y="0"/>
+                </a:moveTo>
+                <a:lnTo>
+                  <a:pt x="1080000" y="360000"/>
+                </a:lnTo>
+                <a:lnTo>
+                  <a:pt x="1080000" y="1080000"/>
+                </a:lnTo>
+                <a:lnTo>
+                  <a:pt x="0" y="1080000"/>
+                </a:lnTo>
+                <a:lnTo>
+                  <a:pt x="0" y="360000"/>
+                </a:lnTo>
+                <a:close/>
+              </a:path>
+            </a:pathLst>
+          </a:custGeom>
+        </p:spPr>
+        <p:style>
+          <a:lnRef idx="2">
+            <a:schemeClr val="dk1"/>
+          </a:lnRef>
+          <a:fillRef idx="1">
+            <a:schemeClr val="lt1"/>
+          </a:fillRef>
+          <a:effectRef idx="0">
+            <a:schemeClr val="dk1"/>
+          </a:effectRef>
+          <a:fontRef idx="minor">
+            <a:schemeClr val="dk1"/>
+          </a:fontRef>
+        </p:style>
+        <p:txBody>
+          <a:bodyPr wrap="square" rtlCol="0" anchor="ctr">
+            <a:noAutofit/>
+          </a:bodyPr>
+          <a:lstStyle/>
+          <a:p>
+            <a:pPr algn="ctr"/>
+            <a:endParaRPr lang="zh-CN" altLang="en-US"/>
+          </a:p>
+        </p:txBody>
+      </p:sp>
+      <p:cxnSp>
+        <p:nvCxnSpPr>
+          <p:cNvPr id="114" name="直接连接符 113">
+            <a:extLst>
+              <a:ext uri="{FF2B5EF4-FFF2-40B4-BE49-F238E27FC236}">
+                <a16:creationId xmlns:a16="http://schemas.microsoft.com/office/drawing/2014/main" id="{A2EF7999-6DAA-6F6D-7B49-886A90F9BAAD}"/>
+              </a:ext>
+            </a:extLst>
+          </p:cNvPr>
+          <p:cNvCxnSpPr>
+            <a:cxnSpLocks/>
+          </p:cNvCxnSpPr>
+          <p:nvPr/>
+        </p:nvCxnSpPr>
+        <p:spPr>
+          <a:xfrm flipH="1">
+            <a:off x="988656" y="4846826"/>
+            <a:ext cx="2160000" cy="0"/>
+          </a:xfrm>
+          <a:prstGeom prst="line">
+            <a:avLst/>
+          </a:prstGeom>
+          <a:ln w="12700"/>
+        </p:spPr>
+        <p:style>
+          <a:lnRef idx="3">
+            <a:schemeClr val="dk1"/>
+          </a:lnRef>
+          <a:fillRef idx="0">
+            <a:schemeClr val="dk1"/>
+          </a:fillRef>
+          <a:effectRef idx="2">
+            <a:schemeClr val="dk1"/>
+          </a:effectRef>
+          <a:fontRef idx="minor">
+            <a:schemeClr val="tx1"/>
+          </a:fontRef>
+        </p:style>
+      </p:cxnSp>
+      <p:grpSp>
+        <p:nvGrpSpPr>
+          <p:cNvPr id="118" name="组合 117">
+            <a:extLst>
+              <a:ext uri="{FF2B5EF4-FFF2-40B4-BE49-F238E27FC236}">
+                <a16:creationId xmlns:a16="http://schemas.microsoft.com/office/drawing/2014/main" id="{80D07834-1370-F90D-5C7C-ACF2227AC8FD}"/>
+              </a:ext>
+            </a:extLst>
+          </p:cNvPr>
+          <p:cNvGrpSpPr/>
+          <p:nvPr/>
+        </p:nvGrpSpPr>
+        <p:grpSpPr>
+          <a:xfrm>
+            <a:off x="1974004" y="3701641"/>
+            <a:ext cx="576000" cy="288000"/>
+            <a:chOff x="2795239" y="810322"/>
+            <a:chExt cx="576000" cy="288000"/>
+          </a:xfrm>
+        </p:grpSpPr>
+        <p:sp>
+          <p:nvSpPr>
+            <p:cNvPr id="119" name="矩形 118">
+              <a:extLst>
+                <a:ext uri="{FF2B5EF4-FFF2-40B4-BE49-F238E27FC236}">
+                  <a16:creationId xmlns:a16="http://schemas.microsoft.com/office/drawing/2014/main" id="{7A5F1A72-5C27-0AB2-9444-5061BA350106}"/>
+                </a:ext>
+              </a:extLst>
+            </p:cNvPr>
+            <p:cNvSpPr/>
+            <p:nvPr/>
+          </p:nvSpPr>
+          <p:spPr>
+            <a:xfrm>
+              <a:off x="2795239" y="810322"/>
+              <a:ext cx="288000" cy="288000"/>
+            </a:xfrm>
+            <a:prstGeom prst="rect">
+              <a:avLst/>
+            </a:prstGeom>
+          </p:spPr>
+          <p:style>
+            <a:lnRef idx="2">
+              <a:schemeClr val="dk1"/>
+            </a:lnRef>
+            <a:fillRef idx="1">
+              <a:schemeClr val="lt1"/>
+            </a:fillRef>
+            <a:effectRef idx="0">
+              <a:schemeClr val="dk1"/>
+            </a:effectRef>
+            <a:fontRef idx="minor">
+              <a:schemeClr val="dk1"/>
+            </a:fontRef>
+          </p:style>
+          <p:txBody>
+            <a:bodyPr rtlCol="0" anchor="ctr"/>
+            <a:lstStyle/>
+            <a:p>
+              <a:pPr algn="ctr"/>
+              <a:endParaRPr lang="zh-CN" altLang="en-US" dirty="0"/>
+            </a:p>
+          </p:txBody>
+        </p:sp>
+        <p:sp>
+          <p:nvSpPr>
+            <p:cNvPr id="120" name="矩形 119">
+              <a:extLst>
+                <a:ext uri="{FF2B5EF4-FFF2-40B4-BE49-F238E27FC236}">
+                  <a16:creationId xmlns:a16="http://schemas.microsoft.com/office/drawing/2014/main" id="{3D91CB61-0EF0-0666-3205-709FF1947442}"/>
+                </a:ext>
+              </a:extLst>
+            </p:cNvPr>
+            <p:cNvSpPr/>
+            <p:nvPr/>
+          </p:nvSpPr>
+          <p:spPr>
+            <a:xfrm>
+              <a:off x="3083239" y="810322"/>
+              <a:ext cx="288000" cy="288000"/>
+            </a:xfrm>
+            <a:prstGeom prst="rect">
+              <a:avLst/>
+            </a:prstGeom>
+          </p:spPr>
+          <p:style>
+            <a:lnRef idx="2">
+              <a:schemeClr val="dk1"/>
+            </a:lnRef>
+            <a:fillRef idx="1">
+              <a:schemeClr val="lt1"/>
+            </a:fillRef>
+            <a:effectRef idx="0">
+              <a:schemeClr val="dk1"/>
+            </a:effectRef>
+            <a:fontRef idx="minor">
+              <a:schemeClr val="dk1"/>
+            </a:fontRef>
+          </p:style>
+          <p:txBody>
+            <a:bodyPr rtlCol="0" anchor="ctr"/>
+            <a:lstStyle/>
+            <a:p>
+              <a:pPr algn="ctr"/>
+              <a:endParaRPr lang="zh-CN" altLang="en-US"/>
+            </a:p>
+          </p:txBody>
+        </p:sp>
+      </p:grpSp>
+      <p:cxnSp>
+        <p:nvCxnSpPr>
+          <p:cNvPr id="121" name="直接连接符 120">
+            <a:extLst>
+              <a:ext uri="{FF2B5EF4-FFF2-40B4-BE49-F238E27FC236}">
+                <a16:creationId xmlns:a16="http://schemas.microsoft.com/office/drawing/2014/main" id="{C5E214D8-99B8-0F6A-6397-4AE8159F505F}"/>
+              </a:ext>
+            </a:extLst>
+          </p:cNvPr>
+          <p:cNvCxnSpPr>
+            <a:cxnSpLocks/>
+          </p:cNvCxnSpPr>
+          <p:nvPr/>
+        </p:nvCxnSpPr>
+        <p:spPr>
+          <a:xfrm>
+            <a:off x="2038396" y="3863602"/>
+            <a:ext cx="162969" cy="0"/>
+          </a:xfrm>
+          <a:prstGeom prst="line">
+            <a:avLst/>
+          </a:prstGeom>
+        </p:spPr>
+        <p:style>
+          <a:lnRef idx="3">
+            <a:schemeClr val="dk1"/>
+          </a:lnRef>
+          <a:fillRef idx="0">
+            <a:schemeClr val="dk1"/>
+          </a:fillRef>
+          <a:effectRef idx="2">
+            <a:schemeClr val="dk1"/>
+          </a:effectRef>
+          <a:fontRef idx="minor">
+            <a:schemeClr val="tx1"/>
+          </a:fontRef>
+        </p:style>
+      </p:cxnSp>
+      <p:sp>
+        <p:nvSpPr>
+          <p:cNvPr id="122" name="文本框 121">
+            <a:extLst>
+              <a:ext uri="{FF2B5EF4-FFF2-40B4-BE49-F238E27FC236}">
+                <a16:creationId xmlns:a16="http://schemas.microsoft.com/office/drawing/2014/main" id="{09F48DF9-17ED-AB27-5F8C-E20A3311DF5A}"/>
+              </a:ext>
+            </a:extLst>
+          </p:cNvPr>
+          <p:cNvSpPr txBox="1"/>
+          <p:nvPr/>
+        </p:nvSpPr>
+        <p:spPr>
+          <a:xfrm>
+            <a:off x="2269467" y="3660975"/>
+            <a:ext cx="287994" cy="369332"/>
+          </a:xfrm>
+          <a:prstGeom prst="rect">
+            <a:avLst/>
+          </a:prstGeom>
+          <a:noFill/>
+        </p:spPr>
+        <p:txBody>
+          <a:bodyPr wrap="square" rtlCol="0">
+            <a:spAutoFit/>
+          </a:bodyPr>
+          <a:lstStyle/>
+          <a:p>
+            <a:pPr algn="ctr"/>
+            <a:r>
+              <a:rPr lang="en-US" altLang="zh-CN" dirty="0">
+                <a:latin typeface="Times New Roman" panose="02020603050405020304" pitchFamily="18" charset="0"/>
+                <a:cs typeface="Times New Roman" panose="02020603050405020304" pitchFamily="18" charset="0"/>
+              </a:rPr>
+              <a:t>t</a:t>
+            </a:r>
+            <a:endParaRPr lang="zh-CN" altLang="en-US" dirty="0">
+              <a:latin typeface="Times New Roman" panose="02020603050405020304" pitchFamily="18" charset="0"/>
+              <a:cs typeface="Times New Roman" panose="02020603050405020304" pitchFamily="18" charset="0"/>
+            </a:endParaRPr>
+          </a:p>
+        </p:txBody>
+      </p:sp>
+      <p:cxnSp>
+        <p:nvCxnSpPr>
+          <p:cNvPr id="123" name="连接符: 肘形 122">
+            <a:extLst>
+              <a:ext uri="{FF2B5EF4-FFF2-40B4-BE49-F238E27FC236}">
+                <a16:creationId xmlns:a16="http://schemas.microsoft.com/office/drawing/2014/main" id="{05FAD102-A3A5-0D7A-FF9B-7379B89EBD09}"/>
+              </a:ext>
+            </a:extLst>
+          </p:cNvPr>
+          <p:cNvCxnSpPr>
+            <a:cxnSpLocks/>
+            <a:stCxn id="119" idx="1"/>
+          </p:cNvCxnSpPr>
+          <p:nvPr/>
+        </p:nvCxnSpPr>
+        <p:spPr>
+          <a:xfrm rot="10800000" flipV="1">
+            <a:off x="1647646" y="3845640"/>
+            <a:ext cx="326359" cy="634933"/>
+          </a:xfrm>
+          <a:prstGeom prst="bentConnector2">
+            <a:avLst/>
+          </a:prstGeom>
+          <a:ln>
+            <a:tailEnd type="stealth"/>
+          </a:ln>
+        </p:spPr>
+        <p:style>
+          <a:lnRef idx="3">
+            <a:schemeClr val="dk1"/>
+          </a:lnRef>
+          <a:fillRef idx="0">
+            <a:schemeClr val="dk1"/>
+          </a:fillRef>
+          <a:effectRef idx="2">
+            <a:schemeClr val="dk1"/>
+          </a:effectRef>
+          <a:fontRef idx="minor">
+            <a:schemeClr val="tx1"/>
+          </a:fontRef>
+        </p:style>
+      </p:cxnSp>
+      <p:grpSp>
+        <p:nvGrpSpPr>
+          <p:cNvPr id="141" name="组合 140">
+            <a:extLst>
+              <a:ext uri="{FF2B5EF4-FFF2-40B4-BE49-F238E27FC236}">
+                <a16:creationId xmlns:a16="http://schemas.microsoft.com/office/drawing/2014/main" id="{A947E346-1DCB-D7F7-731A-0DBA726E0FAF}"/>
+              </a:ext>
+            </a:extLst>
+          </p:cNvPr>
+          <p:cNvGrpSpPr/>
+          <p:nvPr/>
+        </p:nvGrpSpPr>
+        <p:grpSpPr>
+          <a:xfrm>
+            <a:off x="5903688" y="2765640"/>
+            <a:ext cx="2160000" cy="1080000"/>
+            <a:chOff x="5903688" y="2765640"/>
+            <a:chExt cx="2160000" cy="1080000"/>
+          </a:xfrm>
+        </p:grpSpPr>
+        <p:sp>
+          <p:nvSpPr>
+            <p:cNvPr id="125" name="矩形 124">
+              <a:extLst>
+                <a:ext uri="{FF2B5EF4-FFF2-40B4-BE49-F238E27FC236}">
+                  <a16:creationId xmlns:a16="http://schemas.microsoft.com/office/drawing/2014/main" id="{143F3395-80C5-6CED-BA77-6F0950E192C2}"/>
+                </a:ext>
+              </a:extLst>
+            </p:cNvPr>
+            <p:cNvSpPr/>
+            <p:nvPr/>
+          </p:nvSpPr>
+          <p:spPr>
+            <a:xfrm>
+              <a:off x="5903688" y="2765640"/>
+              <a:ext cx="2160000" cy="1080000"/>
+            </a:xfrm>
+            <a:prstGeom prst="rect">
+              <a:avLst/>
+            </a:prstGeom>
+          </p:spPr>
+          <p:style>
+            <a:lnRef idx="2">
+              <a:schemeClr val="dk1"/>
+            </a:lnRef>
+            <a:fillRef idx="1">
+              <a:schemeClr val="lt1"/>
+            </a:fillRef>
+            <a:effectRef idx="0">
+              <a:schemeClr val="dk1"/>
+            </a:effectRef>
+            <a:fontRef idx="minor">
+              <a:schemeClr val="dk1"/>
+            </a:fontRef>
+          </p:style>
+          <p:txBody>
+            <a:bodyPr rtlCol="0" anchor="ctr"/>
+            <a:lstStyle/>
+            <a:p>
+              <a:pPr algn="ctr"/>
+              <a:endParaRPr lang="zh-CN" altLang="en-US" dirty="0"/>
+            </a:p>
+          </p:txBody>
+        </p:sp>
+        <p:cxnSp>
+          <p:nvCxnSpPr>
+            <p:cNvPr id="127" name="直接箭头连接符 126">
+              <a:extLst>
+                <a:ext uri="{FF2B5EF4-FFF2-40B4-BE49-F238E27FC236}">
+                  <a16:creationId xmlns:a16="http://schemas.microsoft.com/office/drawing/2014/main" id="{75E74EB1-1FA6-2B19-879F-EC322BE61020}"/>
+                </a:ext>
+              </a:extLst>
+            </p:cNvPr>
+            <p:cNvCxnSpPr>
+              <a:cxnSpLocks/>
+            </p:cNvCxnSpPr>
+            <p:nvPr/>
+          </p:nvCxnSpPr>
+          <p:spPr>
+            <a:xfrm>
+              <a:off x="7669502" y="2765640"/>
+              <a:ext cx="0" cy="1080000"/>
+            </a:xfrm>
+            <a:prstGeom prst="straightConnector1">
+              <a:avLst/>
+            </a:prstGeom>
+            <a:ln>
+              <a:headEnd type="triangle"/>
+              <a:tailEnd type="triangle"/>
+            </a:ln>
+          </p:spPr>
+          <p:style>
+            <a:lnRef idx="3">
+              <a:schemeClr val="dk1"/>
+            </a:lnRef>
+            <a:fillRef idx="0">
+              <a:schemeClr val="dk1"/>
+            </a:fillRef>
+            <a:effectRef idx="2">
+              <a:schemeClr val="dk1"/>
+            </a:effectRef>
+            <a:fontRef idx="minor">
+              <a:schemeClr val="tx1"/>
+            </a:fontRef>
+          </p:style>
+        </p:cxnSp>
+        <p:sp>
+          <p:nvSpPr>
+            <p:cNvPr id="129" name="文本框 128">
+              <a:extLst>
+                <a:ext uri="{FF2B5EF4-FFF2-40B4-BE49-F238E27FC236}">
+                  <a16:creationId xmlns:a16="http://schemas.microsoft.com/office/drawing/2014/main" id="{0630F03F-F369-FC4E-22E4-3326F9266E0A}"/>
+                </a:ext>
+              </a:extLst>
+            </p:cNvPr>
+            <p:cNvSpPr txBox="1"/>
+            <p:nvPr/>
+          </p:nvSpPr>
+          <p:spPr>
+            <a:xfrm>
+              <a:off x="7381508" y="3126421"/>
+              <a:ext cx="287994" cy="369332"/>
+            </a:xfrm>
+            <a:prstGeom prst="rect">
+              <a:avLst/>
+            </a:prstGeom>
+            <a:noFill/>
+          </p:spPr>
+          <p:txBody>
+            <a:bodyPr wrap="square" rtlCol="0">
+              <a:spAutoFit/>
+            </a:bodyPr>
+            <a:lstStyle/>
+            <a:p>
+              <a:pPr algn="ctr"/>
+              <a:r>
+                <a:rPr lang="en-US" altLang="zh-CN" dirty="0">
+                  <a:latin typeface="Times New Roman" panose="02020603050405020304" pitchFamily="18" charset="0"/>
+                  <a:cs typeface="Times New Roman" panose="02020603050405020304" pitchFamily="18" charset="0"/>
+                </a:rPr>
+                <a:t>t</a:t>
+              </a:r>
+              <a:endParaRPr lang="zh-CN" altLang="en-US" dirty="0">
+                <a:latin typeface="Times New Roman" panose="02020603050405020304" pitchFamily="18" charset="0"/>
+                <a:cs typeface="Times New Roman" panose="02020603050405020304" pitchFamily="18" charset="0"/>
+              </a:endParaRPr>
+            </a:p>
+          </p:txBody>
+        </p:sp>
+      </p:grpSp>
+      <p:grpSp>
+        <p:nvGrpSpPr>
+          <p:cNvPr id="142" name="组合 141">
+            <a:extLst>
+              <a:ext uri="{FF2B5EF4-FFF2-40B4-BE49-F238E27FC236}">
+                <a16:creationId xmlns:a16="http://schemas.microsoft.com/office/drawing/2014/main" id="{D0AA1288-B534-A392-41EA-CCFCB8E8AA33}"/>
+              </a:ext>
+            </a:extLst>
+          </p:cNvPr>
+          <p:cNvGrpSpPr/>
+          <p:nvPr/>
+        </p:nvGrpSpPr>
+        <p:grpSpPr>
+          <a:xfrm>
+            <a:off x="6137083" y="4347773"/>
+            <a:ext cx="1817673" cy="1494406"/>
+            <a:chOff x="6137083" y="4347773"/>
+            <a:chExt cx="1817673" cy="1494406"/>
+          </a:xfrm>
+        </p:grpSpPr>
+        <p:sp>
+          <p:nvSpPr>
+            <p:cNvPr id="139" name="文本框 138">
+              <a:extLst>
+                <a:ext uri="{FF2B5EF4-FFF2-40B4-BE49-F238E27FC236}">
+                  <a16:creationId xmlns:a16="http://schemas.microsoft.com/office/drawing/2014/main" id="{C2F36B2A-FFF6-166F-177E-9223C0873009}"/>
+                </a:ext>
+              </a:extLst>
+            </p:cNvPr>
+            <p:cNvSpPr txBox="1"/>
+            <p:nvPr/>
+          </p:nvSpPr>
+          <p:spPr>
+            <a:xfrm>
+              <a:off x="7308524" y="4928302"/>
+              <a:ext cx="287994" cy="369332"/>
+            </a:xfrm>
+            <a:prstGeom prst="rect">
+              <a:avLst/>
+            </a:prstGeom>
+            <a:noFill/>
+          </p:spPr>
+          <p:txBody>
+            <a:bodyPr wrap="square" rtlCol="0">
+              <a:spAutoFit/>
+            </a:bodyPr>
+            <a:lstStyle/>
+            <a:p>
+              <a:pPr algn="ctr"/>
+              <a:r>
+                <a:rPr lang="en-US" altLang="zh-CN" dirty="0">
+                  <a:latin typeface="Times New Roman" panose="02020603050405020304" pitchFamily="18" charset="0"/>
+                  <a:cs typeface="Times New Roman" panose="02020603050405020304" pitchFamily="18" charset="0"/>
+                </a:rPr>
+                <a:t>t</a:t>
+              </a:r>
+              <a:endParaRPr lang="zh-CN" altLang="en-US" dirty="0">
+                <a:latin typeface="Times New Roman" panose="02020603050405020304" pitchFamily="18" charset="0"/>
+                <a:cs typeface="Times New Roman" panose="02020603050405020304" pitchFamily="18" charset="0"/>
+              </a:endParaRPr>
+            </a:p>
+          </p:txBody>
+        </p:sp>
+        <p:grpSp>
+          <p:nvGrpSpPr>
+            <p:cNvPr id="140" name="组合 139">
+              <a:extLst>
+                <a:ext uri="{FF2B5EF4-FFF2-40B4-BE49-F238E27FC236}">
+                  <a16:creationId xmlns:a16="http://schemas.microsoft.com/office/drawing/2014/main" id="{31EEE093-8452-B491-51D8-4C1AACAB342E}"/>
+                </a:ext>
+              </a:extLst>
+            </p:cNvPr>
+            <p:cNvGrpSpPr/>
+            <p:nvPr/>
+          </p:nvGrpSpPr>
+          <p:grpSpPr>
+            <a:xfrm>
+              <a:off x="6137083" y="4347773"/>
+              <a:ext cx="1817673" cy="1494406"/>
+              <a:chOff x="6137083" y="4347773"/>
+              <a:chExt cx="1817673" cy="1494406"/>
+            </a:xfrm>
+          </p:grpSpPr>
+          <p:sp>
+            <p:nvSpPr>
+              <p:cNvPr id="131" name="菱形 130">
+                <a:extLst>
+                  <a:ext uri="{FF2B5EF4-FFF2-40B4-BE49-F238E27FC236}">
+                    <a16:creationId xmlns:a16="http://schemas.microsoft.com/office/drawing/2014/main" id="{0E0AA5FB-00F5-1715-91E6-D32415A75B48}"/>
+                  </a:ext>
+                </a:extLst>
+              </p:cNvPr>
+              <p:cNvSpPr/>
+              <p:nvPr/>
+            </p:nvSpPr>
+            <p:spPr>
+              <a:xfrm>
+                <a:off x="6137083" y="4347773"/>
+                <a:ext cx="1801958" cy="634933"/>
+              </a:xfrm>
+              <a:prstGeom prst="diamond">
+                <a:avLst/>
+              </a:prstGeom>
+            </p:spPr>
+            <p:style>
+              <a:lnRef idx="2">
+                <a:schemeClr val="dk1"/>
+              </a:lnRef>
+              <a:fillRef idx="1">
+                <a:schemeClr val="lt1"/>
+              </a:fillRef>
+              <a:effectRef idx="0">
+                <a:schemeClr val="dk1"/>
+              </a:effectRef>
+              <a:fontRef idx="minor">
+                <a:schemeClr val="dk1"/>
+              </a:fontRef>
+            </p:style>
+            <p:txBody>
+              <a:bodyPr rtlCol="0" anchor="ctr"/>
+              <a:lstStyle/>
+              <a:p>
+                <a:pPr algn="ctr"/>
+                <a:endParaRPr lang="zh-CN" altLang="en-US"/>
+              </a:p>
+            </p:txBody>
+          </p:sp>
+          <p:sp>
+            <p:nvSpPr>
+              <p:cNvPr id="132" name="菱形 131">
+                <a:extLst>
+                  <a:ext uri="{FF2B5EF4-FFF2-40B4-BE49-F238E27FC236}">
+                    <a16:creationId xmlns:a16="http://schemas.microsoft.com/office/drawing/2014/main" id="{13ECCB01-137F-EDFA-4375-B29C65EEB443}"/>
+                  </a:ext>
+                </a:extLst>
+              </p:cNvPr>
+              <p:cNvSpPr/>
+              <p:nvPr/>
+            </p:nvSpPr>
+            <p:spPr>
+              <a:xfrm>
+                <a:off x="6152798" y="5207246"/>
+                <a:ext cx="1801958" cy="634933"/>
+              </a:xfrm>
+              <a:prstGeom prst="diamond">
+                <a:avLst/>
+              </a:prstGeom>
+            </p:spPr>
+            <p:style>
+              <a:lnRef idx="2">
+                <a:schemeClr val="dk1"/>
+              </a:lnRef>
+              <a:fillRef idx="1">
+                <a:schemeClr val="lt1"/>
+              </a:fillRef>
+              <a:effectRef idx="0">
+                <a:schemeClr val="dk1"/>
+              </a:effectRef>
+              <a:fontRef idx="minor">
+                <a:schemeClr val="dk1"/>
+              </a:fontRef>
+            </p:style>
+            <p:txBody>
+              <a:bodyPr rtlCol="0" anchor="ctr"/>
+              <a:lstStyle/>
+              <a:p>
+                <a:pPr algn="ctr"/>
+                <a:endParaRPr lang="zh-CN" altLang="en-US"/>
+              </a:p>
+            </p:txBody>
+          </p:sp>
+          <p:cxnSp>
+            <p:nvCxnSpPr>
+              <p:cNvPr id="137" name="直接箭头连接符 136">
+                <a:extLst>
+                  <a:ext uri="{FF2B5EF4-FFF2-40B4-BE49-F238E27FC236}">
+                    <a16:creationId xmlns:a16="http://schemas.microsoft.com/office/drawing/2014/main" id="{45F3D15A-E0C3-983B-7687-9CF4EF28EC6A}"/>
+                  </a:ext>
+                </a:extLst>
+              </p:cNvPr>
+              <p:cNvCxnSpPr>
+                <a:cxnSpLocks/>
+              </p:cNvCxnSpPr>
+              <p:nvPr/>
+            </p:nvCxnSpPr>
+            <p:spPr>
+              <a:xfrm>
+                <a:off x="7623782" y="4762179"/>
+                <a:ext cx="0" cy="865470"/>
+              </a:xfrm>
+              <a:prstGeom prst="straightConnector1">
+                <a:avLst/>
+              </a:prstGeom>
+              <a:ln>
+                <a:headEnd type="triangle"/>
+                <a:tailEnd type="triangle"/>
+              </a:ln>
+            </p:spPr>
+            <p:style>
+              <a:lnRef idx="3">
+                <a:schemeClr val="dk1"/>
+              </a:lnRef>
+              <a:fillRef idx="0">
+                <a:schemeClr val="dk1"/>
+              </a:fillRef>
+              <a:effectRef idx="2">
+                <a:schemeClr val="dk1"/>
+              </a:effectRef>
+              <a:fontRef idx="minor">
+                <a:schemeClr val="tx1"/>
+              </a:fontRef>
+            </p:style>
+          </p:cxnSp>
+        </p:grpSp>
+      </p:grpSp>
+    </p:spTree>
+    <p:extLst>
+      <p:ext uri="{BB962C8B-B14F-4D97-AF65-F5344CB8AC3E}">
+        <p14:creationId xmlns:p14="http://schemas.microsoft.com/office/powerpoint/2010/main" val="3146236317"/>
+      </p:ext>
+    </p:extLst>
+  </p:cSld>
+  <p:clrMapOvr>
+    <a:masterClrMapping/>
+  </p:clrMapOvr>
+</p:sld>
+</file>
+
+<file path=ppt/slides/slide3.xml><?xml version="1.0" encoding="utf-8"?>
+<p:sld xmlns:a="http://schemas.openxmlformats.org/drawingml/2006/main" xmlns:r="http://schemas.openxmlformats.org/officeDocument/2006/relationships" xmlns:p="http://schemas.openxmlformats.org/presentationml/2006/main">
+  <p:cSld>
+    <p:spTree>
+      <p:nvGrpSpPr>
+        <p:cNvPr id="1" name=""/>
+        <p:cNvGrpSpPr/>
+        <p:nvPr/>
+      </p:nvGrpSpPr>
+      <p:grpSpPr>
+        <a:xfrm>
+          <a:off x="0" y="0"/>
+          <a:ext cx="0" cy="0"/>
+          <a:chOff x="0" y="0"/>
+          <a:chExt cx="0" cy="0"/>
+        </a:xfrm>
+      </p:grpSpPr>
+      <p:grpSp>
+        <p:nvGrpSpPr>
+          <p:cNvPr id="20" name="组合 19">
+            <a:extLst>
+              <a:ext uri="{FF2B5EF4-FFF2-40B4-BE49-F238E27FC236}">
+                <a16:creationId xmlns:a16="http://schemas.microsoft.com/office/drawing/2014/main" id="{1440EEDF-EBAD-1226-1779-B7BB95A4688A}"/>
+              </a:ext>
+            </a:extLst>
+          </p:cNvPr>
+          <p:cNvGrpSpPr/>
+          <p:nvPr/>
+        </p:nvGrpSpPr>
+        <p:grpSpPr>
+          <a:xfrm>
+            <a:off x="683941" y="406400"/>
+            <a:ext cx="1534262" cy="1387279"/>
+            <a:chOff x="683941" y="406400"/>
+            <a:chExt cx="1534262" cy="1387279"/>
+          </a:xfrm>
+        </p:grpSpPr>
+        <p:sp>
+          <p:nvSpPr>
+            <p:cNvPr id="5" name="椭圆 4">
+              <a:extLst>
+                <a:ext uri="{FF2B5EF4-FFF2-40B4-BE49-F238E27FC236}">
+                  <a16:creationId xmlns:a16="http://schemas.microsoft.com/office/drawing/2014/main" id="{EF0D3ABC-E31E-EB87-E102-0C2B2456865D}"/>
+                </a:ext>
+              </a:extLst>
+            </p:cNvPr>
+            <p:cNvSpPr/>
+            <p:nvPr/>
+          </p:nvSpPr>
+          <p:spPr>
+            <a:xfrm>
+              <a:off x="683941" y="713679"/>
+              <a:ext cx="1080000" cy="1080000"/>
+            </a:xfrm>
+            <a:prstGeom prst="ellipse">
+              <a:avLst/>
+            </a:prstGeom>
+            <a:ln w="19050"/>
+          </p:spPr>
+          <p:style>
+            <a:lnRef idx="2">
+              <a:schemeClr val="dk1"/>
+            </a:lnRef>
+            <a:fillRef idx="1">
+              <a:schemeClr val="lt1"/>
+            </a:fillRef>
+            <a:effectRef idx="0">
+              <a:schemeClr val="dk1"/>
+            </a:effectRef>
+            <a:fontRef idx="minor">
+              <a:schemeClr val="dk1"/>
+            </a:fontRef>
+          </p:style>
+          <p:txBody>
+            <a:bodyPr rtlCol="0" anchor="ctr"/>
+            <a:lstStyle/>
+            <a:p>
+              <a:pPr algn="ctr"/>
+              <a:endParaRPr lang="zh-CN" altLang="en-US"/>
+            </a:p>
+          </p:txBody>
+        </p:sp>
+        <p:sp>
+          <p:nvSpPr>
+            <p:cNvPr id="4" name="椭圆 3">
+              <a:extLst>
+                <a:ext uri="{FF2B5EF4-FFF2-40B4-BE49-F238E27FC236}">
+                  <a16:creationId xmlns:a16="http://schemas.microsoft.com/office/drawing/2014/main" id="{7F7404AB-3D8F-E5C9-9A8D-09E36A2D23F6}"/>
+                </a:ext>
+              </a:extLst>
+            </p:cNvPr>
+            <p:cNvSpPr/>
+            <p:nvPr/>
+          </p:nvSpPr>
+          <p:spPr>
+            <a:xfrm>
+              <a:off x="863941" y="893679"/>
+              <a:ext cx="720000" cy="720000"/>
+            </a:xfrm>
+            <a:prstGeom prst="ellipse">
+              <a:avLst/>
+            </a:prstGeom>
+            <a:ln w="19050"/>
+          </p:spPr>
+          <p:style>
+            <a:lnRef idx="2">
+              <a:schemeClr val="dk1"/>
+            </a:lnRef>
+            <a:fillRef idx="1">
+              <a:schemeClr val="lt1"/>
+            </a:fillRef>
+            <a:effectRef idx="0">
+              <a:schemeClr val="dk1"/>
+            </a:effectRef>
+            <a:fontRef idx="minor">
+              <a:schemeClr val="dk1"/>
+            </a:fontRef>
+          </p:style>
+          <p:txBody>
+            <a:bodyPr rtlCol="0" anchor="ctr"/>
+            <a:lstStyle/>
+            <a:p>
+              <a:pPr algn="ctr"/>
+              <a:endParaRPr lang="zh-CN" altLang="en-US"/>
+            </a:p>
+          </p:txBody>
+        </p:sp>
+        <p:cxnSp>
+          <p:nvCxnSpPr>
+            <p:cNvPr id="7" name="直接连接符 6">
+              <a:extLst>
+                <a:ext uri="{FF2B5EF4-FFF2-40B4-BE49-F238E27FC236}">
+                  <a16:creationId xmlns:a16="http://schemas.microsoft.com/office/drawing/2014/main" id="{953A1EF4-52EC-04AC-D567-5071CC6C22CF}"/>
+                </a:ext>
+              </a:extLst>
+            </p:cNvPr>
+            <p:cNvCxnSpPr>
+              <a:cxnSpLocks/>
+              <a:stCxn id="5" idx="0"/>
+            </p:cNvCxnSpPr>
+            <p:nvPr/>
+          </p:nvCxnSpPr>
+          <p:spPr>
+            <a:xfrm>
+              <a:off x="1223941" y="713679"/>
+              <a:ext cx="994262" cy="0"/>
+            </a:xfrm>
+            <a:prstGeom prst="line">
+              <a:avLst/>
+            </a:prstGeom>
+            <a:ln w="12700"/>
+          </p:spPr>
+          <p:style>
+            <a:lnRef idx="3">
+              <a:schemeClr val="dk1"/>
+            </a:lnRef>
+            <a:fillRef idx="0">
+              <a:schemeClr val="dk1"/>
+            </a:fillRef>
+            <a:effectRef idx="2">
+              <a:schemeClr val="dk1"/>
+            </a:effectRef>
+            <a:fontRef idx="minor">
+              <a:schemeClr val="tx1"/>
+            </a:fontRef>
+          </p:style>
+        </p:cxnSp>
+        <p:cxnSp>
+          <p:nvCxnSpPr>
+            <p:cNvPr id="9" name="直接连接符 8">
+              <a:extLst>
+                <a:ext uri="{FF2B5EF4-FFF2-40B4-BE49-F238E27FC236}">
+                  <a16:creationId xmlns:a16="http://schemas.microsoft.com/office/drawing/2014/main" id="{E37B452F-E47C-EAAA-9BDA-1D8DB4238C35}"/>
+                </a:ext>
+              </a:extLst>
+            </p:cNvPr>
+            <p:cNvCxnSpPr>
+              <a:cxnSpLocks/>
+              <a:stCxn id="4" idx="0"/>
+            </p:cNvCxnSpPr>
+            <p:nvPr/>
+          </p:nvCxnSpPr>
+          <p:spPr>
+            <a:xfrm>
+              <a:off x="1223941" y="893679"/>
+              <a:ext cx="994262" cy="0"/>
+            </a:xfrm>
+            <a:prstGeom prst="line">
+              <a:avLst/>
+            </a:prstGeom>
+            <a:ln w="12700"/>
+          </p:spPr>
+          <p:style>
+            <a:lnRef idx="3">
+              <a:schemeClr val="dk1"/>
+            </a:lnRef>
+            <a:fillRef idx="0">
+              <a:schemeClr val="dk1"/>
+            </a:fillRef>
+            <a:effectRef idx="2">
+              <a:schemeClr val="dk1"/>
+            </a:effectRef>
+            <a:fontRef idx="minor">
+              <a:schemeClr val="tx1"/>
+            </a:fontRef>
+          </p:style>
+        </p:cxnSp>
+        <p:cxnSp>
+          <p:nvCxnSpPr>
+            <p:cNvPr id="11" name="直接连接符 10">
+              <a:extLst>
+                <a:ext uri="{FF2B5EF4-FFF2-40B4-BE49-F238E27FC236}">
+                  <a16:creationId xmlns:a16="http://schemas.microsoft.com/office/drawing/2014/main" id="{E8243E62-81B1-A2E4-92C7-29C659964216}"/>
+                </a:ext>
+              </a:extLst>
+            </p:cNvPr>
+            <p:cNvCxnSpPr/>
+            <p:nvPr/>
+          </p:nvCxnSpPr>
+          <p:spPr>
+            <a:xfrm>
+              <a:off x="2074333" y="713679"/>
+              <a:ext cx="0" cy="180000"/>
+            </a:xfrm>
+            <a:prstGeom prst="line">
+              <a:avLst/>
+            </a:prstGeom>
+            <a:ln w="12700"/>
+          </p:spPr>
+          <p:style>
+            <a:lnRef idx="3">
+              <a:schemeClr val="dk1"/>
+            </a:lnRef>
+            <a:fillRef idx="0">
+              <a:schemeClr val="dk1"/>
+            </a:fillRef>
+            <a:effectRef idx="2">
+              <a:schemeClr val="dk1"/>
+            </a:effectRef>
+            <a:fontRef idx="minor">
+              <a:schemeClr val="tx1"/>
+            </a:fontRef>
+          </p:style>
+        </p:cxnSp>
+        <p:cxnSp>
+          <p:nvCxnSpPr>
+            <p:cNvPr id="13" name="直接箭头连接符 12">
+              <a:extLst>
+                <a:ext uri="{FF2B5EF4-FFF2-40B4-BE49-F238E27FC236}">
+                  <a16:creationId xmlns:a16="http://schemas.microsoft.com/office/drawing/2014/main" id="{F66328F5-D6D4-1617-5CAF-393819B14DE5}"/>
+                </a:ext>
+              </a:extLst>
+            </p:cNvPr>
+            <p:cNvCxnSpPr/>
+            <p:nvPr/>
+          </p:nvCxnSpPr>
+          <p:spPr>
+            <a:xfrm flipV="1">
+              <a:off x="2074333" y="893679"/>
+              <a:ext cx="0" cy="460988"/>
+            </a:xfrm>
+            <a:prstGeom prst="straightConnector1">
+              <a:avLst/>
+            </a:prstGeom>
+            <a:ln w="12700">
+              <a:tailEnd type="triangle"/>
+            </a:ln>
+          </p:spPr>
+          <p:style>
+            <a:lnRef idx="3">
+              <a:schemeClr val="dk1"/>
+            </a:lnRef>
+            <a:fillRef idx="0">
+              <a:schemeClr val="dk1"/>
+            </a:fillRef>
+            <a:effectRef idx="2">
+              <a:schemeClr val="dk1"/>
+            </a:effectRef>
+            <a:fontRef idx="minor">
+              <a:schemeClr val="tx1"/>
+            </a:fontRef>
+          </p:style>
+        </p:cxnSp>
+        <p:cxnSp>
+          <p:nvCxnSpPr>
+            <p:cNvPr id="15" name="直接箭头连接符 14">
+              <a:extLst>
+                <a:ext uri="{FF2B5EF4-FFF2-40B4-BE49-F238E27FC236}">
+                  <a16:creationId xmlns:a16="http://schemas.microsoft.com/office/drawing/2014/main" id="{84BAA723-15C0-9F1B-2F1B-3CEF2DAB38B7}"/>
+                </a:ext>
+              </a:extLst>
+            </p:cNvPr>
+            <p:cNvCxnSpPr/>
+            <p:nvPr/>
+          </p:nvCxnSpPr>
+          <p:spPr>
+            <a:xfrm>
+              <a:off x="2074333" y="406400"/>
+              <a:ext cx="0" cy="307279"/>
+            </a:xfrm>
+            <a:prstGeom prst="straightConnector1">
+              <a:avLst/>
+            </a:prstGeom>
+            <a:ln w="12700">
+              <a:tailEnd type="triangle"/>
+            </a:ln>
+          </p:spPr>
+          <p:style>
+            <a:lnRef idx="3">
+              <a:schemeClr val="dk1"/>
+            </a:lnRef>
+            <a:fillRef idx="0">
+              <a:schemeClr val="dk1"/>
+            </a:fillRef>
+            <a:effectRef idx="2">
+              <a:schemeClr val="dk1"/>
+            </a:effectRef>
+            <a:fontRef idx="minor">
+              <a:schemeClr val="tx1"/>
+            </a:fontRef>
+          </p:style>
+        </p:cxnSp>
+        <p:sp>
+          <p:nvSpPr>
+            <p:cNvPr id="16" name="文本框 15">
+              <a:extLst>
+                <a:ext uri="{FF2B5EF4-FFF2-40B4-BE49-F238E27FC236}">
+                  <a16:creationId xmlns:a16="http://schemas.microsoft.com/office/drawing/2014/main" id="{DAB4D24C-EE38-4259-1892-72215C30037B}"/>
+                </a:ext>
+              </a:extLst>
+            </p:cNvPr>
+            <p:cNvSpPr txBox="1"/>
+            <p:nvPr/>
+          </p:nvSpPr>
+          <p:spPr>
+            <a:xfrm>
+              <a:off x="1799944" y="939507"/>
+              <a:ext cx="287994" cy="369332"/>
+            </a:xfrm>
+            <a:prstGeom prst="rect">
+              <a:avLst/>
+            </a:prstGeom>
+            <a:noFill/>
+          </p:spPr>
+          <p:txBody>
+            <a:bodyPr wrap="square" rtlCol="0">
+              <a:spAutoFit/>
+            </a:bodyPr>
+            <a:lstStyle/>
+            <a:p>
+              <a:pPr algn="ctr"/>
+              <a:r>
+                <a:rPr lang="en-US" altLang="zh-CN" dirty="0">
+                  <a:latin typeface="Times New Roman" panose="02020603050405020304" pitchFamily="18" charset="0"/>
+                  <a:cs typeface="Times New Roman" panose="02020603050405020304" pitchFamily="18" charset="0"/>
+                </a:rPr>
+                <a:t>t</a:t>
+              </a:r>
+              <a:endParaRPr lang="zh-CN" altLang="en-US" dirty="0">
+                <a:latin typeface="Times New Roman" panose="02020603050405020304" pitchFamily="18" charset="0"/>
+                <a:cs typeface="Times New Roman" panose="02020603050405020304" pitchFamily="18" charset="0"/>
+              </a:endParaRPr>
+            </a:p>
+          </p:txBody>
+        </p:sp>
+      </p:grpSp>
+    </p:spTree>
+    <p:extLst>
+      <p:ext uri="{BB962C8B-B14F-4D97-AF65-F5344CB8AC3E}">
+        <p14:creationId xmlns:p14="http://schemas.microsoft.com/office/powerpoint/2010/main" val="2090557886"/>
+      </p:ext>
+    </p:extLst>
+  </p:cSld>
+  <p:clrMapOvr>
+    <a:masterClrMapping/>
+  </p:clrMapOvr>
+</p:sld>
+</file>
+
+<file path=ppt/slides/slide4.xml><?xml version="1.0" encoding="utf-8"?>
+<p:sld xmlns:a="http://schemas.openxmlformats.org/drawingml/2006/main" xmlns:r="http://schemas.openxmlformats.org/officeDocument/2006/relationships" xmlns:p="http://schemas.openxmlformats.org/presentationml/2006/main">
+  <p:cSld>
+    <p:spTree>
+      <p:nvGrpSpPr>
+        <p:cNvPr id="1" name=""/>
+        <p:cNvGrpSpPr/>
+        <p:nvPr/>
+      </p:nvGrpSpPr>
+      <p:grpSpPr>
+        <a:xfrm>
+          <a:off x="0" y="0"/>
+          <a:ext cx="0" cy="0"/>
+          <a:chOff x="0" y="0"/>
+          <a:chExt cx="0" cy="0"/>
+        </a:xfrm>
+      </p:grpSpPr>
+      <p:grpSp>
+        <p:nvGrpSpPr>
+          <p:cNvPr id="41" name="组合 40">
+            <a:extLst>
+              <a:ext uri="{FF2B5EF4-FFF2-40B4-BE49-F238E27FC236}">
+                <a16:creationId xmlns:a16="http://schemas.microsoft.com/office/drawing/2014/main" id="{70331E4D-377A-F442-DF78-A590F10470CA}"/>
+              </a:ext>
+            </a:extLst>
+          </p:cNvPr>
+          <p:cNvGrpSpPr/>
+          <p:nvPr/>
+        </p:nvGrpSpPr>
+        <p:grpSpPr>
+          <a:xfrm>
+            <a:off x="281770" y="23674"/>
+            <a:ext cx="4175125" cy="2103245"/>
+            <a:chOff x="2644775" y="1897255"/>
+            <a:chExt cx="4175125" cy="2103245"/>
+          </a:xfrm>
+        </p:grpSpPr>
+        <p:sp>
+          <p:nvSpPr>
+            <p:cNvPr id="5" name="矩形 4">
+              <a:extLst>
+                <a:ext uri="{FF2B5EF4-FFF2-40B4-BE49-F238E27FC236}">
+                  <a16:creationId xmlns:a16="http://schemas.microsoft.com/office/drawing/2014/main" id="{092F0AA4-33CE-4951-0E03-75B78CC9A651}"/>
+                </a:ext>
+              </a:extLst>
+            </p:cNvPr>
+            <p:cNvSpPr/>
+            <p:nvPr/>
+          </p:nvSpPr>
+          <p:spPr>
+            <a:xfrm>
+              <a:off x="2884962" y="2721253"/>
+              <a:ext cx="2160000" cy="1080000"/>
+            </a:xfrm>
+            <a:prstGeom prst="rect">
+              <a:avLst/>
+            </a:prstGeom>
+          </p:spPr>
+          <p:style>
+            <a:lnRef idx="2">
+              <a:schemeClr val="dk1"/>
+            </a:lnRef>
+            <a:fillRef idx="1">
+              <a:schemeClr val="lt1"/>
+            </a:fillRef>
+            <a:effectRef idx="0">
+              <a:schemeClr val="dk1"/>
+            </a:effectRef>
+            <a:fontRef idx="minor">
+              <a:schemeClr val="dk1"/>
+            </a:fontRef>
+          </p:style>
+          <p:txBody>
+            <a:bodyPr rtlCol="0" anchor="ctr"/>
+            <a:lstStyle/>
+            <a:p>
+              <a:pPr algn="ctr"/>
+              <a:endParaRPr lang="zh-CN" altLang="en-US" dirty="0"/>
+            </a:p>
+          </p:txBody>
+        </p:sp>
+        <p:sp>
+          <p:nvSpPr>
+            <p:cNvPr id="6" name="椭圆 5">
+              <a:extLst>
+                <a:ext uri="{FF2B5EF4-FFF2-40B4-BE49-F238E27FC236}">
+                  <a16:creationId xmlns:a16="http://schemas.microsoft.com/office/drawing/2014/main" id="{60407F38-CEAD-C927-9776-170CDF389097}"/>
+                </a:ext>
+              </a:extLst>
+            </p:cNvPr>
+            <p:cNvSpPr/>
+            <p:nvPr/>
+          </p:nvSpPr>
+          <p:spPr>
+            <a:xfrm>
+              <a:off x="5556000" y="2721253"/>
+              <a:ext cx="1080000" cy="1080000"/>
+            </a:xfrm>
+            <a:prstGeom prst="ellipse">
+              <a:avLst/>
+            </a:prstGeom>
+          </p:spPr>
+          <p:style>
+            <a:lnRef idx="2">
+              <a:schemeClr val="dk1"/>
+            </a:lnRef>
+            <a:fillRef idx="1">
+              <a:schemeClr val="lt1"/>
+            </a:fillRef>
+            <a:effectRef idx="0">
+              <a:schemeClr val="dk1"/>
+            </a:effectRef>
+            <a:fontRef idx="minor">
+              <a:schemeClr val="dk1"/>
+            </a:fontRef>
+          </p:style>
+          <p:txBody>
+            <a:bodyPr rtlCol="0" anchor="ctr"/>
+            <a:lstStyle/>
+            <a:p>
+              <a:pPr algn="ctr"/>
+              <a:endParaRPr lang="zh-CN" altLang="en-US"/>
+            </a:p>
+          </p:txBody>
+        </p:sp>
+        <p:sp>
+          <p:nvSpPr>
+            <p:cNvPr id="9" name="椭圆 8">
+              <a:extLst>
+                <a:ext uri="{FF2B5EF4-FFF2-40B4-BE49-F238E27FC236}">
+                  <a16:creationId xmlns:a16="http://schemas.microsoft.com/office/drawing/2014/main" id="{7F261653-2C56-EF5F-52F5-835C711760A2}"/>
+                </a:ext>
+              </a:extLst>
+            </p:cNvPr>
+            <p:cNvSpPr/>
+            <p:nvPr/>
+          </p:nvSpPr>
+          <p:spPr>
+            <a:xfrm>
+              <a:off x="5736000" y="2901253"/>
+              <a:ext cx="720000" cy="720000"/>
+            </a:xfrm>
+            <a:prstGeom prst="ellipse">
+              <a:avLst/>
+            </a:prstGeom>
+          </p:spPr>
+          <p:style>
+            <a:lnRef idx="2">
+              <a:schemeClr val="dk1"/>
+            </a:lnRef>
+            <a:fillRef idx="1">
+              <a:schemeClr val="lt1"/>
+            </a:fillRef>
+            <a:effectRef idx="0">
+              <a:schemeClr val="dk1"/>
+            </a:effectRef>
+            <a:fontRef idx="minor">
+              <a:schemeClr val="dk1"/>
+            </a:fontRef>
+          </p:style>
+          <p:txBody>
+            <a:bodyPr rtlCol="0" anchor="ctr"/>
+            <a:lstStyle/>
+            <a:p>
+              <a:pPr algn="ctr"/>
+              <a:endParaRPr lang="zh-CN" altLang="en-US"/>
+            </a:p>
+          </p:txBody>
+        </p:sp>
+        <p:cxnSp>
+          <p:nvCxnSpPr>
+            <p:cNvPr id="11" name="直接连接符 10">
+              <a:extLst>
+                <a:ext uri="{FF2B5EF4-FFF2-40B4-BE49-F238E27FC236}">
+                  <a16:creationId xmlns:a16="http://schemas.microsoft.com/office/drawing/2014/main" id="{FBA78C44-E5B8-CD15-D5EC-FDB5E6FC3005}"/>
+                </a:ext>
+              </a:extLst>
+            </p:cNvPr>
+            <p:cNvCxnSpPr>
+              <a:cxnSpLocks/>
+            </p:cNvCxnSpPr>
+            <p:nvPr/>
+          </p:nvCxnSpPr>
+          <p:spPr>
+            <a:xfrm flipH="1">
+              <a:off x="2884962" y="2901253"/>
+              <a:ext cx="2160000" cy="0"/>
+            </a:xfrm>
+            <a:prstGeom prst="line">
+              <a:avLst/>
+            </a:prstGeom>
+            <a:ln w="12700"/>
+          </p:spPr>
+          <p:style>
+            <a:lnRef idx="3">
+              <a:schemeClr val="dk1"/>
+            </a:lnRef>
+            <a:fillRef idx="0">
+              <a:schemeClr val="dk1"/>
+            </a:fillRef>
+            <a:effectRef idx="2">
+              <a:schemeClr val="dk1"/>
+            </a:effectRef>
+            <a:fontRef idx="minor">
+              <a:schemeClr val="tx1"/>
+            </a:fontRef>
+          </p:style>
+        </p:cxnSp>
+        <p:cxnSp>
+          <p:nvCxnSpPr>
+            <p:cNvPr id="15" name="直接连接符 14">
+              <a:extLst>
+                <a:ext uri="{FF2B5EF4-FFF2-40B4-BE49-F238E27FC236}">
+                  <a16:creationId xmlns:a16="http://schemas.microsoft.com/office/drawing/2014/main" id="{487A0C97-03B8-8600-6CD3-64107D7A26F5}"/>
+                </a:ext>
+              </a:extLst>
+            </p:cNvPr>
+            <p:cNvCxnSpPr>
+              <a:cxnSpLocks/>
+            </p:cNvCxnSpPr>
+            <p:nvPr/>
+          </p:nvCxnSpPr>
+          <p:spPr>
+            <a:xfrm flipH="1">
+              <a:off x="2884962" y="3621253"/>
+              <a:ext cx="2160000" cy="0"/>
+            </a:xfrm>
+            <a:prstGeom prst="line">
+              <a:avLst/>
+            </a:prstGeom>
+            <a:ln w="12700"/>
+          </p:spPr>
+          <p:style>
+            <a:lnRef idx="3">
+              <a:schemeClr val="dk1"/>
+            </a:lnRef>
+            <a:fillRef idx="0">
+              <a:schemeClr val="dk1"/>
+            </a:fillRef>
+            <a:effectRef idx="2">
+              <a:schemeClr val="dk1"/>
+            </a:effectRef>
+            <a:fontRef idx="minor">
+              <a:schemeClr val="tx1"/>
+            </a:fontRef>
+          </p:style>
+        </p:cxnSp>
+        <p:sp>
+          <p:nvSpPr>
+            <p:cNvPr id="17" name="矩形 16">
+              <a:extLst>
+                <a:ext uri="{FF2B5EF4-FFF2-40B4-BE49-F238E27FC236}">
+                  <a16:creationId xmlns:a16="http://schemas.microsoft.com/office/drawing/2014/main" id="{EC5661EC-4D23-F58B-AD0E-57006C824467}"/>
+                </a:ext>
+              </a:extLst>
+            </p:cNvPr>
+            <p:cNvSpPr/>
+            <p:nvPr/>
+          </p:nvSpPr>
+          <p:spPr>
+            <a:xfrm>
+              <a:off x="2884962" y="2721253"/>
+              <a:ext cx="2160000" cy="180000"/>
+            </a:xfrm>
+            <a:prstGeom prst="rect">
+              <a:avLst/>
+            </a:prstGeom>
+            <a:pattFill prst="wdUpDiag">
+              <a:fgClr>
+                <a:schemeClr val="tx1"/>
+              </a:fgClr>
+              <a:bgClr>
+                <a:schemeClr val="bg1"/>
+              </a:bgClr>
+            </a:pattFill>
+          </p:spPr>
+          <p:style>
+            <a:lnRef idx="2">
+              <a:schemeClr val="dk1"/>
+            </a:lnRef>
+            <a:fillRef idx="1">
+              <a:schemeClr val="lt1"/>
+            </a:fillRef>
+            <a:effectRef idx="0">
+              <a:schemeClr val="dk1"/>
+            </a:effectRef>
+            <a:fontRef idx="minor">
+              <a:schemeClr val="dk1"/>
+            </a:fontRef>
+          </p:style>
+          <p:txBody>
+            <a:bodyPr rtlCol="0" anchor="ctr"/>
+            <a:lstStyle/>
+            <a:p>
+              <a:pPr algn="ctr"/>
+              <a:endParaRPr lang="zh-CN" altLang="en-US"/>
+            </a:p>
+          </p:txBody>
+        </p:sp>
+        <p:sp>
+          <p:nvSpPr>
+            <p:cNvPr id="18" name="矩形 17">
+              <a:extLst>
+                <a:ext uri="{FF2B5EF4-FFF2-40B4-BE49-F238E27FC236}">
+                  <a16:creationId xmlns:a16="http://schemas.microsoft.com/office/drawing/2014/main" id="{638F608F-F01F-A2EC-94B1-DFF39E3AE722}"/>
+                </a:ext>
+              </a:extLst>
+            </p:cNvPr>
+            <p:cNvSpPr/>
+            <p:nvPr/>
+          </p:nvSpPr>
+          <p:spPr>
+            <a:xfrm>
+              <a:off x="2884962" y="3621252"/>
+              <a:ext cx="2160000" cy="180000"/>
+            </a:xfrm>
+            <a:prstGeom prst="rect">
+              <a:avLst/>
+            </a:prstGeom>
+            <a:pattFill prst="wdUpDiag">
+              <a:fgClr>
+                <a:schemeClr val="tx1"/>
+              </a:fgClr>
+              <a:bgClr>
+                <a:schemeClr val="bg1"/>
+              </a:bgClr>
+            </a:pattFill>
+          </p:spPr>
+          <p:style>
+            <a:lnRef idx="2">
+              <a:schemeClr val="dk1"/>
+            </a:lnRef>
+            <a:fillRef idx="1">
+              <a:schemeClr val="lt1"/>
+            </a:fillRef>
+            <a:effectRef idx="0">
+              <a:schemeClr val="dk1"/>
+            </a:effectRef>
+            <a:fontRef idx="minor">
+              <a:schemeClr val="dk1"/>
+            </a:fontRef>
+          </p:style>
+          <p:txBody>
+            <a:bodyPr rtlCol="0" anchor="ctr"/>
+            <a:lstStyle/>
+            <a:p>
+              <a:pPr algn="ctr"/>
+              <a:endParaRPr lang="zh-CN" altLang="en-US"/>
+            </a:p>
+          </p:txBody>
+        </p:sp>
+        <p:cxnSp>
+          <p:nvCxnSpPr>
+            <p:cNvPr id="20" name="直接连接符 19">
+              <a:extLst>
+                <a:ext uri="{FF2B5EF4-FFF2-40B4-BE49-F238E27FC236}">
+                  <a16:creationId xmlns:a16="http://schemas.microsoft.com/office/drawing/2014/main" id="{F0CC026A-9B4D-D922-A1CF-985C3CCFAE1B}"/>
+                </a:ext>
+              </a:extLst>
+            </p:cNvPr>
+            <p:cNvCxnSpPr>
+              <a:cxnSpLocks/>
+            </p:cNvCxnSpPr>
+            <p:nvPr/>
+          </p:nvCxnSpPr>
+          <p:spPr>
+            <a:xfrm>
+              <a:off x="2644775" y="3261253"/>
+              <a:ext cx="4175125" cy="0"/>
+            </a:xfrm>
+            <a:prstGeom prst="line">
+              <a:avLst/>
+            </a:prstGeom>
+            <a:ln>
+              <a:prstDash val="lgDashDot"/>
+            </a:ln>
+          </p:spPr>
+          <p:style>
+            <a:lnRef idx="3">
+              <a:schemeClr val="dk1"/>
+            </a:lnRef>
+            <a:fillRef idx="0">
+              <a:schemeClr val="dk1"/>
+            </a:fillRef>
+            <a:effectRef idx="2">
+              <a:schemeClr val="dk1"/>
+            </a:effectRef>
+            <a:fontRef idx="minor">
+              <a:schemeClr val="tx1"/>
+            </a:fontRef>
+          </p:style>
+        </p:cxnSp>
+        <p:cxnSp>
+          <p:nvCxnSpPr>
+            <p:cNvPr id="25" name="直接连接符 24">
+              <a:extLst>
+                <a:ext uri="{FF2B5EF4-FFF2-40B4-BE49-F238E27FC236}">
+                  <a16:creationId xmlns:a16="http://schemas.microsoft.com/office/drawing/2014/main" id="{52FDA2E0-79DC-A2C7-41CF-4A2F6CA65A72}"/>
+                </a:ext>
+              </a:extLst>
+            </p:cNvPr>
+            <p:cNvCxnSpPr>
+              <a:cxnSpLocks/>
+            </p:cNvCxnSpPr>
+            <p:nvPr/>
+          </p:nvCxnSpPr>
+          <p:spPr>
+            <a:xfrm>
+              <a:off x="6096000" y="2590800"/>
+              <a:ext cx="0" cy="1409700"/>
+            </a:xfrm>
+            <a:prstGeom prst="line">
+              <a:avLst/>
+            </a:prstGeom>
+            <a:ln>
+              <a:prstDash val="lgDashDot"/>
+            </a:ln>
+          </p:spPr>
+          <p:style>
+            <a:lnRef idx="3">
+              <a:schemeClr val="dk1"/>
+            </a:lnRef>
+            <a:fillRef idx="0">
+              <a:schemeClr val="dk1"/>
+            </a:fillRef>
+            <a:effectRef idx="2">
+              <a:schemeClr val="dk1"/>
+            </a:effectRef>
+            <a:fontRef idx="minor">
+              <a:schemeClr val="tx1"/>
+            </a:fontRef>
+          </p:style>
+        </p:cxnSp>
+        <p:cxnSp>
+          <p:nvCxnSpPr>
+            <p:cNvPr id="27" name="直接箭头连接符 26">
+              <a:extLst>
+                <a:ext uri="{FF2B5EF4-FFF2-40B4-BE49-F238E27FC236}">
+                  <a16:creationId xmlns:a16="http://schemas.microsoft.com/office/drawing/2014/main" id="{991BCA40-1DF1-B9C2-5DCA-F2F13661A8AC}"/>
+                </a:ext>
+              </a:extLst>
+            </p:cNvPr>
+            <p:cNvCxnSpPr>
+              <a:cxnSpLocks/>
+            </p:cNvCxnSpPr>
+            <p:nvPr/>
+          </p:nvCxnSpPr>
+          <p:spPr>
+            <a:xfrm>
+              <a:off x="3801082" y="2721253"/>
+              <a:ext cx="0" cy="1079999"/>
+            </a:xfrm>
+            <a:prstGeom prst="straightConnector1">
+              <a:avLst/>
+            </a:prstGeom>
+            <a:ln>
+              <a:headEnd type="triangle"/>
+              <a:tailEnd type="triangle"/>
+            </a:ln>
+          </p:spPr>
+          <p:style>
+            <a:lnRef idx="3">
+              <a:schemeClr val="dk1"/>
+            </a:lnRef>
+            <a:fillRef idx="0">
+              <a:schemeClr val="dk1"/>
+            </a:fillRef>
+            <a:effectRef idx="2">
+              <a:schemeClr val="dk1"/>
+            </a:effectRef>
+            <a:fontRef idx="minor">
+              <a:schemeClr val="tx1"/>
+            </a:fontRef>
+          </p:style>
+        </p:cxnSp>
+        <p:sp>
+          <p:nvSpPr>
+            <p:cNvPr id="36" name="矩形 35">
+              <a:extLst>
+                <a:ext uri="{FF2B5EF4-FFF2-40B4-BE49-F238E27FC236}">
+                  <a16:creationId xmlns:a16="http://schemas.microsoft.com/office/drawing/2014/main" id="{D0405B69-044F-FBCB-A4B4-4236107121DE}"/>
+                </a:ext>
+              </a:extLst>
+            </p:cNvPr>
+            <p:cNvSpPr/>
+            <p:nvPr/>
+          </p:nvSpPr>
+          <p:spPr>
+            <a:xfrm>
+              <a:off x="4127440" y="1942320"/>
+              <a:ext cx="288000" cy="288000"/>
+            </a:xfrm>
+            <a:prstGeom prst="rect">
+              <a:avLst/>
+            </a:prstGeom>
+          </p:spPr>
+          <p:style>
+            <a:lnRef idx="2">
+              <a:schemeClr val="dk1"/>
+            </a:lnRef>
+            <a:fillRef idx="1">
+              <a:schemeClr val="lt1"/>
+            </a:fillRef>
+            <a:effectRef idx="0">
+              <a:schemeClr val="dk1"/>
+            </a:effectRef>
+            <a:fontRef idx="minor">
+              <a:schemeClr val="dk1"/>
+            </a:fontRef>
+          </p:style>
+          <p:txBody>
+            <a:bodyPr rtlCol="0" anchor="ctr"/>
+            <a:lstStyle/>
+            <a:p>
+              <a:pPr algn="ctr"/>
+              <a:endParaRPr lang="zh-CN" altLang="en-US" dirty="0"/>
+            </a:p>
+          </p:txBody>
+        </p:sp>
+        <p:sp>
+          <p:nvSpPr>
+            <p:cNvPr id="37" name="矩形 36">
+              <a:extLst>
+                <a:ext uri="{FF2B5EF4-FFF2-40B4-BE49-F238E27FC236}">
+                  <a16:creationId xmlns:a16="http://schemas.microsoft.com/office/drawing/2014/main" id="{60C08673-1D60-755D-068E-C086839F4377}"/>
+                </a:ext>
+              </a:extLst>
+            </p:cNvPr>
+            <p:cNvSpPr/>
+            <p:nvPr/>
+          </p:nvSpPr>
+          <p:spPr>
+            <a:xfrm>
+              <a:off x="4415440" y="1942320"/>
+              <a:ext cx="380927" cy="288000"/>
+            </a:xfrm>
+            <a:prstGeom prst="rect">
+              <a:avLst/>
+            </a:prstGeom>
+          </p:spPr>
+          <p:style>
+            <a:lnRef idx="2">
+              <a:schemeClr val="dk1"/>
+            </a:lnRef>
+            <a:fillRef idx="1">
+              <a:schemeClr val="lt1"/>
+            </a:fillRef>
+            <a:effectRef idx="0">
+              <a:schemeClr val="dk1"/>
+            </a:effectRef>
+            <a:fontRef idx="minor">
+              <a:schemeClr val="dk1"/>
+            </a:fontRef>
+          </p:style>
+          <p:txBody>
+            <a:bodyPr rtlCol="0" anchor="ctr"/>
+            <a:lstStyle/>
+            <a:p>
+              <a:pPr algn="ctr"/>
+              <a:endParaRPr lang="zh-CN" altLang="en-US" dirty="0"/>
+            </a:p>
+          </p:txBody>
+        </p:sp>
+        <p:cxnSp>
+          <p:nvCxnSpPr>
+            <p:cNvPr id="38" name="直接连接符 37">
+              <a:extLst>
+                <a:ext uri="{FF2B5EF4-FFF2-40B4-BE49-F238E27FC236}">
+                  <a16:creationId xmlns:a16="http://schemas.microsoft.com/office/drawing/2014/main" id="{8801F966-EB3F-C0A3-8FD7-4DFAC2A217C0}"/>
+                </a:ext>
+              </a:extLst>
+            </p:cNvPr>
+            <p:cNvCxnSpPr>
+              <a:cxnSpLocks/>
+            </p:cNvCxnSpPr>
+            <p:nvPr/>
+          </p:nvCxnSpPr>
+          <p:spPr>
+            <a:xfrm>
+              <a:off x="4184633" y="2084955"/>
+              <a:ext cx="162969" cy="0"/>
+            </a:xfrm>
+            <a:prstGeom prst="line">
+              <a:avLst/>
+            </a:prstGeom>
+          </p:spPr>
+          <p:style>
+            <a:lnRef idx="3">
+              <a:schemeClr val="dk1"/>
+            </a:lnRef>
+            <a:fillRef idx="0">
+              <a:schemeClr val="dk1"/>
+            </a:fillRef>
+            <a:effectRef idx="2">
+              <a:schemeClr val="dk1"/>
+            </a:effectRef>
+            <a:fontRef idx="minor">
+              <a:schemeClr val="tx1"/>
+            </a:fontRef>
+          </p:style>
+        </p:cxnSp>
+        <mc:AlternateContent xmlns:mc="http://schemas.openxmlformats.org/markup-compatibility/2006" xmlns:a14="http://schemas.microsoft.com/office/drawing/2010/main">
+          <mc:Choice Requires="a14">
+            <p:sp>
+              <p:nvSpPr>
+                <p:cNvPr id="39" name="文本框 38">
+                  <a:extLst>
+                    <a:ext uri="{FF2B5EF4-FFF2-40B4-BE49-F238E27FC236}">
+                      <a16:creationId xmlns:a16="http://schemas.microsoft.com/office/drawing/2014/main" id="{1BF6DF79-0524-7065-76B5-EC7D57400AF1}"/>
+                    </a:ext>
+                  </a:extLst>
+                </p:cNvPr>
+                <p:cNvSpPr txBox="1"/>
+                <p:nvPr/>
+              </p:nvSpPr>
+              <p:spPr>
+                <a:xfrm>
+                  <a:off x="4347602" y="1897255"/>
+                  <a:ext cx="516129" cy="369332"/>
+                </a:xfrm>
+                <a:prstGeom prst="rect">
+                  <a:avLst/>
+                </a:prstGeom>
+                <a:noFill/>
+              </p:spPr>
+              <p:txBody>
+                <a:bodyPr wrap="square" rtlCol="0">
+                  <a:spAutoFit/>
+                </a:bodyPr>
+                <a:lstStyle/>
+                <a:p>
+                  <a:pPr algn="ctr"/>
+                  <a14:m>
+                    <m:oMath xmlns:m="http://schemas.openxmlformats.org/officeDocument/2006/math">
+                      <m:r>
+                        <m:rPr>
+                          <m:sty m:val="p"/>
+                        </m:rPr>
+                        <a:rPr lang="en-US" altLang="zh-CN" b="0" i="0" smtClean="0">
+                          <a:latin typeface="Cambria Math" panose="02040503050406030204" pitchFamily="18" charset="0"/>
+                          <a:cs typeface="Times New Roman" panose="02020603050405020304" pitchFamily="18" charset="0"/>
+                        </a:rPr>
+                        <m:t>Φ</m:t>
+                      </m:r>
+                    </m:oMath>
+                  </a14:m>
+                  <a:r>
+                    <a:rPr lang="en-US" altLang="zh-CN" dirty="0">
+                      <a:latin typeface="Times New Roman" panose="02020603050405020304" pitchFamily="18" charset="0"/>
+                      <a:cs typeface="Times New Roman" panose="02020603050405020304" pitchFamily="18" charset="0"/>
+                    </a:rPr>
+                    <a:t>t</a:t>
+                  </a:r>
+                  <a:endParaRPr lang="zh-CN" altLang="en-US" dirty="0">
+                    <a:latin typeface="Times New Roman" panose="02020603050405020304" pitchFamily="18" charset="0"/>
+                    <a:cs typeface="Times New Roman" panose="02020603050405020304" pitchFamily="18" charset="0"/>
+                  </a:endParaRPr>
+                </a:p>
+              </p:txBody>
+            </p:sp>
+          </mc:Choice>
+          <mc:Fallback xmlns="">
+            <p:sp>
+              <p:nvSpPr>
+                <p:cNvPr id="39" name="文本框 38">
+                  <a:extLst>
+                    <a:ext uri="{FF2B5EF4-FFF2-40B4-BE49-F238E27FC236}">
+                      <a16:creationId xmlns:a16="http://schemas.microsoft.com/office/drawing/2014/main" id="{1BF6DF79-0524-7065-76B5-EC7D57400AF1}"/>
+                    </a:ext>
+                  </a:extLst>
+                </p:cNvPr>
+                <p:cNvSpPr txBox="1">
+                  <a:spLocks noRot="1" noChangeAspect="1" noMove="1" noResize="1" noEditPoints="1" noAdjustHandles="1" noChangeArrowheads="1" noChangeShapeType="1" noTextEdit="1"/>
+                </p:cNvSpPr>
+                <p:nvPr/>
+              </p:nvSpPr>
+              <p:spPr>
+                <a:xfrm>
+                  <a:off x="4347602" y="1897255"/>
+                  <a:ext cx="516129" cy="369332"/>
+                </a:xfrm>
+                <a:prstGeom prst="rect">
+                  <a:avLst/>
+                </a:prstGeom>
+                <a:blipFill>
+                  <a:blip r:embed="rId2"/>
+                  <a:stretch>
+                    <a:fillRect t="-10000" r="-1190" b="-26667"/>
+                  </a:stretch>
+                </a:blipFill>
+              </p:spPr>
+              <p:txBody>
+                <a:bodyPr/>
+                <a:lstStyle/>
+                <a:p>
+                  <a:r>
+                    <a:rPr lang="zh-CN" altLang="en-US">
+                      <a:noFill/>
+                    </a:rPr>
+                    <a:t> </a:t>
+                  </a:r>
+                </a:p>
+              </p:txBody>
+            </p:sp>
+          </mc:Fallback>
+        </mc:AlternateContent>
+        <p:cxnSp>
+          <p:nvCxnSpPr>
+            <p:cNvPr id="40" name="连接符: 肘形 39">
+              <a:extLst>
+                <a:ext uri="{FF2B5EF4-FFF2-40B4-BE49-F238E27FC236}">
+                  <a16:creationId xmlns:a16="http://schemas.microsoft.com/office/drawing/2014/main" id="{1FD31988-32F9-EB7E-D420-BF00BA12E08E}"/>
+                </a:ext>
+              </a:extLst>
+            </p:cNvPr>
+            <p:cNvCxnSpPr>
+              <a:cxnSpLocks/>
+              <a:stCxn id="36" idx="1"/>
+            </p:cNvCxnSpPr>
+            <p:nvPr/>
+          </p:nvCxnSpPr>
+          <p:spPr>
+            <a:xfrm rot="10800000" flipV="1">
+              <a:off x="3801082" y="2086319"/>
+              <a:ext cx="326359" cy="634933"/>
+            </a:xfrm>
+            <a:prstGeom prst="bentConnector2">
+              <a:avLst/>
+            </a:prstGeom>
+            <a:ln>
+              <a:tailEnd type="stealth"/>
+            </a:ln>
+          </p:spPr>
+          <p:style>
+            <a:lnRef idx="3">
+              <a:schemeClr val="dk1"/>
+            </a:lnRef>
+            <a:fillRef idx="0">
+              <a:schemeClr val="dk1"/>
+            </a:fillRef>
+            <a:effectRef idx="2">
+              <a:schemeClr val="dk1"/>
+            </a:effectRef>
+            <a:fontRef idx="minor">
+              <a:schemeClr val="tx1"/>
+            </a:fontRef>
+          </p:style>
+        </p:cxnSp>
+      </p:grpSp>
+      <p:grpSp>
+        <p:nvGrpSpPr>
+          <p:cNvPr id="58" name="组合 57">
+            <a:extLst>
+              <a:ext uri="{FF2B5EF4-FFF2-40B4-BE49-F238E27FC236}">
+                <a16:creationId xmlns:a16="http://schemas.microsoft.com/office/drawing/2014/main" id="{CBC4F329-B90C-4ED7-54F0-6700D9C1A734}"/>
+              </a:ext>
+            </a:extLst>
+          </p:cNvPr>
+          <p:cNvGrpSpPr/>
+          <p:nvPr/>
+        </p:nvGrpSpPr>
+        <p:grpSpPr>
+          <a:xfrm>
+            <a:off x="777595" y="2876550"/>
+            <a:ext cx="2700000" cy="1993900"/>
+            <a:chOff x="1596745" y="2768600"/>
+            <a:chExt cx="2700000" cy="1993900"/>
+          </a:xfrm>
+        </p:grpSpPr>
+        <p:sp>
+          <p:nvSpPr>
+            <p:cNvPr id="47" name="任意多边形: 形状 46">
+              <a:extLst>
+                <a:ext uri="{FF2B5EF4-FFF2-40B4-BE49-F238E27FC236}">
+                  <a16:creationId xmlns:a16="http://schemas.microsoft.com/office/drawing/2014/main" id="{135DDF4F-775C-99ED-6D29-54AA95E7E398}"/>
+                </a:ext>
+              </a:extLst>
+            </p:cNvPr>
+            <p:cNvSpPr/>
+            <p:nvPr/>
+          </p:nvSpPr>
+          <p:spPr>
+            <a:xfrm>
+              <a:off x="1866745" y="3340098"/>
+              <a:ext cx="2430000" cy="1080000"/>
+            </a:xfrm>
+            <a:custGeom>
+              <a:avLst/>
+              <a:gdLst>
+                <a:gd name="connsiteX0" fmla="*/ 0 w 2430000"/>
+                <a:gd name="connsiteY0" fmla="*/ 0 h 1080000"/>
+                <a:gd name="connsiteX1" fmla="*/ 2160000 w 2430000"/>
+                <a:gd name="connsiteY1" fmla="*/ 0 h 1080000"/>
+                <a:gd name="connsiteX2" fmla="*/ 2430000 w 2430000"/>
+                <a:gd name="connsiteY2" fmla="*/ 540000 h 1080000"/>
+                <a:gd name="connsiteX3" fmla="*/ 2160000 w 2430000"/>
+                <a:gd name="connsiteY3" fmla="*/ 1080000 h 1080000"/>
+                <a:gd name="connsiteX4" fmla="*/ 0 w 2430000"/>
+                <a:gd name="connsiteY4" fmla="*/ 1080000 h 1080000"/>
+              </a:gdLst>
+              <a:ahLst/>
+              <a:cxnLst>
+                <a:cxn ang="0">
+                  <a:pos x="connsiteX0" y="connsiteY0"/>
+                </a:cxn>
+                <a:cxn ang="0">
+                  <a:pos x="connsiteX1" y="connsiteY1"/>
+                </a:cxn>
+                <a:cxn ang="0">
+                  <a:pos x="connsiteX2" y="connsiteY2"/>
+                </a:cxn>
+                <a:cxn ang="0">
+                  <a:pos x="connsiteX3" y="connsiteY3"/>
+                </a:cxn>
+                <a:cxn ang="0">
+                  <a:pos x="connsiteX4" y="connsiteY4"/>
+                </a:cxn>
+              </a:cxnLst>
+              <a:rect l="l" t="t" r="r" b="b"/>
+              <a:pathLst>
+                <a:path w="2430000" h="1080000">
+                  <a:moveTo>
+                    <a:pt x="0" y="0"/>
+                  </a:moveTo>
+                  <a:lnTo>
+                    <a:pt x="2160000" y="0"/>
+                  </a:lnTo>
+                  <a:cubicBezTo>
+                    <a:pt x="2309117" y="0"/>
+                    <a:pt x="2430000" y="241766"/>
+                    <a:pt x="2430000" y="540000"/>
+                  </a:cubicBezTo>
+                  <a:cubicBezTo>
+                    <a:pt x="2430000" y="838234"/>
+                    <a:pt x="2309117" y="1080000"/>
+                    <a:pt x="2160000" y="1080000"/>
+                  </a:cubicBezTo>
+                  <a:lnTo>
+                    <a:pt x="0" y="1080000"/>
+                  </a:lnTo>
+                  <a:close/>
+                </a:path>
+              </a:pathLst>
+            </a:custGeom>
+          </p:spPr>
+          <p:style>
+            <a:lnRef idx="2">
+              <a:schemeClr val="dk1"/>
+            </a:lnRef>
+            <a:fillRef idx="1">
+              <a:schemeClr val="lt1"/>
+            </a:fillRef>
+            <a:effectRef idx="0">
+              <a:schemeClr val="dk1"/>
+            </a:effectRef>
+            <a:fontRef idx="minor">
+              <a:schemeClr val="dk1"/>
+            </a:fontRef>
+          </p:style>
+          <p:txBody>
+            <a:bodyPr wrap="square" rtlCol="0" anchor="ctr">
+              <a:noAutofit/>
+            </a:bodyPr>
+            <a:lstStyle/>
+            <a:p>
+              <a:pPr algn="ctr"/>
+              <a:endParaRPr lang="zh-CN" altLang="en-US"/>
+            </a:p>
+          </p:txBody>
+        </p:sp>
+        <p:sp>
+          <p:nvSpPr>
+            <p:cNvPr id="42" name="椭圆 41">
+              <a:extLst>
+                <a:ext uri="{FF2B5EF4-FFF2-40B4-BE49-F238E27FC236}">
+                  <a16:creationId xmlns:a16="http://schemas.microsoft.com/office/drawing/2014/main" id="{B0DBDF7B-61F8-3EB9-3805-D5A49FA4CC69}"/>
+                </a:ext>
+              </a:extLst>
+            </p:cNvPr>
+            <p:cNvSpPr/>
+            <p:nvPr/>
+          </p:nvSpPr>
+          <p:spPr>
+            <a:xfrm>
+              <a:off x="1596745" y="3340099"/>
+              <a:ext cx="540000" cy="1080000"/>
+            </a:xfrm>
+            <a:prstGeom prst="ellipse">
+              <a:avLst/>
+            </a:prstGeom>
+          </p:spPr>
+          <p:style>
+            <a:lnRef idx="2">
+              <a:schemeClr val="dk1"/>
+            </a:lnRef>
+            <a:fillRef idx="1">
+              <a:schemeClr val="lt1"/>
+            </a:fillRef>
+            <a:effectRef idx="0">
+              <a:schemeClr val="dk1"/>
+            </a:effectRef>
+            <a:fontRef idx="minor">
+              <a:schemeClr val="dk1"/>
+            </a:fontRef>
+          </p:style>
+          <p:txBody>
+            <a:bodyPr rtlCol="0" anchor="ctr"/>
+            <a:lstStyle/>
+            <a:p>
+              <a:pPr algn="ctr"/>
+              <a:endParaRPr lang="zh-CN" altLang="en-US"/>
+            </a:p>
+          </p:txBody>
+        </p:sp>
+        <p:sp>
+          <p:nvSpPr>
+            <p:cNvPr id="45" name="椭圆 44">
+              <a:extLst>
+                <a:ext uri="{FF2B5EF4-FFF2-40B4-BE49-F238E27FC236}">
+                  <a16:creationId xmlns:a16="http://schemas.microsoft.com/office/drawing/2014/main" id="{B01BD6AF-28B4-5BA9-E5A7-18CAE08AB0BE}"/>
+                </a:ext>
+              </a:extLst>
+            </p:cNvPr>
+            <p:cNvSpPr/>
+            <p:nvPr/>
+          </p:nvSpPr>
+          <p:spPr>
+            <a:xfrm>
+              <a:off x="3756745" y="3340098"/>
+              <a:ext cx="540000" cy="1080000"/>
+            </a:xfrm>
+            <a:prstGeom prst="ellipse">
+              <a:avLst/>
+            </a:prstGeom>
+            <a:ln w="6350">
+              <a:prstDash val="sysDash"/>
+            </a:ln>
+          </p:spPr>
+          <p:style>
+            <a:lnRef idx="2">
+              <a:schemeClr val="dk1"/>
+            </a:lnRef>
+            <a:fillRef idx="1">
+              <a:schemeClr val="lt1"/>
+            </a:fillRef>
+            <a:effectRef idx="0">
+              <a:schemeClr val="dk1"/>
+            </a:effectRef>
+            <a:fontRef idx="minor">
+              <a:schemeClr val="dk1"/>
+            </a:fontRef>
+          </p:style>
+          <p:txBody>
+            <a:bodyPr rtlCol="0" anchor="ctr"/>
+            <a:lstStyle/>
+            <a:p>
+              <a:pPr algn="ctr"/>
+              <a:endParaRPr lang="zh-CN" altLang="en-US" dirty="0"/>
+            </a:p>
+          </p:txBody>
+        </p:sp>
+        <p:cxnSp>
+          <p:nvCxnSpPr>
+            <p:cNvPr id="49" name="直接连接符 48">
+              <a:extLst>
+                <a:ext uri="{FF2B5EF4-FFF2-40B4-BE49-F238E27FC236}">
+                  <a16:creationId xmlns:a16="http://schemas.microsoft.com/office/drawing/2014/main" id="{5939C927-A3BD-9F59-E9FA-E99D2F820570}"/>
+                </a:ext>
+              </a:extLst>
+            </p:cNvPr>
+            <p:cNvCxnSpPr/>
+            <p:nvPr/>
+          </p:nvCxnSpPr>
+          <p:spPr>
+            <a:xfrm>
+              <a:off x="3368484" y="3340098"/>
+              <a:ext cx="0" cy="1080000"/>
+            </a:xfrm>
+            <a:prstGeom prst="line">
+              <a:avLst/>
+            </a:prstGeom>
+            <a:ln w="19050"/>
+          </p:spPr>
+          <p:style>
+            <a:lnRef idx="3">
+              <a:schemeClr val="dk1"/>
+            </a:lnRef>
+            <a:fillRef idx="0">
+              <a:schemeClr val="dk1"/>
+            </a:fillRef>
+            <a:effectRef idx="2">
+              <a:schemeClr val="dk1"/>
+            </a:effectRef>
+            <a:fontRef idx="minor">
+              <a:schemeClr val="tx1"/>
+            </a:fontRef>
+          </p:style>
+        </p:cxnSp>
+        <p:cxnSp>
+          <p:nvCxnSpPr>
+            <p:cNvPr id="51" name="直接箭头连接符 50">
+              <a:extLst>
+                <a:ext uri="{FF2B5EF4-FFF2-40B4-BE49-F238E27FC236}">
+                  <a16:creationId xmlns:a16="http://schemas.microsoft.com/office/drawing/2014/main" id="{38F0CCC0-4F2A-AACD-A832-7B319F62EE86}"/>
+                </a:ext>
+              </a:extLst>
+            </p:cNvPr>
+            <p:cNvCxnSpPr>
+              <a:cxnSpLocks/>
+            </p:cNvCxnSpPr>
+            <p:nvPr/>
+          </p:nvCxnSpPr>
+          <p:spPr>
+            <a:xfrm flipV="1">
+              <a:off x="3368484" y="4420098"/>
+              <a:ext cx="0" cy="342402"/>
+            </a:xfrm>
+            <a:prstGeom prst="straightConnector1">
+              <a:avLst/>
+            </a:prstGeom>
+            <a:ln>
+              <a:tailEnd type="triangle"/>
+            </a:ln>
+          </p:spPr>
+          <p:style>
+            <a:lnRef idx="3">
+              <a:schemeClr val="dk1"/>
+            </a:lnRef>
+            <a:fillRef idx="0">
+              <a:schemeClr val="dk1"/>
+            </a:fillRef>
+            <a:effectRef idx="2">
+              <a:schemeClr val="dk1"/>
+            </a:effectRef>
+            <a:fontRef idx="minor">
+              <a:schemeClr val="tx1"/>
+            </a:fontRef>
+          </p:style>
+        </p:cxnSp>
+        <p:cxnSp>
+          <p:nvCxnSpPr>
+            <p:cNvPr id="54" name="直接箭头连接符 53">
+              <a:extLst>
+                <a:ext uri="{FF2B5EF4-FFF2-40B4-BE49-F238E27FC236}">
+                  <a16:creationId xmlns:a16="http://schemas.microsoft.com/office/drawing/2014/main" id="{28C27E94-49AE-03BE-0829-B6313B573E14}"/>
+                </a:ext>
+              </a:extLst>
+            </p:cNvPr>
+            <p:cNvCxnSpPr>
+              <a:cxnSpLocks/>
+            </p:cNvCxnSpPr>
+            <p:nvPr/>
+          </p:nvCxnSpPr>
+          <p:spPr>
+            <a:xfrm>
+              <a:off x="3368484" y="2768600"/>
+              <a:ext cx="0" cy="571498"/>
+            </a:xfrm>
+            <a:prstGeom prst="straightConnector1">
+              <a:avLst/>
+            </a:prstGeom>
+            <a:ln>
+              <a:tailEnd type="triangle"/>
+            </a:ln>
+          </p:spPr>
+          <p:style>
+            <a:lnRef idx="3">
+              <a:schemeClr val="dk1"/>
+            </a:lnRef>
+            <a:fillRef idx="0">
+              <a:schemeClr val="dk1"/>
+            </a:fillRef>
+            <a:effectRef idx="2">
+              <a:schemeClr val="dk1"/>
+            </a:effectRef>
+            <a:fontRef idx="minor">
+              <a:schemeClr val="tx1"/>
+            </a:fontRef>
+          </p:style>
+        </p:cxnSp>
+        <mc:AlternateContent xmlns:mc="http://schemas.openxmlformats.org/markup-compatibility/2006" xmlns:a14="http://schemas.microsoft.com/office/drawing/2010/main">
+          <mc:Choice Requires="a14">
+            <p:sp>
+              <p:nvSpPr>
+                <p:cNvPr id="56" name="文本框 55">
+                  <a:extLst>
+                    <a:ext uri="{FF2B5EF4-FFF2-40B4-BE49-F238E27FC236}">
+                      <a16:creationId xmlns:a16="http://schemas.microsoft.com/office/drawing/2014/main" id="{8937C1FC-A39A-4DE0-338F-44831FCFDD63}"/>
+                    </a:ext>
+                  </a:extLst>
+                </p:cNvPr>
+                <p:cNvSpPr txBox="1"/>
+                <p:nvPr/>
+              </p:nvSpPr>
+              <p:spPr>
+                <a:xfrm>
+                  <a:off x="2930419" y="2821001"/>
+                  <a:ext cx="516129" cy="369332"/>
+                </a:xfrm>
+                <a:prstGeom prst="rect">
+                  <a:avLst/>
+                </a:prstGeom>
+                <a:noFill/>
+              </p:spPr>
+              <p:txBody>
+                <a:bodyPr wrap="square" rtlCol="0">
+                  <a:spAutoFit/>
+                </a:bodyPr>
+                <a:lstStyle/>
+                <a:p>
+                  <a:pPr algn="ctr"/>
+                  <a14:m>
+                    <m:oMath xmlns:m="http://schemas.openxmlformats.org/officeDocument/2006/math">
+                      <m:r>
+                        <m:rPr>
+                          <m:sty m:val="p"/>
+                        </m:rPr>
+                        <a:rPr lang="en-US" altLang="zh-CN" b="0" i="0" smtClean="0">
+                          <a:latin typeface="Cambria Math" panose="02040503050406030204" pitchFamily="18" charset="0"/>
+                          <a:cs typeface="Times New Roman" panose="02020603050405020304" pitchFamily="18" charset="0"/>
+                        </a:rPr>
+                        <m:t>Φ</m:t>
+                      </m:r>
+                    </m:oMath>
+                  </a14:m>
+                  <a:r>
+                    <a:rPr lang="en-US" altLang="zh-CN" dirty="0">
+                      <a:latin typeface="Times New Roman" panose="02020603050405020304" pitchFamily="18" charset="0"/>
+                      <a:cs typeface="Times New Roman" panose="02020603050405020304" pitchFamily="18" charset="0"/>
+                    </a:rPr>
+                    <a:t>t</a:t>
+                  </a:r>
+                  <a:endParaRPr lang="zh-CN" altLang="en-US" dirty="0">
+                    <a:latin typeface="Times New Roman" panose="02020603050405020304" pitchFamily="18" charset="0"/>
+                    <a:cs typeface="Times New Roman" panose="02020603050405020304" pitchFamily="18" charset="0"/>
+                  </a:endParaRPr>
+                </a:p>
+              </p:txBody>
+            </p:sp>
+          </mc:Choice>
+          <mc:Fallback xmlns="">
+            <p:sp>
+              <p:nvSpPr>
+                <p:cNvPr id="56" name="文本框 55">
+                  <a:extLst>
+                    <a:ext uri="{FF2B5EF4-FFF2-40B4-BE49-F238E27FC236}">
+                      <a16:creationId xmlns:a16="http://schemas.microsoft.com/office/drawing/2014/main" id="{8937C1FC-A39A-4DE0-338F-44831FCFDD63}"/>
+                    </a:ext>
+                  </a:extLst>
+                </p:cNvPr>
+                <p:cNvSpPr txBox="1">
+                  <a:spLocks noRot="1" noChangeAspect="1" noMove="1" noResize="1" noEditPoints="1" noAdjustHandles="1" noChangeArrowheads="1" noChangeShapeType="1" noTextEdit="1"/>
+                </p:cNvSpPr>
+                <p:nvPr/>
+              </p:nvSpPr>
+              <p:spPr>
+                <a:xfrm>
+                  <a:off x="2930419" y="2821001"/>
+                  <a:ext cx="516129" cy="369332"/>
+                </a:xfrm>
+                <a:prstGeom prst="rect">
+                  <a:avLst/>
+                </a:prstGeom>
+                <a:blipFill>
+                  <a:blip r:embed="rId3"/>
+                  <a:stretch>
+                    <a:fillRect t="-8197" r="-1176" b="-24590"/>
+                  </a:stretch>
+                </a:blipFill>
+              </p:spPr>
+              <p:txBody>
+                <a:bodyPr/>
+                <a:lstStyle/>
+                <a:p>
+                  <a:r>
+                    <a:rPr lang="zh-CN" altLang="en-US">
+                      <a:noFill/>
+                    </a:rPr>
+                    <a:t> </a:t>
+                  </a:r>
+                </a:p>
+              </p:txBody>
+            </p:sp>
+          </mc:Fallback>
+        </mc:AlternateContent>
+      </p:grpSp>
+    </p:spTree>
+    <p:extLst>
+      <p:ext uri="{BB962C8B-B14F-4D97-AF65-F5344CB8AC3E}">
+        <p14:creationId xmlns:p14="http://schemas.microsoft.com/office/powerpoint/2010/main" val="1247407056"/>
+      </p:ext>
+    </p:extLst>
+  </p:cSld>
+  <p:clrMapOvr>
+    <a:masterClrMapping/>
+  </p:clrMapOvr>
+</p:sld>
+</file>
+
+<file path=ppt/slides/slide5.xml><?xml version="1.0" encoding="utf-8"?>
+<p:sld xmlns:a="http://schemas.openxmlformats.org/drawingml/2006/main" xmlns:r="http://schemas.openxmlformats.org/officeDocument/2006/relationships" xmlns:p="http://schemas.openxmlformats.org/presentationml/2006/main">
+  <p:cSld>
+    <p:spTree>
+      <p:nvGrpSpPr>
+        <p:cNvPr id="1" name=""/>
+        <p:cNvGrpSpPr/>
+        <p:nvPr/>
+      </p:nvGrpSpPr>
+      <p:grpSpPr>
+        <a:xfrm>
+          <a:off x="0" y="0"/>
+          <a:ext cx="0" cy="0"/>
+          <a:chOff x="0" y="0"/>
+          <a:chExt cx="0" cy="0"/>
+        </a:xfrm>
+      </p:grpSpPr>
       <p:grpSp>
         <p:nvGrpSpPr>
           <p:cNvPr id="36" name="组合 35">
@@ -6800,7 +11025,7 @@
 </p:sld>
 </file>
 
-<file path=ppt/slides/slide3.xml><?xml version="1.0" encoding="utf-8"?>
+<file path=ppt/slides/slide6.xml><?xml version="1.0" encoding="utf-8"?>
 <p:sld xmlns:a="http://schemas.openxmlformats.org/drawingml/2006/main" xmlns:r="http://schemas.openxmlformats.org/officeDocument/2006/relationships" xmlns:p="http://schemas.openxmlformats.org/presentationml/2006/main">
   <p:cSld>
     <p:spTree>
@@ -6817,144 +11042,12 @@
           <a:chExt cx="0" cy="0"/>
         </a:xfrm>
       </p:grpSpPr>
-      <p:sp>
-        <p:nvSpPr>
-          <p:cNvPr id="9" name="等腰三角形 8">
-            <a:extLst>
-              <a:ext uri="{FF2B5EF4-FFF2-40B4-BE49-F238E27FC236}">
-                <a16:creationId xmlns:a16="http://schemas.microsoft.com/office/drawing/2014/main" id="{3CFB3B80-C8EC-246E-3BF6-3C42594A6FC6}"/>
-              </a:ext>
-            </a:extLst>
-          </p:cNvPr>
-          <p:cNvSpPr/>
-          <p:nvPr/>
-        </p:nvSpPr>
-        <p:spPr>
-          <a:xfrm rot="16200000">
-            <a:off x="962288" y="755322"/>
-            <a:ext cx="288000" cy="144000"/>
-          </a:xfrm>
-          <a:prstGeom prst="triangle">
-            <a:avLst/>
-          </a:prstGeom>
-        </p:spPr>
-        <p:style>
-          <a:lnRef idx="2">
-            <a:schemeClr val="dk1"/>
-          </a:lnRef>
-          <a:fillRef idx="1">
-            <a:schemeClr val="lt1"/>
-          </a:fillRef>
-          <a:effectRef idx="0">
-            <a:schemeClr val="dk1"/>
-          </a:effectRef>
-          <a:fontRef idx="minor">
-            <a:schemeClr val="dk1"/>
-          </a:fontRef>
-        </p:style>
-        <p:txBody>
-          <a:bodyPr rtlCol="0" anchor="ctr"/>
-          <a:lstStyle/>
-          <a:p>
-            <a:pPr algn="ctr"/>
-            <a:endParaRPr lang="zh-CN" altLang="en-US" dirty="0"/>
-          </a:p>
-        </p:txBody>
-      </p:sp>
-      <p:sp>
-        <p:nvSpPr>
-          <p:cNvPr id="2" name="矩形 1">
-            <a:extLst>
-              <a:ext uri="{FF2B5EF4-FFF2-40B4-BE49-F238E27FC236}">
-                <a16:creationId xmlns:a16="http://schemas.microsoft.com/office/drawing/2014/main" id="{295E7A5F-23C4-24D8-3596-A7ADF8ABD29C}"/>
-              </a:ext>
-            </a:extLst>
-          </p:cNvPr>
-          <p:cNvSpPr/>
-          <p:nvPr/>
-        </p:nvSpPr>
-        <p:spPr>
-          <a:xfrm>
-            <a:off x="3743688" y="1169308"/>
-            <a:ext cx="2160000" cy="1080000"/>
-          </a:xfrm>
-          <a:prstGeom prst="rect">
-            <a:avLst/>
-          </a:prstGeom>
-        </p:spPr>
-        <p:style>
-          <a:lnRef idx="2">
-            <a:schemeClr val="dk1"/>
-          </a:lnRef>
-          <a:fillRef idx="1">
-            <a:schemeClr val="lt1"/>
-          </a:fillRef>
-          <a:effectRef idx="0">
-            <a:schemeClr val="dk1"/>
-          </a:effectRef>
-          <a:fontRef idx="minor">
-            <a:schemeClr val="dk1"/>
-          </a:fontRef>
-        </p:style>
-        <p:txBody>
-          <a:bodyPr rtlCol="0" anchor="ctr"/>
-          <a:lstStyle/>
-          <a:p>
-            <a:pPr algn="ctr"/>
-            <a:endParaRPr lang="zh-CN" altLang="en-US" dirty="0"/>
-          </a:p>
-        </p:txBody>
-      </p:sp>
-      <p:sp>
-        <p:nvSpPr>
-          <p:cNvPr id="3" name="矩形 2">
-            <a:extLst>
-              <a:ext uri="{FF2B5EF4-FFF2-40B4-BE49-F238E27FC236}">
-                <a16:creationId xmlns:a16="http://schemas.microsoft.com/office/drawing/2014/main" id="{34C75511-641E-FCF2-CF41-5E864CB3D588}"/>
-              </a:ext>
-            </a:extLst>
-          </p:cNvPr>
-          <p:cNvSpPr/>
-          <p:nvPr/>
-        </p:nvSpPr>
-        <p:spPr>
-          <a:xfrm>
-            <a:off x="6498062" y="1169308"/>
-            <a:ext cx="1080000" cy="1080000"/>
-          </a:xfrm>
-          <a:prstGeom prst="rect">
-            <a:avLst/>
-          </a:prstGeom>
-        </p:spPr>
-        <p:style>
-          <a:lnRef idx="2">
-            <a:schemeClr val="dk1"/>
-          </a:lnRef>
-          <a:fillRef idx="1">
-            <a:schemeClr val="lt1"/>
-          </a:fillRef>
-          <a:effectRef idx="0">
-            <a:schemeClr val="dk1"/>
-          </a:effectRef>
-          <a:fontRef idx="minor">
-            <a:schemeClr val="dk1"/>
-          </a:fontRef>
-        </p:style>
-        <p:txBody>
-          <a:bodyPr rtlCol="0" anchor="ctr"/>
-          <a:lstStyle/>
-          <a:p>
-            <a:pPr algn="ctr"/>
-            <a:endParaRPr lang="zh-CN" altLang="en-US"/>
-          </a:p>
-        </p:txBody>
-      </p:sp>
       <p:grpSp>
         <p:nvGrpSpPr>
-          <p:cNvPr id="7" name="组合 6">
-            <a:extLst>
-              <a:ext uri="{FF2B5EF4-FFF2-40B4-BE49-F238E27FC236}">
-                <a16:creationId xmlns:a16="http://schemas.microsoft.com/office/drawing/2014/main" id="{7D559BB9-5AB4-D599-C865-C35AA61236B5}"/>
+          <p:cNvPr id="16" name="组合 15">
+            <a:extLst>
+              <a:ext uri="{FF2B5EF4-FFF2-40B4-BE49-F238E27FC236}">
+                <a16:creationId xmlns:a16="http://schemas.microsoft.com/office/drawing/2014/main" id="{3CB1ABBE-D39C-F880-CAB2-5D6862AAEDB3}"/>
               </a:ext>
             </a:extLst>
           </p:cNvPr>
@@ -6963,171 +11056,18 @@
         </p:nvGrpSpPr>
         <p:grpSpPr>
           <a:xfrm>
-            <a:off x="4430999" y="390375"/>
-            <a:ext cx="576000" cy="288000"/>
-            <a:chOff x="2795239" y="810322"/>
-            <a:chExt cx="576000" cy="288000"/>
+            <a:off x="456143" y="446618"/>
+            <a:ext cx="2886836" cy="1096976"/>
+            <a:chOff x="735543" y="1153584"/>
+            <a:chExt cx="2886836" cy="1096976"/>
           </a:xfrm>
         </p:grpSpPr>
-        <p:sp>
-          <p:nvSpPr>
-            <p:cNvPr id="4" name="矩形 3">
+        <p:grpSp>
+          <p:nvGrpSpPr>
+            <p:cNvPr id="10" name="组合 9">
               <a:extLst>
                 <a:ext uri="{FF2B5EF4-FFF2-40B4-BE49-F238E27FC236}">
-                  <a16:creationId xmlns:a16="http://schemas.microsoft.com/office/drawing/2014/main" id="{BE5C74D8-0D25-6E7F-93F8-CE34E5A3F9CF}"/>
-                </a:ext>
-              </a:extLst>
-            </p:cNvPr>
-            <p:cNvSpPr/>
-            <p:nvPr/>
-          </p:nvSpPr>
-          <p:spPr>
-            <a:xfrm>
-              <a:off x="2795239" y="810322"/>
-              <a:ext cx="288000" cy="288000"/>
-            </a:xfrm>
-            <a:prstGeom prst="rect">
-              <a:avLst/>
-            </a:prstGeom>
-          </p:spPr>
-          <p:style>
-            <a:lnRef idx="2">
-              <a:schemeClr val="dk1"/>
-            </a:lnRef>
-            <a:fillRef idx="1">
-              <a:schemeClr val="lt1"/>
-            </a:fillRef>
-            <a:effectRef idx="0">
-              <a:schemeClr val="dk1"/>
-            </a:effectRef>
-            <a:fontRef idx="minor">
-              <a:schemeClr val="dk1"/>
-            </a:fontRef>
-          </p:style>
-          <p:txBody>
-            <a:bodyPr rtlCol="0" anchor="ctr"/>
-            <a:lstStyle/>
-            <a:p>
-              <a:pPr algn="ctr"/>
-              <a:endParaRPr lang="zh-CN" altLang="en-US" dirty="0"/>
-            </a:p>
-          </p:txBody>
-        </p:sp>
-        <p:sp>
-          <p:nvSpPr>
-            <p:cNvPr id="5" name="矩形 4">
-              <a:extLst>
-                <a:ext uri="{FF2B5EF4-FFF2-40B4-BE49-F238E27FC236}">
-                  <a16:creationId xmlns:a16="http://schemas.microsoft.com/office/drawing/2014/main" id="{C55B479A-C1CE-5F47-6E2C-48A7E2E7A744}"/>
-                </a:ext>
-              </a:extLst>
-            </p:cNvPr>
-            <p:cNvSpPr/>
-            <p:nvPr/>
-          </p:nvSpPr>
-          <p:spPr>
-            <a:xfrm>
-              <a:off x="3083239" y="810322"/>
-              <a:ext cx="288000" cy="288000"/>
-            </a:xfrm>
-            <a:prstGeom prst="rect">
-              <a:avLst/>
-            </a:prstGeom>
-          </p:spPr>
-          <p:style>
-            <a:lnRef idx="2">
-              <a:schemeClr val="dk1"/>
-            </a:lnRef>
-            <a:fillRef idx="1">
-              <a:schemeClr val="lt1"/>
-            </a:fillRef>
-            <a:effectRef idx="0">
-              <a:schemeClr val="dk1"/>
-            </a:effectRef>
-            <a:fontRef idx="minor">
-              <a:schemeClr val="dk1"/>
-            </a:fontRef>
-          </p:style>
-          <p:txBody>
-            <a:bodyPr rtlCol="0" anchor="ctr"/>
-            <a:lstStyle/>
-            <a:p>
-              <a:pPr algn="ctr"/>
-              <a:endParaRPr lang="zh-CN" altLang="en-US"/>
-            </a:p>
-          </p:txBody>
-        </p:sp>
-      </p:grpSp>
-      <p:grpSp>
-        <p:nvGrpSpPr>
-          <p:cNvPr id="17" name="组合 16">
-            <a:extLst>
-              <a:ext uri="{FF2B5EF4-FFF2-40B4-BE49-F238E27FC236}">
-                <a16:creationId xmlns:a16="http://schemas.microsoft.com/office/drawing/2014/main" id="{A2F891BE-6D40-4973-3A16-BD0F550850EB}"/>
-              </a:ext>
-            </a:extLst>
-          </p:cNvPr>
-          <p:cNvGrpSpPr/>
-          <p:nvPr/>
-        </p:nvGrpSpPr>
-        <p:grpSpPr>
-          <a:xfrm>
-            <a:off x="5006999" y="390375"/>
-            <a:ext cx="708324" cy="288001"/>
-            <a:chOff x="2048126" y="1204776"/>
-            <a:chExt cx="708324" cy="288001"/>
-          </a:xfrm>
-        </p:grpSpPr>
-        <p:sp>
-          <p:nvSpPr>
-            <p:cNvPr id="8" name="矩形 7">
-              <a:extLst>
-                <a:ext uri="{FF2B5EF4-FFF2-40B4-BE49-F238E27FC236}">
-                  <a16:creationId xmlns:a16="http://schemas.microsoft.com/office/drawing/2014/main" id="{915F0C61-2703-AE47-8050-FDD07E31D5C0}"/>
-                </a:ext>
-              </a:extLst>
-            </p:cNvPr>
-            <p:cNvSpPr/>
-            <p:nvPr/>
-          </p:nvSpPr>
-          <p:spPr>
-            <a:xfrm>
-              <a:off x="2468450" y="1204777"/>
-              <a:ext cx="288000" cy="288000"/>
-            </a:xfrm>
-            <a:prstGeom prst="rect">
-              <a:avLst/>
-            </a:prstGeom>
-          </p:spPr>
-          <p:style>
-            <a:lnRef idx="2">
-              <a:schemeClr val="dk1"/>
-            </a:lnRef>
-            <a:fillRef idx="1">
-              <a:schemeClr val="lt1"/>
-            </a:fillRef>
-            <a:effectRef idx="0">
-              <a:schemeClr val="dk1"/>
-            </a:effectRef>
-            <a:fontRef idx="minor">
-              <a:schemeClr val="dk1"/>
-            </a:fontRef>
-          </p:style>
-          <p:txBody>
-            <a:bodyPr rtlCol="0" anchor="ctr"/>
-            <a:lstStyle/>
-            <a:p>
-              <a:pPr algn="ctr"/>
-              <a:endParaRPr lang="zh-CN" altLang="en-US" dirty="0"/>
-            </a:p>
-          </p:txBody>
-        </p:sp>
-        <p:grpSp>
-          <p:nvGrpSpPr>
-            <p:cNvPr id="15" name="组合 14">
-              <a:extLst>
-                <a:ext uri="{FF2B5EF4-FFF2-40B4-BE49-F238E27FC236}">
-                  <a16:creationId xmlns:a16="http://schemas.microsoft.com/office/drawing/2014/main" id="{0DDAF01C-D6F1-3690-6F95-3D6145560372}"/>
+                  <a16:creationId xmlns:a16="http://schemas.microsoft.com/office/drawing/2014/main" id="{4088087E-9063-3B1D-D9A9-0985A02F6CBB}"/>
                 </a:ext>
               </a:extLst>
             </p:cNvPr>
@@ -7135,19 +11075,19 @@
             <p:nvPr/>
           </p:nvGrpSpPr>
           <p:grpSpPr>
-            <a:xfrm rot="10800000">
-              <a:off x="2048126" y="1204776"/>
-              <a:ext cx="420324" cy="288000"/>
-              <a:chOff x="1772013" y="1086549"/>
-              <a:chExt cx="420324" cy="288000"/>
+            <a:xfrm>
+              <a:off x="1636822" y="1153584"/>
+              <a:ext cx="1602565" cy="349152"/>
+              <a:chOff x="736598" y="239183"/>
+              <a:chExt cx="7370235" cy="1621366"/>
             </a:xfrm>
           </p:grpSpPr>
           <p:sp>
             <p:nvSpPr>
-              <p:cNvPr id="10" name="箭头: 五边形 9">
+              <p:cNvPr id="5" name="椭圆 4">
                 <a:extLst>
                   <a:ext uri="{FF2B5EF4-FFF2-40B4-BE49-F238E27FC236}">
-                    <a16:creationId xmlns:a16="http://schemas.microsoft.com/office/drawing/2014/main" id="{E6407397-D7B2-9F2C-6661-88A65134D15F}"/>
+                    <a16:creationId xmlns:a16="http://schemas.microsoft.com/office/drawing/2014/main" id="{5864204E-F35A-4A67-EA5E-93B89305A8F2}"/>
                   </a:ext>
                 </a:extLst>
               </p:cNvPr>
@@ -7156,2167 +11096,10 @@
             </p:nvSpPr>
             <p:spPr>
               <a:xfrm>
-                <a:off x="1772013" y="1086549"/>
-                <a:ext cx="420324" cy="288000"/>
+                <a:off x="736598" y="505883"/>
+                <a:ext cx="7370235" cy="1354666"/>
               </a:xfrm>
-              <a:prstGeom prst="homePlate">
-                <a:avLst>
-                  <a:gd name="adj" fmla="val 42834"/>
-                </a:avLst>
-              </a:prstGeom>
-            </p:spPr>
-            <p:style>
-              <a:lnRef idx="2">
-                <a:schemeClr val="dk1"/>
-              </a:lnRef>
-              <a:fillRef idx="1">
-                <a:schemeClr val="lt1"/>
-              </a:fillRef>
-              <a:effectRef idx="0">
-                <a:schemeClr val="dk1"/>
-              </a:effectRef>
-              <a:fontRef idx="minor">
-                <a:schemeClr val="dk1"/>
-              </a:fontRef>
-            </p:style>
-            <p:txBody>
-              <a:bodyPr rtlCol="0" anchor="ctr"/>
-              <a:lstStyle/>
-              <a:p>
-                <a:pPr algn="ctr"/>
-                <a:endParaRPr lang="zh-CN" altLang="en-US" dirty="0"/>
-              </a:p>
-            </p:txBody>
-          </p:sp>
-          <p:cxnSp>
-            <p:nvCxnSpPr>
-              <p:cNvPr id="14" name="直接连接符 13">
-                <a:extLst>
-                  <a:ext uri="{FF2B5EF4-FFF2-40B4-BE49-F238E27FC236}">
-                    <a16:creationId xmlns:a16="http://schemas.microsoft.com/office/drawing/2014/main" id="{0D0B91B2-A364-34BD-357B-C8BD9124C26D}"/>
-                  </a:ext>
-                </a:extLst>
-              </p:cNvPr>
-              <p:cNvCxnSpPr/>
-              <p:nvPr/>
-            </p:nvCxnSpPr>
-            <p:spPr>
-              <a:xfrm flipV="1">
-                <a:off x="2063750" y="1086549"/>
-                <a:ext cx="0" cy="288000"/>
-              </a:xfrm>
-              <a:prstGeom prst="line">
-                <a:avLst/>
-              </a:prstGeom>
-              <a:ln w="12700"/>
-            </p:spPr>
-            <p:style>
-              <a:lnRef idx="3">
-                <a:schemeClr val="dk1"/>
-              </a:lnRef>
-              <a:fillRef idx="0">
-                <a:schemeClr val="dk1"/>
-              </a:fillRef>
-              <a:effectRef idx="2">
-                <a:schemeClr val="dk1"/>
-              </a:effectRef>
-              <a:fontRef idx="minor">
-                <a:schemeClr val="tx1"/>
-              </a:fontRef>
-            </p:style>
-          </p:cxnSp>
-        </p:grpSp>
-      </p:grpSp>
-      <p:sp>
-        <p:nvSpPr>
-          <p:cNvPr id="16" name="文本框 15">
-            <a:extLst>
-              <a:ext uri="{FF2B5EF4-FFF2-40B4-BE49-F238E27FC236}">
-                <a16:creationId xmlns:a16="http://schemas.microsoft.com/office/drawing/2014/main" id="{3C526AA9-7EC8-1742-6118-350654D238B0}"/>
-              </a:ext>
-            </a:extLst>
-          </p:cNvPr>
-          <p:cNvSpPr txBox="1"/>
-          <p:nvPr/>
-        </p:nvSpPr>
-        <p:spPr>
-          <a:xfrm>
-            <a:off x="5427328" y="349709"/>
-            <a:ext cx="287994" cy="369332"/>
-          </a:xfrm>
-          <a:prstGeom prst="rect">
-            <a:avLst/>
-          </a:prstGeom>
-          <a:noFill/>
-        </p:spPr>
-        <p:txBody>
-          <a:bodyPr wrap="square" rtlCol="0">
-            <a:spAutoFit/>
-          </a:bodyPr>
-          <a:lstStyle/>
-          <a:p>
-            <a:pPr algn="ctr"/>
-            <a:r>
-              <a:rPr lang="en-US" altLang="zh-CN" dirty="0">
-                <a:latin typeface="Times New Roman" panose="02020603050405020304" pitchFamily="18" charset="0"/>
-                <a:cs typeface="Times New Roman" panose="02020603050405020304" pitchFamily="18" charset="0"/>
-              </a:rPr>
-              <a:t>A</a:t>
-            </a:r>
-            <a:endParaRPr lang="zh-CN" altLang="en-US" dirty="0">
-              <a:latin typeface="Times New Roman" panose="02020603050405020304" pitchFamily="18" charset="0"/>
-              <a:cs typeface="Times New Roman" panose="02020603050405020304" pitchFamily="18" charset="0"/>
-            </a:endParaRPr>
-          </a:p>
-        </p:txBody>
-      </p:sp>
-      <p:grpSp>
-        <p:nvGrpSpPr>
-          <p:cNvPr id="18" name="组合 17">
-            <a:extLst>
-              <a:ext uri="{FF2B5EF4-FFF2-40B4-BE49-F238E27FC236}">
-                <a16:creationId xmlns:a16="http://schemas.microsoft.com/office/drawing/2014/main" id="{E4E40D50-9DC7-9580-E371-F623B72A1D77}"/>
-              </a:ext>
-            </a:extLst>
-          </p:cNvPr>
-          <p:cNvGrpSpPr/>
-          <p:nvPr/>
-        </p:nvGrpSpPr>
-        <p:grpSpPr>
-          <a:xfrm>
-            <a:off x="5181323" y="433933"/>
-            <a:ext cx="200259" cy="200883"/>
-            <a:chOff x="2725821" y="3095069"/>
-            <a:chExt cx="228974" cy="438294"/>
-          </a:xfrm>
-        </p:grpSpPr>
-        <p:cxnSp>
-          <p:nvCxnSpPr>
-            <p:cNvPr id="19" name="直接连接符 18">
-              <a:extLst>
-                <a:ext uri="{FF2B5EF4-FFF2-40B4-BE49-F238E27FC236}">
-                  <a16:creationId xmlns:a16="http://schemas.microsoft.com/office/drawing/2014/main" id="{0BA59FCC-2BE0-EC98-C0A7-E7322D5BD30D}"/>
-                </a:ext>
-              </a:extLst>
-            </p:cNvPr>
-            <p:cNvCxnSpPr>
-              <a:cxnSpLocks/>
-            </p:cNvCxnSpPr>
-            <p:nvPr/>
-          </p:nvCxnSpPr>
-          <p:spPr>
-            <a:xfrm flipV="1">
-              <a:off x="2725821" y="3095069"/>
-              <a:ext cx="90000" cy="438294"/>
-            </a:xfrm>
-            <a:prstGeom prst="line">
-              <a:avLst/>
-            </a:prstGeom>
-          </p:spPr>
-          <p:style>
-            <a:lnRef idx="3">
-              <a:schemeClr val="dk1"/>
-            </a:lnRef>
-            <a:fillRef idx="0">
-              <a:schemeClr val="dk1"/>
-            </a:fillRef>
-            <a:effectRef idx="2">
-              <a:schemeClr val="dk1"/>
-            </a:effectRef>
-            <a:fontRef idx="minor">
-              <a:schemeClr val="tx1"/>
-            </a:fontRef>
-          </p:style>
-        </p:cxnSp>
-        <p:cxnSp>
-          <p:nvCxnSpPr>
-            <p:cNvPr id="20" name="直接连接符 19">
-              <a:extLst>
-                <a:ext uri="{FF2B5EF4-FFF2-40B4-BE49-F238E27FC236}">
-                  <a16:creationId xmlns:a16="http://schemas.microsoft.com/office/drawing/2014/main" id="{F7C2ACF9-BD23-501D-3365-C193AC09BA31}"/>
-                </a:ext>
-              </a:extLst>
-            </p:cNvPr>
-            <p:cNvCxnSpPr>
-              <a:cxnSpLocks/>
-            </p:cNvCxnSpPr>
-            <p:nvPr/>
-          </p:nvCxnSpPr>
-          <p:spPr>
-            <a:xfrm flipV="1">
-              <a:off x="2864795" y="3095069"/>
-              <a:ext cx="90000" cy="438294"/>
-            </a:xfrm>
-            <a:prstGeom prst="line">
-              <a:avLst/>
-            </a:prstGeom>
-          </p:spPr>
-          <p:style>
-            <a:lnRef idx="3">
-              <a:schemeClr val="dk1"/>
-            </a:lnRef>
-            <a:fillRef idx="0">
-              <a:schemeClr val="dk1"/>
-            </a:fillRef>
-            <a:effectRef idx="2">
-              <a:schemeClr val="dk1"/>
-            </a:effectRef>
-            <a:fontRef idx="minor">
-              <a:schemeClr val="tx1"/>
-            </a:fontRef>
-          </p:style>
-        </p:cxnSp>
-      </p:grpSp>
-      <p:cxnSp>
-        <p:nvCxnSpPr>
-          <p:cNvPr id="21" name="直接连接符 20">
-            <a:extLst>
-              <a:ext uri="{FF2B5EF4-FFF2-40B4-BE49-F238E27FC236}">
-                <a16:creationId xmlns:a16="http://schemas.microsoft.com/office/drawing/2014/main" id="{62076AAE-E6A3-8166-AC92-07F638B53C2E}"/>
-              </a:ext>
-            </a:extLst>
-          </p:cNvPr>
-          <p:cNvCxnSpPr>
-            <a:cxnSpLocks/>
-          </p:cNvCxnSpPr>
-          <p:nvPr/>
-        </p:nvCxnSpPr>
-        <p:spPr>
-          <a:xfrm>
-            <a:off x="4495391" y="552336"/>
-            <a:ext cx="162969" cy="0"/>
-          </a:xfrm>
-          <a:prstGeom prst="line">
-            <a:avLst/>
-          </a:prstGeom>
-        </p:spPr>
-        <p:style>
-          <a:lnRef idx="3">
-            <a:schemeClr val="dk1"/>
-          </a:lnRef>
-          <a:fillRef idx="0">
-            <a:schemeClr val="dk1"/>
-          </a:fillRef>
-          <a:effectRef idx="2">
-            <a:schemeClr val="dk1"/>
-          </a:effectRef>
-          <a:fontRef idx="minor">
-            <a:schemeClr val="tx1"/>
-          </a:fontRef>
-        </p:style>
-      </p:cxnSp>
-      <p:sp>
-        <p:nvSpPr>
-          <p:cNvPr id="23" name="文本框 22">
-            <a:extLst>
-              <a:ext uri="{FF2B5EF4-FFF2-40B4-BE49-F238E27FC236}">
-                <a16:creationId xmlns:a16="http://schemas.microsoft.com/office/drawing/2014/main" id="{35498AFC-F448-2917-2209-67C3A46AF22D}"/>
-              </a:ext>
-            </a:extLst>
-          </p:cNvPr>
-          <p:cNvSpPr txBox="1"/>
-          <p:nvPr/>
-        </p:nvSpPr>
-        <p:spPr>
-          <a:xfrm>
-            <a:off x="4726462" y="349709"/>
-            <a:ext cx="287994" cy="369332"/>
-          </a:xfrm>
-          <a:prstGeom prst="rect">
-            <a:avLst/>
-          </a:prstGeom>
-          <a:noFill/>
-        </p:spPr>
-        <p:txBody>
-          <a:bodyPr wrap="square" rtlCol="0">
-            <a:spAutoFit/>
-          </a:bodyPr>
-          <a:lstStyle/>
-          <a:p>
-            <a:pPr algn="ctr"/>
-            <a:r>
-              <a:rPr lang="en-US" altLang="zh-CN" dirty="0">
-                <a:latin typeface="Times New Roman" panose="02020603050405020304" pitchFamily="18" charset="0"/>
-                <a:cs typeface="Times New Roman" panose="02020603050405020304" pitchFamily="18" charset="0"/>
-              </a:rPr>
-              <a:t>t</a:t>
-            </a:r>
-            <a:endParaRPr lang="zh-CN" altLang="en-US" dirty="0">
-              <a:latin typeface="Times New Roman" panose="02020603050405020304" pitchFamily="18" charset="0"/>
-              <a:cs typeface="Times New Roman" panose="02020603050405020304" pitchFamily="18" charset="0"/>
-            </a:endParaRPr>
-          </a:p>
-        </p:txBody>
-      </p:sp>
-      <p:cxnSp>
-        <p:nvCxnSpPr>
-          <p:cNvPr id="27" name="连接符: 肘形 26">
-            <a:extLst>
-              <a:ext uri="{FF2B5EF4-FFF2-40B4-BE49-F238E27FC236}">
-                <a16:creationId xmlns:a16="http://schemas.microsoft.com/office/drawing/2014/main" id="{D1E64BFD-65F8-7124-9B03-7AF369617513}"/>
-              </a:ext>
-            </a:extLst>
-          </p:cNvPr>
-          <p:cNvCxnSpPr>
-            <a:stCxn id="4" idx="1"/>
-          </p:cNvCxnSpPr>
-          <p:nvPr/>
-        </p:nvCxnSpPr>
-        <p:spPr>
-          <a:xfrm rot="10800000" flipV="1">
-            <a:off x="4104641" y="534374"/>
-            <a:ext cx="326359" cy="634933"/>
-          </a:xfrm>
-          <a:prstGeom prst="bentConnector2">
-            <a:avLst/>
-          </a:prstGeom>
-          <a:ln>
-            <a:tailEnd type="stealth"/>
-          </a:ln>
-        </p:spPr>
-        <p:style>
-          <a:lnRef idx="3">
-            <a:schemeClr val="dk1"/>
-          </a:lnRef>
-          <a:fillRef idx="0">
-            <a:schemeClr val="dk1"/>
-          </a:fillRef>
-          <a:effectRef idx="2">
-            <a:schemeClr val="dk1"/>
-          </a:effectRef>
-          <a:fontRef idx="minor">
-            <a:schemeClr val="tx1"/>
-          </a:fontRef>
-        </p:style>
-      </p:cxnSp>
-      <p:sp>
-        <p:nvSpPr>
-          <p:cNvPr id="28" name="等腰三角形 27">
-            <a:extLst>
-              <a:ext uri="{FF2B5EF4-FFF2-40B4-BE49-F238E27FC236}">
-                <a16:creationId xmlns:a16="http://schemas.microsoft.com/office/drawing/2014/main" id="{2BE86EC5-5AC3-DB94-4992-725DDE605D3C}"/>
-              </a:ext>
-            </a:extLst>
-          </p:cNvPr>
-          <p:cNvSpPr/>
-          <p:nvPr/>
-        </p:nvSpPr>
-        <p:spPr>
-          <a:xfrm rot="5400000">
-            <a:off x="7550122" y="1663588"/>
-            <a:ext cx="147320" cy="91440"/>
-          </a:xfrm>
-          <a:prstGeom prst="triangle">
-            <a:avLst/>
-          </a:prstGeom>
-          <a:solidFill>
-            <a:schemeClr val="tx1"/>
-          </a:solidFill>
-        </p:spPr>
-        <p:style>
-          <a:lnRef idx="2">
-            <a:schemeClr val="dk1"/>
-          </a:lnRef>
-          <a:fillRef idx="1">
-            <a:schemeClr val="lt1"/>
-          </a:fillRef>
-          <a:effectRef idx="0">
-            <a:schemeClr val="dk1"/>
-          </a:effectRef>
-          <a:fontRef idx="minor">
-            <a:schemeClr val="dk1"/>
-          </a:fontRef>
-        </p:style>
-        <p:txBody>
-          <a:bodyPr rtlCol="0" anchor="ctr"/>
-          <a:lstStyle/>
-          <a:p>
-            <a:pPr algn="ctr"/>
-            <a:endParaRPr lang="zh-CN" altLang="en-US"/>
-          </a:p>
-        </p:txBody>
-      </p:sp>
-      <p:cxnSp>
-        <p:nvCxnSpPr>
-          <p:cNvPr id="30" name="直接连接符 29">
-            <a:extLst>
-              <a:ext uri="{FF2B5EF4-FFF2-40B4-BE49-F238E27FC236}">
-                <a16:creationId xmlns:a16="http://schemas.microsoft.com/office/drawing/2014/main" id="{3381DA08-1FBC-CD56-5D6C-8A0F76EE8ADB}"/>
-              </a:ext>
-            </a:extLst>
-          </p:cNvPr>
-          <p:cNvCxnSpPr>
-            <a:cxnSpLocks/>
-            <a:stCxn id="28" idx="0"/>
-          </p:cNvCxnSpPr>
-          <p:nvPr/>
-        </p:nvCxnSpPr>
-        <p:spPr>
-          <a:xfrm>
-            <a:off x="7669502" y="1709308"/>
-            <a:ext cx="138458" cy="0"/>
-          </a:xfrm>
-          <a:prstGeom prst="line">
-            <a:avLst/>
-          </a:prstGeom>
-        </p:spPr>
-        <p:style>
-          <a:lnRef idx="3">
-            <a:schemeClr val="dk1"/>
-          </a:lnRef>
-          <a:fillRef idx="0">
-            <a:schemeClr val="dk1"/>
-          </a:fillRef>
-          <a:effectRef idx="2">
-            <a:schemeClr val="dk1"/>
-          </a:effectRef>
-          <a:fontRef idx="minor">
-            <a:schemeClr val="tx1"/>
-          </a:fontRef>
-        </p:style>
-      </p:cxnSp>
-      <p:sp>
-        <p:nvSpPr>
-          <p:cNvPr id="35" name="矩形 34">
-            <a:extLst>
-              <a:ext uri="{FF2B5EF4-FFF2-40B4-BE49-F238E27FC236}">
-                <a16:creationId xmlns:a16="http://schemas.microsoft.com/office/drawing/2014/main" id="{C40710EA-A0AA-6091-1C78-248A2496E8B6}"/>
-              </a:ext>
-            </a:extLst>
-          </p:cNvPr>
-          <p:cNvSpPr/>
-          <p:nvPr/>
-        </p:nvSpPr>
-        <p:spPr>
-          <a:xfrm>
-            <a:off x="7807959" y="1628873"/>
-            <a:ext cx="180000" cy="180000"/>
-          </a:xfrm>
-          <a:prstGeom prst="rect">
-            <a:avLst/>
-          </a:prstGeom>
-        </p:spPr>
-        <p:style>
-          <a:lnRef idx="2">
-            <a:schemeClr val="dk1"/>
-          </a:lnRef>
-          <a:fillRef idx="1">
-            <a:schemeClr val="lt1"/>
-          </a:fillRef>
-          <a:effectRef idx="0">
-            <a:schemeClr val="dk1"/>
-          </a:effectRef>
-          <a:fontRef idx="minor">
-            <a:schemeClr val="dk1"/>
-          </a:fontRef>
-        </p:style>
-        <p:txBody>
-          <a:bodyPr rtlCol="0" anchor="ctr"/>
-          <a:lstStyle/>
-          <a:p>
-            <a:pPr algn="ctr"/>
-            <a:endParaRPr lang="zh-CN" altLang="en-US" dirty="0"/>
-          </a:p>
-        </p:txBody>
-      </p:sp>
-      <p:sp>
-        <p:nvSpPr>
-          <p:cNvPr id="36" name="文本框 35">
-            <a:extLst>
-              <a:ext uri="{FF2B5EF4-FFF2-40B4-BE49-F238E27FC236}">
-                <a16:creationId xmlns:a16="http://schemas.microsoft.com/office/drawing/2014/main" id="{BF109522-4800-C5BF-0704-56527A17D448}"/>
-              </a:ext>
-            </a:extLst>
-          </p:cNvPr>
-          <p:cNvSpPr txBox="1"/>
-          <p:nvPr/>
-        </p:nvSpPr>
-        <p:spPr>
-          <a:xfrm>
-            <a:off x="7795921" y="1570808"/>
-            <a:ext cx="204075" cy="276999"/>
-          </a:xfrm>
-          <a:prstGeom prst="rect">
-            <a:avLst/>
-          </a:prstGeom>
-          <a:noFill/>
-        </p:spPr>
-        <p:txBody>
-          <a:bodyPr wrap="square" rtlCol="0">
-            <a:spAutoFit/>
-          </a:bodyPr>
-          <a:lstStyle/>
-          <a:p>
-            <a:pPr algn="ctr"/>
-            <a:r>
-              <a:rPr lang="en-US" altLang="zh-CN" sz="1200" dirty="0">
-                <a:latin typeface="Times New Roman" panose="02020603050405020304" pitchFamily="18" charset="0"/>
-                <a:cs typeface="Times New Roman" panose="02020603050405020304" pitchFamily="18" charset="0"/>
-              </a:rPr>
-              <a:t>A</a:t>
-            </a:r>
-            <a:endParaRPr lang="zh-CN" altLang="en-US" dirty="0">
-              <a:latin typeface="Times New Roman" panose="02020603050405020304" pitchFamily="18" charset="0"/>
-              <a:cs typeface="Times New Roman" panose="02020603050405020304" pitchFamily="18" charset="0"/>
-            </a:endParaRPr>
-          </a:p>
-        </p:txBody>
-      </p:sp>
-      <p:sp>
-        <p:nvSpPr>
-          <p:cNvPr id="66" name="矩形 65">
-            <a:extLst>
-              <a:ext uri="{FF2B5EF4-FFF2-40B4-BE49-F238E27FC236}">
-                <a16:creationId xmlns:a16="http://schemas.microsoft.com/office/drawing/2014/main" id="{83BF0A4A-D19E-B4F2-26B6-3275A084C10C}"/>
-              </a:ext>
-            </a:extLst>
-          </p:cNvPr>
-          <p:cNvSpPr/>
-          <p:nvPr/>
-        </p:nvSpPr>
-        <p:spPr>
-          <a:xfrm>
-            <a:off x="8542454" y="1163536"/>
-            <a:ext cx="2160000" cy="1080000"/>
-          </a:xfrm>
-          <a:prstGeom prst="rect">
-            <a:avLst/>
-          </a:prstGeom>
-        </p:spPr>
-        <p:style>
-          <a:lnRef idx="2">
-            <a:schemeClr val="dk1"/>
-          </a:lnRef>
-          <a:fillRef idx="1">
-            <a:schemeClr val="lt1"/>
-          </a:fillRef>
-          <a:effectRef idx="0">
-            <a:schemeClr val="dk1"/>
-          </a:effectRef>
-          <a:fontRef idx="minor">
-            <a:schemeClr val="dk1"/>
-          </a:fontRef>
-        </p:style>
-        <p:txBody>
-          <a:bodyPr rtlCol="0" anchor="ctr"/>
-          <a:lstStyle/>
-          <a:p>
-            <a:pPr algn="ctr"/>
-            <a:endParaRPr lang="zh-CN" altLang="en-US" dirty="0"/>
-          </a:p>
-        </p:txBody>
-      </p:sp>
-      <p:cxnSp>
-        <p:nvCxnSpPr>
-          <p:cNvPr id="68" name="直接连接符 67">
-            <a:extLst>
-              <a:ext uri="{FF2B5EF4-FFF2-40B4-BE49-F238E27FC236}">
-                <a16:creationId xmlns:a16="http://schemas.microsoft.com/office/drawing/2014/main" id="{F70BFC72-A00D-C37D-53FD-EA210E2915C3}"/>
-              </a:ext>
-            </a:extLst>
-          </p:cNvPr>
-          <p:cNvCxnSpPr/>
-          <p:nvPr/>
-        </p:nvCxnSpPr>
-        <p:spPr>
-          <a:xfrm flipV="1">
-            <a:off x="8542454" y="866246"/>
-            <a:ext cx="569796" cy="297290"/>
-          </a:xfrm>
-          <a:prstGeom prst="line">
-            <a:avLst/>
-          </a:prstGeom>
-          <a:ln w="12700"/>
-        </p:spPr>
-        <p:style>
-          <a:lnRef idx="3">
-            <a:schemeClr val="dk1"/>
-          </a:lnRef>
-          <a:fillRef idx="0">
-            <a:schemeClr val="dk1"/>
-          </a:fillRef>
-          <a:effectRef idx="2">
-            <a:schemeClr val="dk1"/>
-          </a:effectRef>
-          <a:fontRef idx="minor">
-            <a:schemeClr val="tx1"/>
-          </a:fontRef>
-        </p:style>
-      </p:cxnSp>
-      <p:cxnSp>
-        <p:nvCxnSpPr>
-          <p:cNvPr id="69" name="直接连接符 68">
-            <a:extLst>
-              <a:ext uri="{FF2B5EF4-FFF2-40B4-BE49-F238E27FC236}">
-                <a16:creationId xmlns:a16="http://schemas.microsoft.com/office/drawing/2014/main" id="{01B14B3F-8BC7-62F5-DFDD-75200C7A6629}"/>
-              </a:ext>
-            </a:extLst>
-          </p:cNvPr>
-          <p:cNvCxnSpPr/>
-          <p:nvPr/>
-        </p:nvCxnSpPr>
-        <p:spPr>
-          <a:xfrm flipV="1">
-            <a:off x="10702454" y="866246"/>
-            <a:ext cx="569796" cy="297290"/>
-          </a:xfrm>
-          <a:prstGeom prst="line">
-            <a:avLst/>
-          </a:prstGeom>
-          <a:ln w="12700"/>
-        </p:spPr>
-        <p:style>
-          <a:lnRef idx="3">
-            <a:schemeClr val="dk1"/>
-          </a:lnRef>
-          <a:fillRef idx="0">
-            <a:schemeClr val="dk1"/>
-          </a:fillRef>
-          <a:effectRef idx="2">
-            <a:schemeClr val="dk1"/>
-          </a:effectRef>
-          <a:fontRef idx="minor">
-            <a:schemeClr val="tx1"/>
-          </a:fontRef>
-        </p:style>
-      </p:cxnSp>
-      <p:cxnSp>
-        <p:nvCxnSpPr>
-          <p:cNvPr id="70" name="直接连接符 69">
-            <a:extLst>
-              <a:ext uri="{FF2B5EF4-FFF2-40B4-BE49-F238E27FC236}">
-                <a16:creationId xmlns:a16="http://schemas.microsoft.com/office/drawing/2014/main" id="{E460ABBF-9FF9-D1F7-1B8B-1427A0206D18}"/>
-              </a:ext>
-            </a:extLst>
-          </p:cNvPr>
-          <p:cNvCxnSpPr/>
-          <p:nvPr/>
-        </p:nvCxnSpPr>
-        <p:spPr>
-          <a:xfrm flipV="1">
-            <a:off x="10702454" y="1946246"/>
-            <a:ext cx="569796" cy="297290"/>
-          </a:xfrm>
-          <a:prstGeom prst="line">
-            <a:avLst/>
-          </a:prstGeom>
-          <a:ln w="12700"/>
-        </p:spPr>
-        <p:style>
-          <a:lnRef idx="3">
-            <a:schemeClr val="dk1"/>
-          </a:lnRef>
-          <a:fillRef idx="0">
-            <a:schemeClr val="dk1"/>
-          </a:fillRef>
-          <a:effectRef idx="2">
-            <a:schemeClr val="dk1"/>
-          </a:effectRef>
-          <a:fontRef idx="minor">
-            <a:schemeClr val="tx1"/>
-          </a:fontRef>
-        </p:style>
-      </p:cxnSp>
-      <p:cxnSp>
-        <p:nvCxnSpPr>
-          <p:cNvPr id="72" name="直接连接符 71">
-            <a:extLst>
-              <a:ext uri="{FF2B5EF4-FFF2-40B4-BE49-F238E27FC236}">
-                <a16:creationId xmlns:a16="http://schemas.microsoft.com/office/drawing/2014/main" id="{D945134F-40C3-CDB1-F4B9-FF130D13D67C}"/>
-              </a:ext>
-            </a:extLst>
-          </p:cNvPr>
-          <p:cNvCxnSpPr>
-            <a:cxnSpLocks/>
-          </p:cNvCxnSpPr>
-          <p:nvPr/>
-        </p:nvCxnSpPr>
-        <p:spPr>
-          <a:xfrm flipV="1">
-            <a:off x="11272250" y="866246"/>
-            <a:ext cx="0" cy="1080000"/>
-          </a:xfrm>
-          <a:prstGeom prst="line">
-            <a:avLst/>
-          </a:prstGeom>
-          <a:ln w="12700"/>
-        </p:spPr>
-        <p:style>
-          <a:lnRef idx="3">
-            <a:schemeClr val="dk1"/>
-          </a:lnRef>
-          <a:fillRef idx="0">
-            <a:schemeClr val="dk1"/>
-          </a:fillRef>
-          <a:effectRef idx="2">
-            <a:schemeClr val="dk1"/>
-          </a:effectRef>
-          <a:fontRef idx="minor">
-            <a:schemeClr val="tx1"/>
-          </a:fontRef>
-        </p:style>
-      </p:cxnSp>
-      <p:cxnSp>
-        <p:nvCxnSpPr>
-          <p:cNvPr id="75" name="直接连接符 74">
-            <a:extLst>
-              <a:ext uri="{FF2B5EF4-FFF2-40B4-BE49-F238E27FC236}">
-                <a16:creationId xmlns:a16="http://schemas.microsoft.com/office/drawing/2014/main" id="{BCCCC3C2-B8FA-4638-F9D9-8B0EE7090E6F}"/>
-              </a:ext>
-            </a:extLst>
-          </p:cNvPr>
-          <p:cNvCxnSpPr/>
-          <p:nvPr/>
-        </p:nvCxnSpPr>
-        <p:spPr>
-          <a:xfrm>
-            <a:off x="9112250" y="866246"/>
-            <a:ext cx="2160000" cy="0"/>
-          </a:xfrm>
-          <a:prstGeom prst="line">
-            <a:avLst/>
-          </a:prstGeom>
-          <a:ln w="12700"/>
-        </p:spPr>
-        <p:style>
-          <a:lnRef idx="3">
-            <a:schemeClr val="dk1"/>
-          </a:lnRef>
-          <a:fillRef idx="0">
-            <a:schemeClr val="dk1"/>
-          </a:fillRef>
-          <a:effectRef idx="2">
-            <a:schemeClr val="dk1"/>
-          </a:effectRef>
-          <a:fontRef idx="minor">
-            <a:schemeClr val="tx1"/>
-          </a:fontRef>
-        </p:style>
-      </p:cxnSp>
-      <p:sp>
-        <p:nvSpPr>
-          <p:cNvPr id="76" name="等腰三角形 75">
-            <a:extLst>
-              <a:ext uri="{FF2B5EF4-FFF2-40B4-BE49-F238E27FC236}">
-                <a16:creationId xmlns:a16="http://schemas.microsoft.com/office/drawing/2014/main" id="{4DF0B933-C2E7-6AC7-7265-9CA35A578B38}"/>
-              </a:ext>
-            </a:extLst>
-          </p:cNvPr>
-          <p:cNvSpPr/>
-          <p:nvPr/>
-        </p:nvSpPr>
-        <p:spPr>
-          <a:xfrm rot="15712681">
-            <a:off x="9453520" y="1711910"/>
-            <a:ext cx="114799" cy="68065"/>
-          </a:xfrm>
-          <a:prstGeom prst="triangle">
-            <a:avLst/>
-          </a:prstGeom>
-          <a:solidFill>
-            <a:schemeClr val="tx1"/>
-          </a:solidFill>
-        </p:spPr>
-        <p:style>
-          <a:lnRef idx="2">
-            <a:schemeClr val="dk1"/>
-          </a:lnRef>
-          <a:fillRef idx="1">
-            <a:schemeClr val="lt1"/>
-          </a:fillRef>
-          <a:effectRef idx="0">
-            <a:schemeClr val="dk1"/>
-          </a:effectRef>
-          <a:fontRef idx="minor">
-            <a:schemeClr val="dk1"/>
-          </a:fontRef>
-        </p:style>
-        <p:txBody>
-          <a:bodyPr rtlCol="0" anchor="ctr"/>
-          <a:lstStyle/>
-          <a:p>
-            <a:pPr algn="ctr"/>
-            <a:endParaRPr lang="zh-CN" altLang="en-US"/>
-          </a:p>
-        </p:txBody>
-      </p:sp>
-      <p:cxnSp>
-        <p:nvCxnSpPr>
-          <p:cNvPr id="78" name="直接连接符 77">
-            <a:extLst>
-              <a:ext uri="{FF2B5EF4-FFF2-40B4-BE49-F238E27FC236}">
-                <a16:creationId xmlns:a16="http://schemas.microsoft.com/office/drawing/2014/main" id="{BB31B1D5-680E-8BF6-C6BF-74F33E45B9F7}"/>
-              </a:ext>
-            </a:extLst>
-          </p:cNvPr>
-          <p:cNvCxnSpPr>
-            <a:cxnSpLocks/>
-            <a:stCxn id="76" idx="0"/>
-          </p:cNvCxnSpPr>
-          <p:nvPr/>
-        </p:nvCxnSpPr>
-        <p:spPr>
-          <a:xfrm flipH="1">
-            <a:off x="9372600" y="1750750"/>
-            <a:ext cx="104628" cy="17196"/>
-          </a:xfrm>
-          <a:prstGeom prst="line">
-            <a:avLst/>
-          </a:prstGeom>
-        </p:spPr>
-        <p:style>
-          <a:lnRef idx="3">
-            <a:schemeClr val="dk1"/>
-          </a:lnRef>
-          <a:fillRef idx="0">
-            <a:schemeClr val="dk1"/>
-          </a:fillRef>
-          <a:effectRef idx="2">
-            <a:schemeClr val="dk1"/>
-          </a:effectRef>
-          <a:fontRef idx="minor">
-            <a:schemeClr val="tx1"/>
-          </a:fontRef>
-        </p:style>
-      </p:cxnSp>
-      <p:sp>
-        <p:nvSpPr>
-          <p:cNvPr id="80" name="菱形 79">
-            <a:extLst>
-              <a:ext uri="{FF2B5EF4-FFF2-40B4-BE49-F238E27FC236}">
-                <a16:creationId xmlns:a16="http://schemas.microsoft.com/office/drawing/2014/main" id="{C9D23D68-849B-0228-7666-6EB726A7DAB2}"/>
-              </a:ext>
-            </a:extLst>
-          </p:cNvPr>
-          <p:cNvSpPr/>
-          <p:nvPr/>
-        </p:nvSpPr>
-        <p:spPr>
-          <a:xfrm rot="2412548">
-            <a:off x="9255035" y="1678305"/>
-            <a:ext cx="173850" cy="179282"/>
-          </a:xfrm>
-          <a:prstGeom prst="diamond">
-            <a:avLst/>
-          </a:prstGeom>
-        </p:spPr>
-        <p:style>
-          <a:lnRef idx="2">
-            <a:schemeClr val="dk1"/>
-          </a:lnRef>
-          <a:fillRef idx="1">
-            <a:schemeClr val="lt1"/>
-          </a:fillRef>
-          <a:effectRef idx="0">
-            <a:schemeClr val="dk1"/>
-          </a:effectRef>
-          <a:fontRef idx="minor">
-            <a:schemeClr val="dk1"/>
-          </a:fontRef>
-        </p:style>
-        <p:txBody>
-          <a:bodyPr rtlCol="0" anchor="ctr"/>
-          <a:lstStyle/>
-          <a:p>
-            <a:pPr algn="ctr"/>
-            <a:endParaRPr lang="zh-CN" altLang="en-US" dirty="0"/>
-          </a:p>
-        </p:txBody>
-      </p:sp>
-      <p:sp>
-        <p:nvSpPr>
-          <p:cNvPr id="81" name="文本框 80">
-            <a:extLst>
-              <a:ext uri="{FF2B5EF4-FFF2-40B4-BE49-F238E27FC236}">
-                <a16:creationId xmlns:a16="http://schemas.microsoft.com/office/drawing/2014/main" id="{947DC7C3-3B7C-B915-4DC6-C66D156B4343}"/>
-              </a:ext>
-            </a:extLst>
-          </p:cNvPr>
-          <p:cNvSpPr txBox="1"/>
-          <p:nvPr/>
-        </p:nvSpPr>
-        <p:spPr>
-          <a:xfrm>
-            <a:off x="9263205" y="1647561"/>
-            <a:ext cx="153703" cy="230832"/>
-          </a:xfrm>
-          <a:prstGeom prst="rect">
-            <a:avLst/>
-          </a:prstGeom>
-          <a:noFill/>
-        </p:spPr>
-        <p:txBody>
-          <a:bodyPr wrap="square" rtlCol="0">
-            <a:spAutoFit/>
-          </a:bodyPr>
-          <a:lstStyle/>
-          <a:p>
-            <a:pPr algn="ctr"/>
-            <a:r>
-              <a:rPr lang="en-US" altLang="zh-CN" sz="900" dirty="0">
-                <a:latin typeface="Times New Roman" panose="02020603050405020304" pitchFamily="18" charset="0"/>
-                <a:cs typeface="Times New Roman" panose="02020603050405020304" pitchFamily="18" charset="0"/>
-              </a:rPr>
-              <a:t>A</a:t>
-            </a:r>
-            <a:endParaRPr lang="zh-CN" altLang="en-US" sz="1100" dirty="0">
-              <a:latin typeface="Times New Roman" panose="02020603050405020304" pitchFamily="18" charset="0"/>
-              <a:cs typeface="Times New Roman" panose="02020603050405020304" pitchFamily="18" charset="0"/>
-            </a:endParaRPr>
-          </a:p>
-        </p:txBody>
-      </p:sp>
-      <p:sp>
-        <p:nvSpPr>
-          <p:cNvPr id="82" name="椭圆 81">
-            <a:extLst>
-              <a:ext uri="{FF2B5EF4-FFF2-40B4-BE49-F238E27FC236}">
-                <a16:creationId xmlns:a16="http://schemas.microsoft.com/office/drawing/2014/main" id="{0A48A8F4-F6C7-07CB-70AA-D889B19DD44C}"/>
-              </a:ext>
-            </a:extLst>
-          </p:cNvPr>
-          <p:cNvSpPr/>
-          <p:nvPr/>
-        </p:nvSpPr>
-        <p:spPr>
-          <a:xfrm>
-            <a:off x="9766299" y="992031"/>
-            <a:ext cx="45719" cy="45719"/>
-          </a:xfrm>
-          <a:prstGeom prst="ellipse">
-            <a:avLst/>
-          </a:prstGeom>
-          <a:solidFill>
-            <a:schemeClr val="tx1"/>
-          </a:solidFill>
-        </p:spPr>
-        <p:style>
-          <a:lnRef idx="2">
-            <a:schemeClr val="dk1"/>
-          </a:lnRef>
-          <a:fillRef idx="1">
-            <a:schemeClr val="lt1"/>
-          </a:fillRef>
-          <a:effectRef idx="0">
-            <a:schemeClr val="dk1"/>
-          </a:effectRef>
-          <a:fontRef idx="minor">
-            <a:schemeClr val="dk1"/>
-          </a:fontRef>
-        </p:style>
-        <p:txBody>
-          <a:bodyPr rtlCol="0" anchor="ctr"/>
-          <a:lstStyle/>
-          <a:p>
-            <a:pPr algn="ctr"/>
-            <a:endParaRPr lang="zh-CN" altLang="en-US"/>
-          </a:p>
-        </p:txBody>
-      </p:sp>
-      <p:cxnSp>
-        <p:nvCxnSpPr>
-          <p:cNvPr id="84" name="连接符: 肘形 83">
-            <a:extLst>
-              <a:ext uri="{FF2B5EF4-FFF2-40B4-BE49-F238E27FC236}">
-                <a16:creationId xmlns:a16="http://schemas.microsoft.com/office/drawing/2014/main" id="{32CCF657-2A29-DC50-3F63-347BACD4D902}"/>
-              </a:ext>
-            </a:extLst>
-          </p:cNvPr>
-          <p:cNvCxnSpPr>
-            <a:cxnSpLocks/>
-            <a:stCxn id="82" idx="0"/>
-          </p:cNvCxnSpPr>
-          <p:nvPr/>
-        </p:nvCxnSpPr>
-        <p:spPr>
-          <a:xfrm rot="5400000" flipH="1" flipV="1">
-            <a:off x="9739094" y="728440"/>
-            <a:ext cx="313656" cy="213527"/>
-          </a:xfrm>
-          <a:prstGeom prst="bentConnector3">
-            <a:avLst>
-              <a:gd name="adj1" fmla="val 96564"/>
-            </a:avLst>
-          </a:prstGeom>
-          <a:ln w="12700"/>
-        </p:spPr>
-        <p:style>
-          <a:lnRef idx="3">
-            <a:schemeClr val="dk1"/>
-          </a:lnRef>
-          <a:fillRef idx="0">
-            <a:schemeClr val="dk1"/>
-          </a:fillRef>
-          <a:effectRef idx="2">
-            <a:schemeClr val="dk1"/>
-          </a:effectRef>
-          <a:fontRef idx="minor">
-            <a:schemeClr val="tx1"/>
-          </a:fontRef>
-        </p:style>
-      </p:cxnSp>
-      <p:grpSp>
-        <p:nvGrpSpPr>
-          <p:cNvPr id="90" name="组合 89">
-            <a:extLst>
-              <a:ext uri="{FF2B5EF4-FFF2-40B4-BE49-F238E27FC236}">
-                <a16:creationId xmlns:a16="http://schemas.microsoft.com/office/drawing/2014/main" id="{E1B9AD4E-8048-8545-3AA7-7E551B56D40B}"/>
-              </a:ext>
-            </a:extLst>
-          </p:cNvPr>
-          <p:cNvGrpSpPr/>
-          <p:nvPr/>
-        </p:nvGrpSpPr>
-        <p:grpSpPr>
-          <a:xfrm>
-            <a:off x="10003954" y="542225"/>
-            <a:ext cx="576000" cy="288000"/>
-            <a:chOff x="2795239" y="810322"/>
-            <a:chExt cx="576000" cy="288000"/>
-          </a:xfrm>
-        </p:grpSpPr>
-        <p:sp>
-          <p:nvSpPr>
-            <p:cNvPr id="91" name="矩形 90">
-              <a:extLst>
-                <a:ext uri="{FF2B5EF4-FFF2-40B4-BE49-F238E27FC236}">
-                  <a16:creationId xmlns:a16="http://schemas.microsoft.com/office/drawing/2014/main" id="{DFB5242C-2058-0B32-C146-CB2679B9DAB0}"/>
-                </a:ext>
-              </a:extLst>
-            </p:cNvPr>
-            <p:cNvSpPr/>
-            <p:nvPr/>
-          </p:nvSpPr>
-          <p:spPr>
-            <a:xfrm>
-              <a:off x="2795239" y="810322"/>
-              <a:ext cx="288000" cy="288000"/>
-            </a:xfrm>
-            <a:prstGeom prst="rect">
-              <a:avLst/>
-            </a:prstGeom>
-          </p:spPr>
-          <p:style>
-            <a:lnRef idx="2">
-              <a:schemeClr val="dk1"/>
-            </a:lnRef>
-            <a:fillRef idx="1">
-              <a:schemeClr val="lt1"/>
-            </a:fillRef>
-            <a:effectRef idx="0">
-              <a:schemeClr val="dk1"/>
-            </a:effectRef>
-            <a:fontRef idx="minor">
-              <a:schemeClr val="dk1"/>
-            </a:fontRef>
-          </p:style>
-          <p:txBody>
-            <a:bodyPr rtlCol="0" anchor="ctr"/>
-            <a:lstStyle/>
-            <a:p>
-              <a:pPr algn="ctr"/>
-              <a:endParaRPr lang="zh-CN" altLang="en-US" dirty="0"/>
-            </a:p>
-          </p:txBody>
-        </p:sp>
-        <p:sp>
-          <p:nvSpPr>
-            <p:cNvPr id="92" name="矩形 91">
-              <a:extLst>
-                <a:ext uri="{FF2B5EF4-FFF2-40B4-BE49-F238E27FC236}">
-                  <a16:creationId xmlns:a16="http://schemas.microsoft.com/office/drawing/2014/main" id="{BC2F2CBF-4F8F-05E6-983C-04CF2C6F8590}"/>
-                </a:ext>
-              </a:extLst>
-            </p:cNvPr>
-            <p:cNvSpPr/>
-            <p:nvPr/>
-          </p:nvSpPr>
-          <p:spPr>
-            <a:xfrm>
-              <a:off x="3083239" y="810322"/>
-              <a:ext cx="288000" cy="288000"/>
-            </a:xfrm>
-            <a:prstGeom prst="rect">
-              <a:avLst/>
-            </a:prstGeom>
-          </p:spPr>
-          <p:style>
-            <a:lnRef idx="2">
-              <a:schemeClr val="dk1"/>
-            </a:lnRef>
-            <a:fillRef idx="1">
-              <a:schemeClr val="lt1"/>
-            </a:fillRef>
-            <a:effectRef idx="0">
-              <a:schemeClr val="dk1"/>
-            </a:effectRef>
-            <a:fontRef idx="minor">
-              <a:schemeClr val="dk1"/>
-            </a:fontRef>
-          </p:style>
-          <p:txBody>
-            <a:bodyPr rtlCol="0" anchor="ctr"/>
-            <a:lstStyle/>
-            <a:p>
-              <a:pPr algn="ctr"/>
-              <a:endParaRPr lang="zh-CN" altLang="en-US"/>
-            </a:p>
-          </p:txBody>
-        </p:sp>
-      </p:grpSp>
-      <p:grpSp>
-        <p:nvGrpSpPr>
-          <p:cNvPr id="93" name="组合 92">
-            <a:extLst>
-              <a:ext uri="{FF2B5EF4-FFF2-40B4-BE49-F238E27FC236}">
-                <a16:creationId xmlns:a16="http://schemas.microsoft.com/office/drawing/2014/main" id="{D7B8515E-8926-6344-0AFE-5A13EEE4DA79}"/>
-              </a:ext>
-            </a:extLst>
-          </p:cNvPr>
-          <p:cNvGrpSpPr/>
-          <p:nvPr/>
-        </p:nvGrpSpPr>
-        <p:grpSpPr>
-          <a:xfrm>
-            <a:off x="10579954" y="542225"/>
-            <a:ext cx="708324" cy="288001"/>
-            <a:chOff x="2048126" y="1204776"/>
-            <a:chExt cx="708324" cy="288001"/>
-          </a:xfrm>
-        </p:grpSpPr>
-        <p:sp>
-          <p:nvSpPr>
-            <p:cNvPr id="94" name="矩形 93">
-              <a:extLst>
-                <a:ext uri="{FF2B5EF4-FFF2-40B4-BE49-F238E27FC236}">
-                  <a16:creationId xmlns:a16="http://schemas.microsoft.com/office/drawing/2014/main" id="{7164EC2C-9C8F-CA98-B43B-EA24F39E9C9A}"/>
-                </a:ext>
-              </a:extLst>
-            </p:cNvPr>
-            <p:cNvSpPr/>
-            <p:nvPr/>
-          </p:nvSpPr>
-          <p:spPr>
-            <a:xfrm>
-              <a:off x="2468450" y="1204777"/>
-              <a:ext cx="288000" cy="288000"/>
-            </a:xfrm>
-            <a:prstGeom prst="rect">
-              <a:avLst/>
-            </a:prstGeom>
-          </p:spPr>
-          <p:style>
-            <a:lnRef idx="2">
-              <a:schemeClr val="dk1"/>
-            </a:lnRef>
-            <a:fillRef idx="1">
-              <a:schemeClr val="lt1"/>
-            </a:fillRef>
-            <a:effectRef idx="0">
-              <a:schemeClr val="dk1"/>
-            </a:effectRef>
-            <a:fontRef idx="minor">
-              <a:schemeClr val="dk1"/>
-            </a:fontRef>
-          </p:style>
-          <p:txBody>
-            <a:bodyPr rtlCol="0" anchor="ctr"/>
-            <a:lstStyle/>
-            <a:p>
-              <a:pPr algn="ctr"/>
-              <a:endParaRPr lang="zh-CN" altLang="en-US" dirty="0"/>
-            </a:p>
-          </p:txBody>
-        </p:sp>
-        <p:grpSp>
-          <p:nvGrpSpPr>
-            <p:cNvPr id="95" name="组合 94">
-              <a:extLst>
-                <a:ext uri="{FF2B5EF4-FFF2-40B4-BE49-F238E27FC236}">
-                  <a16:creationId xmlns:a16="http://schemas.microsoft.com/office/drawing/2014/main" id="{E48ED71C-1BEE-54CB-2817-B8A0A89F75D5}"/>
-                </a:ext>
-              </a:extLst>
-            </p:cNvPr>
-            <p:cNvGrpSpPr/>
-            <p:nvPr/>
-          </p:nvGrpSpPr>
-          <p:grpSpPr>
-            <a:xfrm rot="10800000">
-              <a:off x="2048126" y="1204776"/>
-              <a:ext cx="420324" cy="288000"/>
-              <a:chOff x="1772013" y="1086549"/>
-              <a:chExt cx="420324" cy="288000"/>
-            </a:xfrm>
-          </p:grpSpPr>
-          <p:sp>
-            <p:nvSpPr>
-              <p:cNvPr id="96" name="箭头: 五边形 95">
-                <a:extLst>
-                  <a:ext uri="{FF2B5EF4-FFF2-40B4-BE49-F238E27FC236}">
-                    <a16:creationId xmlns:a16="http://schemas.microsoft.com/office/drawing/2014/main" id="{55C19F54-C44A-2EAD-ADCB-23A9B8B6C978}"/>
-                  </a:ext>
-                </a:extLst>
-              </p:cNvPr>
-              <p:cNvSpPr/>
-              <p:nvPr/>
-            </p:nvSpPr>
-            <p:spPr>
-              <a:xfrm>
-                <a:off x="1772013" y="1086549"/>
-                <a:ext cx="420324" cy="288000"/>
-              </a:xfrm>
-              <a:prstGeom prst="homePlate">
-                <a:avLst>
-                  <a:gd name="adj" fmla="val 42834"/>
-                </a:avLst>
-              </a:prstGeom>
-            </p:spPr>
-            <p:style>
-              <a:lnRef idx="2">
-                <a:schemeClr val="dk1"/>
-              </a:lnRef>
-              <a:fillRef idx="1">
-                <a:schemeClr val="lt1"/>
-              </a:fillRef>
-              <a:effectRef idx="0">
-                <a:schemeClr val="dk1"/>
-              </a:effectRef>
-              <a:fontRef idx="minor">
-                <a:schemeClr val="dk1"/>
-              </a:fontRef>
-            </p:style>
-            <p:txBody>
-              <a:bodyPr rtlCol="0" anchor="ctr"/>
-              <a:lstStyle/>
-              <a:p>
-                <a:pPr algn="ctr"/>
-                <a:endParaRPr lang="zh-CN" altLang="en-US" dirty="0"/>
-              </a:p>
-            </p:txBody>
-          </p:sp>
-          <p:cxnSp>
-            <p:nvCxnSpPr>
-              <p:cNvPr id="97" name="直接连接符 96">
-                <a:extLst>
-                  <a:ext uri="{FF2B5EF4-FFF2-40B4-BE49-F238E27FC236}">
-                    <a16:creationId xmlns:a16="http://schemas.microsoft.com/office/drawing/2014/main" id="{D1B734D9-F614-E4EC-5BA6-6DE243C79251}"/>
-                  </a:ext>
-                </a:extLst>
-              </p:cNvPr>
-              <p:cNvCxnSpPr/>
-              <p:nvPr/>
-            </p:nvCxnSpPr>
-            <p:spPr>
-              <a:xfrm flipV="1">
-                <a:off x="2063750" y="1086549"/>
-                <a:ext cx="0" cy="288000"/>
-              </a:xfrm>
-              <a:prstGeom prst="line">
-                <a:avLst/>
-              </a:prstGeom>
-              <a:ln w="12700"/>
-            </p:spPr>
-            <p:style>
-              <a:lnRef idx="3">
-                <a:schemeClr val="dk1"/>
-              </a:lnRef>
-              <a:fillRef idx="0">
-                <a:schemeClr val="dk1"/>
-              </a:fillRef>
-              <a:effectRef idx="2">
-                <a:schemeClr val="dk1"/>
-              </a:effectRef>
-              <a:fontRef idx="minor">
-                <a:schemeClr val="tx1"/>
-              </a:fontRef>
-            </p:style>
-          </p:cxnSp>
-        </p:grpSp>
-      </p:grpSp>
-      <p:sp>
-        <p:nvSpPr>
-          <p:cNvPr id="98" name="文本框 97">
-            <a:extLst>
-              <a:ext uri="{FF2B5EF4-FFF2-40B4-BE49-F238E27FC236}">
-                <a16:creationId xmlns:a16="http://schemas.microsoft.com/office/drawing/2014/main" id="{31DA55F2-8E0E-0D06-3B73-4642C13E75AB}"/>
-              </a:ext>
-            </a:extLst>
-          </p:cNvPr>
-          <p:cNvSpPr txBox="1"/>
-          <p:nvPr/>
-        </p:nvSpPr>
-        <p:spPr>
-          <a:xfrm>
-            <a:off x="11000283" y="501559"/>
-            <a:ext cx="287994" cy="369332"/>
-          </a:xfrm>
-          <a:prstGeom prst="rect">
-            <a:avLst/>
-          </a:prstGeom>
-          <a:noFill/>
-        </p:spPr>
-        <p:txBody>
-          <a:bodyPr wrap="square" rtlCol="0">
-            <a:spAutoFit/>
-          </a:bodyPr>
-          <a:lstStyle/>
-          <a:p>
-            <a:pPr algn="ctr"/>
-            <a:r>
-              <a:rPr lang="en-US" altLang="zh-CN" dirty="0">
-                <a:latin typeface="Times New Roman" panose="02020603050405020304" pitchFamily="18" charset="0"/>
-                <a:cs typeface="Times New Roman" panose="02020603050405020304" pitchFamily="18" charset="0"/>
-              </a:rPr>
-              <a:t>A</a:t>
-            </a:r>
-            <a:endParaRPr lang="zh-CN" altLang="en-US" dirty="0">
-              <a:latin typeface="Times New Roman" panose="02020603050405020304" pitchFamily="18" charset="0"/>
-              <a:cs typeface="Times New Roman" panose="02020603050405020304" pitchFamily="18" charset="0"/>
-            </a:endParaRPr>
-          </a:p>
-        </p:txBody>
-      </p:sp>
-      <p:grpSp>
-        <p:nvGrpSpPr>
-          <p:cNvPr id="99" name="组合 98">
-            <a:extLst>
-              <a:ext uri="{FF2B5EF4-FFF2-40B4-BE49-F238E27FC236}">
-                <a16:creationId xmlns:a16="http://schemas.microsoft.com/office/drawing/2014/main" id="{75B89111-66E9-67A9-12F9-C503ADE73AD6}"/>
-              </a:ext>
-            </a:extLst>
-          </p:cNvPr>
-          <p:cNvGrpSpPr/>
-          <p:nvPr/>
-        </p:nvGrpSpPr>
-        <p:grpSpPr>
-          <a:xfrm>
-            <a:off x="10754278" y="585783"/>
-            <a:ext cx="200259" cy="200883"/>
-            <a:chOff x="2725821" y="3095069"/>
-            <a:chExt cx="228974" cy="438294"/>
-          </a:xfrm>
-        </p:grpSpPr>
-        <p:cxnSp>
-          <p:nvCxnSpPr>
-            <p:cNvPr id="100" name="直接连接符 99">
-              <a:extLst>
-                <a:ext uri="{FF2B5EF4-FFF2-40B4-BE49-F238E27FC236}">
-                  <a16:creationId xmlns:a16="http://schemas.microsoft.com/office/drawing/2014/main" id="{994D91D4-EAA0-FF44-6F4E-F9F3E536466E}"/>
-                </a:ext>
-              </a:extLst>
-            </p:cNvPr>
-            <p:cNvCxnSpPr>
-              <a:cxnSpLocks/>
-            </p:cNvCxnSpPr>
-            <p:nvPr/>
-          </p:nvCxnSpPr>
-          <p:spPr>
-            <a:xfrm flipV="1">
-              <a:off x="2725821" y="3095069"/>
-              <a:ext cx="90000" cy="438294"/>
-            </a:xfrm>
-            <a:prstGeom prst="line">
-              <a:avLst/>
-            </a:prstGeom>
-          </p:spPr>
-          <p:style>
-            <a:lnRef idx="3">
-              <a:schemeClr val="dk1"/>
-            </a:lnRef>
-            <a:fillRef idx="0">
-              <a:schemeClr val="dk1"/>
-            </a:fillRef>
-            <a:effectRef idx="2">
-              <a:schemeClr val="dk1"/>
-            </a:effectRef>
-            <a:fontRef idx="minor">
-              <a:schemeClr val="tx1"/>
-            </a:fontRef>
-          </p:style>
-        </p:cxnSp>
-        <p:cxnSp>
-          <p:nvCxnSpPr>
-            <p:cNvPr id="101" name="直接连接符 100">
-              <a:extLst>
-                <a:ext uri="{FF2B5EF4-FFF2-40B4-BE49-F238E27FC236}">
-                  <a16:creationId xmlns:a16="http://schemas.microsoft.com/office/drawing/2014/main" id="{5CD414A3-6AEC-B129-E0E4-3C92A9977B07}"/>
-                </a:ext>
-              </a:extLst>
-            </p:cNvPr>
-            <p:cNvCxnSpPr>
-              <a:cxnSpLocks/>
-            </p:cNvCxnSpPr>
-            <p:nvPr/>
-          </p:nvCxnSpPr>
-          <p:spPr>
-            <a:xfrm flipV="1">
-              <a:off x="2864795" y="3095069"/>
-              <a:ext cx="90000" cy="438294"/>
-            </a:xfrm>
-            <a:prstGeom prst="line">
-              <a:avLst/>
-            </a:prstGeom>
-          </p:spPr>
-          <p:style>
-            <a:lnRef idx="3">
-              <a:schemeClr val="dk1"/>
-            </a:lnRef>
-            <a:fillRef idx="0">
-              <a:schemeClr val="dk1"/>
-            </a:fillRef>
-            <a:effectRef idx="2">
-              <a:schemeClr val="dk1"/>
-            </a:effectRef>
-            <a:fontRef idx="minor">
-              <a:schemeClr val="tx1"/>
-            </a:fontRef>
-          </p:style>
-        </p:cxnSp>
-      </p:grpSp>
-      <p:cxnSp>
-        <p:nvCxnSpPr>
-          <p:cNvPr id="102" name="直接连接符 101">
-            <a:extLst>
-              <a:ext uri="{FF2B5EF4-FFF2-40B4-BE49-F238E27FC236}">
-                <a16:creationId xmlns:a16="http://schemas.microsoft.com/office/drawing/2014/main" id="{24119A78-2176-C29E-F244-85DDEE7FD822}"/>
-              </a:ext>
-            </a:extLst>
-          </p:cNvPr>
-          <p:cNvCxnSpPr>
-            <a:cxnSpLocks/>
-          </p:cNvCxnSpPr>
-          <p:nvPr/>
-        </p:nvCxnSpPr>
-        <p:spPr>
-          <a:xfrm>
-            <a:off x="10068346" y="704186"/>
-            <a:ext cx="162969" cy="0"/>
-          </a:xfrm>
-          <a:prstGeom prst="line">
-            <a:avLst/>
-          </a:prstGeom>
-        </p:spPr>
-        <p:style>
-          <a:lnRef idx="3">
-            <a:schemeClr val="dk1"/>
-          </a:lnRef>
-          <a:fillRef idx="0">
-            <a:schemeClr val="dk1"/>
-          </a:fillRef>
-          <a:effectRef idx="2">
-            <a:schemeClr val="dk1"/>
-          </a:effectRef>
-          <a:fontRef idx="minor">
-            <a:schemeClr val="tx1"/>
-          </a:fontRef>
-        </p:style>
-      </p:cxnSp>
-      <p:sp>
-        <p:nvSpPr>
-          <p:cNvPr id="103" name="文本框 102">
-            <a:extLst>
-              <a:ext uri="{FF2B5EF4-FFF2-40B4-BE49-F238E27FC236}">
-                <a16:creationId xmlns:a16="http://schemas.microsoft.com/office/drawing/2014/main" id="{49EE3FC7-EDCF-7F77-4408-8D308DA5AA92}"/>
-              </a:ext>
-            </a:extLst>
-          </p:cNvPr>
-          <p:cNvSpPr txBox="1"/>
-          <p:nvPr/>
-        </p:nvSpPr>
-        <p:spPr>
-          <a:xfrm>
-            <a:off x="10299417" y="501559"/>
-            <a:ext cx="287994" cy="369332"/>
-          </a:xfrm>
-          <a:prstGeom prst="rect">
-            <a:avLst/>
-          </a:prstGeom>
-          <a:noFill/>
-        </p:spPr>
-        <p:txBody>
-          <a:bodyPr wrap="square" rtlCol="0">
-            <a:spAutoFit/>
-          </a:bodyPr>
-          <a:lstStyle/>
-          <a:p>
-            <a:pPr algn="ctr"/>
-            <a:r>
-              <a:rPr lang="en-US" altLang="zh-CN" dirty="0">
-                <a:latin typeface="Times New Roman" panose="02020603050405020304" pitchFamily="18" charset="0"/>
-                <a:cs typeface="Times New Roman" panose="02020603050405020304" pitchFamily="18" charset="0"/>
-              </a:rPr>
-              <a:t>t</a:t>
-            </a:r>
-            <a:endParaRPr lang="zh-CN" altLang="en-US" dirty="0">
-              <a:latin typeface="Times New Roman" panose="02020603050405020304" pitchFamily="18" charset="0"/>
-              <a:cs typeface="Times New Roman" panose="02020603050405020304" pitchFamily="18" charset="0"/>
-            </a:endParaRPr>
-          </a:p>
-        </p:txBody>
-      </p:sp>
-      <p:sp>
-        <p:nvSpPr>
-          <p:cNvPr id="105" name="矩形 104">
-            <a:extLst>
-              <a:ext uri="{FF2B5EF4-FFF2-40B4-BE49-F238E27FC236}">
-                <a16:creationId xmlns:a16="http://schemas.microsoft.com/office/drawing/2014/main" id="{68A992EB-2A3A-E041-8A3E-B9728E5BC8FA}"/>
-              </a:ext>
-            </a:extLst>
-          </p:cNvPr>
-          <p:cNvSpPr/>
-          <p:nvPr/>
-        </p:nvSpPr>
-        <p:spPr>
-          <a:xfrm>
-            <a:off x="988656" y="4476410"/>
-            <a:ext cx="2160000" cy="1080000"/>
-          </a:xfrm>
-          <a:prstGeom prst="rect">
-            <a:avLst/>
-          </a:prstGeom>
-        </p:spPr>
-        <p:style>
-          <a:lnRef idx="2">
-            <a:schemeClr val="dk1"/>
-          </a:lnRef>
-          <a:fillRef idx="1">
-            <a:schemeClr val="lt1"/>
-          </a:fillRef>
-          <a:effectRef idx="0">
-            <a:schemeClr val="dk1"/>
-          </a:effectRef>
-          <a:fontRef idx="minor">
-            <a:schemeClr val="dk1"/>
-          </a:fontRef>
-        </p:style>
-        <p:txBody>
-          <a:bodyPr rtlCol="0" anchor="ctr"/>
-          <a:lstStyle/>
-          <a:p>
-            <a:pPr algn="ctr"/>
-            <a:endParaRPr lang="zh-CN" altLang="en-US"/>
-          </a:p>
-        </p:txBody>
-      </p:sp>
-      <p:sp>
-        <p:nvSpPr>
-          <p:cNvPr id="112" name="任意多边形: 形状 111">
-            <a:extLst>
-              <a:ext uri="{FF2B5EF4-FFF2-40B4-BE49-F238E27FC236}">
-                <a16:creationId xmlns:a16="http://schemas.microsoft.com/office/drawing/2014/main" id="{07307455-200C-09E0-24B0-2BDE29592212}"/>
-              </a:ext>
-            </a:extLst>
-          </p:cNvPr>
-          <p:cNvSpPr/>
-          <p:nvPr/>
-        </p:nvSpPr>
-        <p:spPr>
-          <a:xfrm>
-            <a:off x="3926999" y="4476410"/>
-            <a:ext cx="1080000" cy="1080000"/>
-          </a:xfrm>
-          <a:custGeom>
-            <a:avLst/>
-            <a:gdLst>
-              <a:gd name="connsiteX0" fmla="*/ 0 w 1080000"/>
-              <a:gd name="connsiteY0" fmla="*/ 0 h 1080000"/>
-              <a:gd name="connsiteX1" fmla="*/ 1080000 w 1080000"/>
-              <a:gd name="connsiteY1" fmla="*/ 360000 h 1080000"/>
-              <a:gd name="connsiteX2" fmla="*/ 1080000 w 1080000"/>
-              <a:gd name="connsiteY2" fmla="*/ 1080000 h 1080000"/>
-              <a:gd name="connsiteX3" fmla="*/ 0 w 1080000"/>
-              <a:gd name="connsiteY3" fmla="*/ 1080000 h 1080000"/>
-              <a:gd name="connsiteX4" fmla="*/ 0 w 1080000"/>
-              <a:gd name="connsiteY4" fmla="*/ 360000 h 1080000"/>
-            </a:gdLst>
-            <a:ahLst/>
-            <a:cxnLst>
-              <a:cxn ang="0">
-                <a:pos x="connsiteX0" y="connsiteY0"/>
-              </a:cxn>
-              <a:cxn ang="0">
-                <a:pos x="connsiteX1" y="connsiteY1"/>
-              </a:cxn>
-              <a:cxn ang="0">
-                <a:pos x="connsiteX2" y="connsiteY2"/>
-              </a:cxn>
-              <a:cxn ang="0">
-                <a:pos x="connsiteX3" y="connsiteY3"/>
-              </a:cxn>
-              <a:cxn ang="0">
-                <a:pos x="connsiteX4" y="connsiteY4"/>
-              </a:cxn>
-            </a:cxnLst>
-            <a:rect l="l" t="t" r="r" b="b"/>
-            <a:pathLst>
-              <a:path w="1080000" h="1080000">
-                <a:moveTo>
-                  <a:pt x="0" y="0"/>
-                </a:moveTo>
-                <a:lnTo>
-                  <a:pt x="1080000" y="360000"/>
-                </a:lnTo>
-                <a:lnTo>
-                  <a:pt x="1080000" y="1080000"/>
-                </a:lnTo>
-                <a:lnTo>
-                  <a:pt x="0" y="1080000"/>
-                </a:lnTo>
-                <a:lnTo>
-                  <a:pt x="0" y="360000"/>
-                </a:lnTo>
-                <a:close/>
-              </a:path>
-            </a:pathLst>
-          </a:custGeom>
-        </p:spPr>
-        <p:style>
-          <a:lnRef idx="2">
-            <a:schemeClr val="dk1"/>
-          </a:lnRef>
-          <a:fillRef idx="1">
-            <a:schemeClr val="lt1"/>
-          </a:fillRef>
-          <a:effectRef idx="0">
-            <a:schemeClr val="dk1"/>
-          </a:effectRef>
-          <a:fontRef idx="minor">
-            <a:schemeClr val="dk1"/>
-          </a:fontRef>
-        </p:style>
-        <p:txBody>
-          <a:bodyPr wrap="square" rtlCol="0" anchor="ctr">
-            <a:noAutofit/>
-          </a:bodyPr>
-          <a:lstStyle/>
-          <a:p>
-            <a:pPr algn="ctr"/>
-            <a:endParaRPr lang="zh-CN" altLang="en-US"/>
-          </a:p>
-        </p:txBody>
-      </p:sp>
-      <p:cxnSp>
-        <p:nvCxnSpPr>
-          <p:cNvPr id="114" name="直接连接符 113">
-            <a:extLst>
-              <a:ext uri="{FF2B5EF4-FFF2-40B4-BE49-F238E27FC236}">
-                <a16:creationId xmlns:a16="http://schemas.microsoft.com/office/drawing/2014/main" id="{A2EF7999-6DAA-6F6D-7B49-886A90F9BAAD}"/>
-              </a:ext>
-            </a:extLst>
-          </p:cNvPr>
-          <p:cNvCxnSpPr>
-            <a:cxnSpLocks/>
-          </p:cNvCxnSpPr>
-          <p:nvPr/>
-        </p:nvCxnSpPr>
-        <p:spPr>
-          <a:xfrm flipH="1">
-            <a:off x="988656" y="4846826"/>
-            <a:ext cx="2160000" cy="0"/>
-          </a:xfrm>
-          <a:prstGeom prst="line">
-            <a:avLst/>
-          </a:prstGeom>
-          <a:ln w="12700"/>
-        </p:spPr>
-        <p:style>
-          <a:lnRef idx="3">
-            <a:schemeClr val="dk1"/>
-          </a:lnRef>
-          <a:fillRef idx="0">
-            <a:schemeClr val="dk1"/>
-          </a:fillRef>
-          <a:effectRef idx="2">
-            <a:schemeClr val="dk1"/>
-          </a:effectRef>
-          <a:fontRef idx="minor">
-            <a:schemeClr val="tx1"/>
-          </a:fontRef>
-        </p:style>
-      </p:cxnSp>
-      <p:grpSp>
-        <p:nvGrpSpPr>
-          <p:cNvPr id="118" name="组合 117">
-            <a:extLst>
-              <a:ext uri="{FF2B5EF4-FFF2-40B4-BE49-F238E27FC236}">
-                <a16:creationId xmlns:a16="http://schemas.microsoft.com/office/drawing/2014/main" id="{80D07834-1370-F90D-5C7C-ACF2227AC8FD}"/>
-              </a:ext>
-            </a:extLst>
-          </p:cNvPr>
-          <p:cNvGrpSpPr/>
-          <p:nvPr/>
-        </p:nvGrpSpPr>
-        <p:grpSpPr>
-          <a:xfrm>
-            <a:off x="1974004" y="3701641"/>
-            <a:ext cx="576000" cy="288000"/>
-            <a:chOff x="2795239" y="810322"/>
-            <a:chExt cx="576000" cy="288000"/>
-          </a:xfrm>
-        </p:grpSpPr>
-        <p:sp>
-          <p:nvSpPr>
-            <p:cNvPr id="119" name="矩形 118">
-              <a:extLst>
-                <a:ext uri="{FF2B5EF4-FFF2-40B4-BE49-F238E27FC236}">
-                  <a16:creationId xmlns:a16="http://schemas.microsoft.com/office/drawing/2014/main" id="{7A5F1A72-5C27-0AB2-9444-5061BA350106}"/>
-                </a:ext>
-              </a:extLst>
-            </p:cNvPr>
-            <p:cNvSpPr/>
-            <p:nvPr/>
-          </p:nvSpPr>
-          <p:spPr>
-            <a:xfrm>
-              <a:off x="2795239" y="810322"/>
-              <a:ext cx="288000" cy="288000"/>
-            </a:xfrm>
-            <a:prstGeom prst="rect">
-              <a:avLst/>
-            </a:prstGeom>
-          </p:spPr>
-          <p:style>
-            <a:lnRef idx="2">
-              <a:schemeClr val="dk1"/>
-            </a:lnRef>
-            <a:fillRef idx="1">
-              <a:schemeClr val="lt1"/>
-            </a:fillRef>
-            <a:effectRef idx="0">
-              <a:schemeClr val="dk1"/>
-            </a:effectRef>
-            <a:fontRef idx="minor">
-              <a:schemeClr val="dk1"/>
-            </a:fontRef>
-          </p:style>
-          <p:txBody>
-            <a:bodyPr rtlCol="0" anchor="ctr"/>
-            <a:lstStyle/>
-            <a:p>
-              <a:pPr algn="ctr"/>
-              <a:endParaRPr lang="zh-CN" altLang="en-US" dirty="0"/>
-            </a:p>
-          </p:txBody>
-        </p:sp>
-        <p:sp>
-          <p:nvSpPr>
-            <p:cNvPr id="120" name="矩形 119">
-              <a:extLst>
-                <a:ext uri="{FF2B5EF4-FFF2-40B4-BE49-F238E27FC236}">
-                  <a16:creationId xmlns:a16="http://schemas.microsoft.com/office/drawing/2014/main" id="{3D91CB61-0EF0-0666-3205-709FF1947442}"/>
-                </a:ext>
-              </a:extLst>
-            </p:cNvPr>
-            <p:cNvSpPr/>
-            <p:nvPr/>
-          </p:nvSpPr>
-          <p:spPr>
-            <a:xfrm>
-              <a:off x="3083239" y="810322"/>
-              <a:ext cx="288000" cy="288000"/>
-            </a:xfrm>
-            <a:prstGeom prst="rect">
-              <a:avLst/>
-            </a:prstGeom>
-          </p:spPr>
-          <p:style>
-            <a:lnRef idx="2">
-              <a:schemeClr val="dk1"/>
-            </a:lnRef>
-            <a:fillRef idx="1">
-              <a:schemeClr val="lt1"/>
-            </a:fillRef>
-            <a:effectRef idx="0">
-              <a:schemeClr val="dk1"/>
-            </a:effectRef>
-            <a:fontRef idx="minor">
-              <a:schemeClr val="dk1"/>
-            </a:fontRef>
-          </p:style>
-          <p:txBody>
-            <a:bodyPr rtlCol="0" anchor="ctr"/>
-            <a:lstStyle/>
-            <a:p>
-              <a:pPr algn="ctr"/>
-              <a:endParaRPr lang="zh-CN" altLang="en-US"/>
-            </a:p>
-          </p:txBody>
-        </p:sp>
-      </p:grpSp>
-      <p:cxnSp>
-        <p:nvCxnSpPr>
-          <p:cNvPr id="121" name="直接连接符 120">
-            <a:extLst>
-              <a:ext uri="{FF2B5EF4-FFF2-40B4-BE49-F238E27FC236}">
-                <a16:creationId xmlns:a16="http://schemas.microsoft.com/office/drawing/2014/main" id="{C5E214D8-99B8-0F6A-6397-4AE8159F505F}"/>
-              </a:ext>
-            </a:extLst>
-          </p:cNvPr>
-          <p:cNvCxnSpPr>
-            <a:cxnSpLocks/>
-          </p:cNvCxnSpPr>
-          <p:nvPr/>
-        </p:nvCxnSpPr>
-        <p:spPr>
-          <a:xfrm>
-            <a:off x="2038396" y="3863602"/>
-            <a:ext cx="162969" cy="0"/>
-          </a:xfrm>
-          <a:prstGeom prst="line">
-            <a:avLst/>
-          </a:prstGeom>
-        </p:spPr>
-        <p:style>
-          <a:lnRef idx="3">
-            <a:schemeClr val="dk1"/>
-          </a:lnRef>
-          <a:fillRef idx="0">
-            <a:schemeClr val="dk1"/>
-          </a:fillRef>
-          <a:effectRef idx="2">
-            <a:schemeClr val="dk1"/>
-          </a:effectRef>
-          <a:fontRef idx="minor">
-            <a:schemeClr val="tx1"/>
-          </a:fontRef>
-        </p:style>
-      </p:cxnSp>
-      <p:sp>
-        <p:nvSpPr>
-          <p:cNvPr id="122" name="文本框 121">
-            <a:extLst>
-              <a:ext uri="{FF2B5EF4-FFF2-40B4-BE49-F238E27FC236}">
-                <a16:creationId xmlns:a16="http://schemas.microsoft.com/office/drawing/2014/main" id="{09F48DF9-17ED-AB27-5F8C-E20A3311DF5A}"/>
-              </a:ext>
-            </a:extLst>
-          </p:cNvPr>
-          <p:cNvSpPr txBox="1"/>
-          <p:nvPr/>
-        </p:nvSpPr>
-        <p:spPr>
-          <a:xfrm>
-            <a:off x="2269467" y="3660975"/>
-            <a:ext cx="287994" cy="369332"/>
-          </a:xfrm>
-          <a:prstGeom prst="rect">
-            <a:avLst/>
-          </a:prstGeom>
-          <a:noFill/>
-        </p:spPr>
-        <p:txBody>
-          <a:bodyPr wrap="square" rtlCol="0">
-            <a:spAutoFit/>
-          </a:bodyPr>
-          <a:lstStyle/>
-          <a:p>
-            <a:pPr algn="ctr"/>
-            <a:r>
-              <a:rPr lang="en-US" altLang="zh-CN" dirty="0">
-                <a:latin typeface="Times New Roman" panose="02020603050405020304" pitchFamily="18" charset="0"/>
-                <a:cs typeface="Times New Roman" panose="02020603050405020304" pitchFamily="18" charset="0"/>
-              </a:rPr>
-              <a:t>t</a:t>
-            </a:r>
-            <a:endParaRPr lang="zh-CN" altLang="en-US" dirty="0">
-              <a:latin typeface="Times New Roman" panose="02020603050405020304" pitchFamily="18" charset="0"/>
-              <a:cs typeface="Times New Roman" panose="02020603050405020304" pitchFamily="18" charset="0"/>
-            </a:endParaRPr>
-          </a:p>
-        </p:txBody>
-      </p:sp>
-      <p:cxnSp>
-        <p:nvCxnSpPr>
-          <p:cNvPr id="123" name="连接符: 肘形 122">
-            <a:extLst>
-              <a:ext uri="{FF2B5EF4-FFF2-40B4-BE49-F238E27FC236}">
-                <a16:creationId xmlns:a16="http://schemas.microsoft.com/office/drawing/2014/main" id="{05FAD102-A3A5-0D7A-FF9B-7379B89EBD09}"/>
-              </a:ext>
-            </a:extLst>
-          </p:cNvPr>
-          <p:cNvCxnSpPr>
-            <a:cxnSpLocks/>
-            <a:stCxn id="119" idx="1"/>
-          </p:cNvCxnSpPr>
-          <p:nvPr/>
-        </p:nvCxnSpPr>
-        <p:spPr>
-          <a:xfrm rot="10800000" flipV="1">
-            <a:off x="1647646" y="3845640"/>
-            <a:ext cx="326359" cy="634933"/>
-          </a:xfrm>
-          <a:prstGeom prst="bentConnector2">
-            <a:avLst/>
-          </a:prstGeom>
-          <a:ln>
-            <a:tailEnd type="stealth"/>
-          </a:ln>
-        </p:spPr>
-        <p:style>
-          <a:lnRef idx="3">
-            <a:schemeClr val="dk1"/>
-          </a:lnRef>
-          <a:fillRef idx="0">
-            <a:schemeClr val="dk1"/>
-          </a:fillRef>
-          <a:effectRef idx="2">
-            <a:schemeClr val="dk1"/>
-          </a:effectRef>
-          <a:fontRef idx="minor">
-            <a:schemeClr val="tx1"/>
-          </a:fontRef>
-        </p:style>
-      </p:cxnSp>
-      <p:grpSp>
-        <p:nvGrpSpPr>
-          <p:cNvPr id="141" name="组合 140">
-            <a:extLst>
-              <a:ext uri="{FF2B5EF4-FFF2-40B4-BE49-F238E27FC236}">
-                <a16:creationId xmlns:a16="http://schemas.microsoft.com/office/drawing/2014/main" id="{A947E346-1DCB-D7F7-731A-0DBA726E0FAF}"/>
-              </a:ext>
-            </a:extLst>
-          </p:cNvPr>
-          <p:cNvGrpSpPr/>
-          <p:nvPr/>
-        </p:nvGrpSpPr>
-        <p:grpSpPr>
-          <a:xfrm>
-            <a:off x="5903688" y="2765640"/>
-            <a:ext cx="2160000" cy="1080000"/>
-            <a:chOff x="5903688" y="2765640"/>
-            <a:chExt cx="2160000" cy="1080000"/>
-          </a:xfrm>
-        </p:grpSpPr>
-        <p:sp>
-          <p:nvSpPr>
-            <p:cNvPr id="125" name="矩形 124">
-              <a:extLst>
-                <a:ext uri="{FF2B5EF4-FFF2-40B4-BE49-F238E27FC236}">
-                  <a16:creationId xmlns:a16="http://schemas.microsoft.com/office/drawing/2014/main" id="{143F3395-80C5-6CED-BA77-6F0950E192C2}"/>
-                </a:ext>
-              </a:extLst>
-            </p:cNvPr>
-            <p:cNvSpPr/>
-            <p:nvPr/>
-          </p:nvSpPr>
-          <p:spPr>
-            <a:xfrm>
-              <a:off x="5903688" y="2765640"/>
-              <a:ext cx="2160000" cy="1080000"/>
-            </a:xfrm>
-            <a:prstGeom prst="rect">
-              <a:avLst/>
-            </a:prstGeom>
-          </p:spPr>
-          <p:style>
-            <a:lnRef idx="2">
-              <a:schemeClr val="dk1"/>
-            </a:lnRef>
-            <a:fillRef idx="1">
-              <a:schemeClr val="lt1"/>
-            </a:fillRef>
-            <a:effectRef idx="0">
-              <a:schemeClr val="dk1"/>
-            </a:effectRef>
-            <a:fontRef idx="minor">
-              <a:schemeClr val="dk1"/>
-            </a:fontRef>
-          </p:style>
-          <p:txBody>
-            <a:bodyPr rtlCol="0" anchor="ctr"/>
-            <a:lstStyle/>
-            <a:p>
-              <a:pPr algn="ctr"/>
-              <a:endParaRPr lang="zh-CN" altLang="en-US" dirty="0"/>
-            </a:p>
-          </p:txBody>
-        </p:sp>
-        <p:cxnSp>
-          <p:nvCxnSpPr>
-            <p:cNvPr id="127" name="直接箭头连接符 126">
-              <a:extLst>
-                <a:ext uri="{FF2B5EF4-FFF2-40B4-BE49-F238E27FC236}">
-                  <a16:creationId xmlns:a16="http://schemas.microsoft.com/office/drawing/2014/main" id="{75E74EB1-1FA6-2B19-879F-EC322BE61020}"/>
-                </a:ext>
-              </a:extLst>
-            </p:cNvPr>
-            <p:cNvCxnSpPr>
-              <a:cxnSpLocks/>
-            </p:cNvCxnSpPr>
-            <p:nvPr/>
-          </p:nvCxnSpPr>
-          <p:spPr>
-            <a:xfrm>
-              <a:off x="7669502" y="2765640"/>
-              <a:ext cx="0" cy="1080000"/>
-            </a:xfrm>
-            <a:prstGeom prst="straightConnector1">
-              <a:avLst/>
-            </a:prstGeom>
-            <a:ln>
-              <a:headEnd type="triangle"/>
-              <a:tailEnd type="triangle"/>
-            </a:ln>
-          </p:spPr>
-          <p:style>
-            <a:lnRef idx="3">
-              <a:schemeClr val="dk1"/>
-            </a:lnRef>
-            <a:fillRef idx="0">
-              <a:schemeClr val="dk1"/>
-            </a:fillRef>
-            <a:effectRef idx="2">
-              <a:schemeClr val="dk1"/>
-            </a:effectRef>
-            <a:fontRef idx="minor">
-              <a:schemeClr val="tx1"/>
-            </a:fontRef>
-          </p:style>
-        </p:cxnSp>
-        <p:sp>
-          <p:nvSpPr>
-            <p:cNvPr id="129" name="文本框 128">
-              <a:extLst>
-                <a:ext uri="{FF2B5EF4-FFF2-40B4-BE49-F238E27FC236}">
-                  <a16:creationId xmlns:a16="http://schemas.microsoft.com/office/drawing/2014/main" id="{0630F03F-F369-FC4E-22E4-3326F9266E0A}"/>
-                </a:ext>
-              </a:extLst>
-            </p:cNvPr>
-            <p:cNvSpPr txBox="1"/>
-            <p:nvPr/>
-          </p:nvSpPr>
-          <p:spPr>
-            <a:xfrm>
-              <a:off x="7381508" y="3126421"/>
-              <a:ext cx="287994" cy="369332"/>
-            </a:xfrm>
-            <a:prstGeom prst="rect">
-              <a:avLst/>
-            </a:prstGeom>
-            <a:noFill/>
-          </p:spPr>
-          <p:txBody>
-            <a:bodyPr wrap="square" rtlCol="0">
-              <a:spAutoFit/>
-            </a:bodyPr>
-            <a:lstStyle/>
-            <a:p>
-              <a:pPr algn="ctr"/>
-              <a:r>
-                <a:rPr lang="en-US" altLang="zh-CN" dirty="0">
-                  <a:latin typeface="Times New Roman" panose="02020603050405020304" pitchFamily="18" charset="0"/>
-                  <a:cs typeface="Times New Roman" panose="02020603050405020304" pitchFamily="18" charset="0"/>
-                </a:rPr>
-                <a:t>t</a:t>
-              </a:r>
-              <a:endParaRPr lang="zh-CN" altLang="en-US" dirty="0">
-                <a:latin typeface="Times New Roman" panose="02020603050405020304" pitchFamily="18" charset="0"/>
-                <a:cs typeface="Times New Roman" panose="02020603050405020304" pitchFamily="18" charset="0"/>
-              </a:endParaRPr>
-            </a:p>
-          </p:txBody>
-        </p:sp>
-      </p:grpSp>
-      <p:grpSp>
-        <p:nvGrpSpPr>
-          <p:cNvPr id="142" name="组合 141">
-            <a:extLst>
-              <a:ext uri="{FF2B5EF4-FFF2-40B4-BE49-F238E27FC236}">
-                <a16:creationId xmlns:a16="http://schemas.microsoft.com/office/drawing/2014/main" id="{D0AA1288-B534-A392-41EA-CCFCB8E8AA33}"/>
-              </a:ext>
-            </a:extLst>
-          </p:cNvPr>
-          <p:cNvGrpSpPr/>
-          <p:nvPr/>
-        </p:nvGrpSpPr>
-        <p:grpSpPr>
-          <a:xfrm>
-            <a:off x="6137083" y="4347773"/>
-            <a:ext cx="1817673" cy="1494406"/>
-            <a:chOff x="6137083" y="4347773"/>
-            <a:chExt cx="1817673" cy="1494406"/>
-          </a:xfrm>
-        </p:grpSpPr>
-        <p:sp>
-          <p:nvSpPr>
-            <p:cNvPr id="139" name="文本框 138">
-              <a:extLst>
-                <a:ext uri="{FF2B5EF4-FFF2-40B4-BE49-F238E27FC236}">
-                  <a16:creationId xmlns:a16="http://schemas.microsoft.com/office/drawing/2014/main" id="{C2F36B2A-FFF6-166F-177E-9223C0873009}"/>
-                </a:ext>
-              </a:extLst>
-            </p:cNvPr>
-            <p:cNvSpPr txBox="1"/>
-            <p:nvPr/>
-          </p:nvSpPr>
-          <p:spPr>
-            <a:xfrm>
-              <a:off x="7308524" y="4928302"/>
-              <a:ext cx="287994" cy="369332"/>
-            </a:xfrm>
-            <a:prstGeom prst="rect">
-              <a:avLst/>
-            </a:prstGeom>
-            <a:noFill/>
-          </p:spPr>
-          <p:txBody>
-            <a:bodyPr wrap="square" rtlCol="0">
-              <a:spAutoFit/>
-            </a:bodyPr>
-            <a:lstStyle/>
-            <a:p>
-              <a:pPr algn="ctr"/>
-              <a:r>
-                <a:rPr lang="en-US" altLang="zh-CN" dirty="0">
-                  <a:latin typeface="Times New Roman" panose="02020603050405020304" pitchFamily="18" charset="0"/>
-                  <a:cs typeface="Times New Roman" panose="02020603050405020304" pitchFamily="18" charset="0"/>
-                </a:rPr>
-                <a:t>t</a:t>
-              </a:r>
-              <a:endParaRPr lang="zh-CN" altLang="en-US" dirty="0">
-                <a:latin typeface="Times New Roman" panose="02020603050405020304" pitchFamily="18" charset="0"/>
-                <a:cs typeface="Times New Roman" panose="02020603050405020304" pitchFamily="18" charset="0"/>
-              </a:endParaRPr>
-            </a:p>
-          </p:txBody>
-        </p:sp>
-        <p:grpSp>
-          <p:nvGrpSpPr>
-            <p:cNvPr id="140" name="组合 139">
-              <a:extLst>
-                <a:ext uri="{FF2B5EF4-FFF2-40B4-BE49-F238E27FC236}">
-                  <a16:creationId xmlns:a16="http://schemas.microsoft.com/office/drawing/2014/main" id="{31EEE093-8452-B491-51D8-4C1AACAB342E}"/>
-                </a:ext>
-              </a:extLst>
-            </p:cNvPr>
-            <p:cNvGrpSpPr/>
-            <p:nvPr/>
-          </p:nvGrpSpPr>
-          <p:grpSpPr>
-            <a:xfrm>
-              <a:off x="6137083" y="4347773"/>
-              <a:ext cx="1817673" cy="1494406"/>
-              <a:chOff x="6137083" y="4347773"/>
-              <a:chExt cx="1817673" cy="1494406"/>
-            </a:xfrm>
-          </p:grpSpPr>
-          <p:sp>
-            <p:nvSpPr>
-              <p:cNvPr id="131" name="菱形 130">
-                <a:extLst>
-                  <a:ext uri="{FF2B5EF4-FFF2-40B4-BE49-F238E27FC236}">
-                    <a16:creationId xmlns:a16="http://schemas.microsoft.com/office/drawing/2014/main" id="{0E0AA5FB-00F5-1715-91E6-D32415A75B48}"/>
-                  </a:ext>
-                </a:extLst>
-              </p:cNvPr>
-              <p:cNvSpPr/>
-              <p:nvPr/>
-            </p:nvSpPr>
-            <p:spPr>
-              <a:xfrm>
-                <a:off x="6137083" y="4347773"/>
-                <a:ext cx="1801958" cy="634933"/>
-              </a:xfrm>
-              <a:prstGeom prst="diamond">
+              <a:prstGeom prst="ellipse">
                 <a:avLst/>
               </a:prstGeom>
             </p:spPr>
@@ -9345,10 +11128,10 @@
           </p:sp>
           <p:sp>
             <p:nvSpPr>
-              <p:cNvPr id="132" name="菱形 131">
+              <p:cNvPr id="6" name="矩形 5">
                 <a:extLst>
                   <a:ext uri="{FF2B5EF4-FFF2-40B4-BE49-F238E27FC236}">
-                    <a16:creationId xmlns:a16="http://schemas.microsoft.com/office/drawing/2014/main" id="{13ECCB01-137F-EDFA-4375-B29C65EEB443}"/>
+                    <a16:creationId xmlns:a16="http://schemas.microsoft.com/office/drawing/2014/main" id="{18D26555-5594-7EC4-C223-C0D2EBDCCA81}"/>
                   </a:ext>
                 </a:extLst>
               </p:cNvPr>
@@ -9357,12 +11140,18 @@
             </p:nvSpPr>
             <p:spPr>
               <a:xfrm>
-                <a:off x="6152798" y="5207246"/>
-                <a:ext cx="1801958" cy="634933"/>
+                <a:off x="736598" y="239183"/>
+                <a:ext cx="7370235" cy="944033"/>
               </a:xfrm>
-              <a:prstGeom prst="diamond">
+              <a:prstGeom prst="rect">
                 <a:avLst/>
               </a:prstGeom>
+              <a:solidFill>
+                <a:schemeClr val="lt1"/>
+              </a:solidFill>
+              <a:ln>
+                <a:noFill/>
+              </a:ln>
             </p:spPr>
             <p:style>
               <a:lnRef idx="2">
@@ -9387,106 +11176,128 @@
               </a:p>
             </p:txBody>
           </p:sp>
-          <p:cxnSp>
-            <p:nvCxnSpPr>
-              <p:cNvPr id="137" name="直接箭头连接符 136">
+        </p:grpSp>
+        <p:grpSp>
+          <p:nvGrpSpPr>
+            <p:cNvPr id="11" name="组合 10">
+              <a:extLst>
+                <a:ext uri="{FF2B5EF4-FFF2-40B4-BE49-F238E27FC236}">
+                  <a16:creationId xmlns:a16="http://schemas.microsoft.com/office/drawing/2014/main" id="{B8D9A262-3E19-28ED-3B24-922DDA62F0EE}"/>
+                </a:ext>
+              </a:extLst>
+            </p:cNvPr>
+            <p:cNvGrpSpPr/>
+            <p:nvPr/>
+          </p:nvGrpSpPr>
+          <p:grpSpPr>
+            <a:xfrm>
+              <a:off x="1636822" y="1901408"/>
+              <a:ext cx="1602565" cy="349152"/>
+              <a:chOff x="736598" y="239183"/>
+              <a:chExt cx="7370235" cy="1621366"/>
+            </a:xfrm>
+          </p:grpSpPr>
+          <p:sp>
+            <p:nvSpPr>
+              <p:cNvPr id="12" name="椭圆 11">
                 <a:extLst>
                   <a:ext uri="{FF2B5EF4-FFF2-40B4-BE49-F238E27FC236}">
-                    <a16:creationId xmlns:a16="http://schemas.microsoft.com/office/drawing/2014/main" id="{45F3D15A-E0C3-983B-7687-9CF4EF28EC6A}"/>
+                    <a16:creationId xmlns:a16="http://schemas.microsoft.com/office/drawing/2014/main" id="{6EAB2FB0-0B9B-26AB-3D46-9B4F1D705F7E}"/>
                   </a:ext>
                 </a:extLst>
               </p:cNvPr>
-              <p:cNvCxnSpPr>
-                <a:cxnSpLocks/>
-              </p:cNvCxnSpPr>
+              <p:cNvSpPr/>
               <p:nvPr/>
-            </p:nvCxnSpPr>
+            </p:nvSpPr>
             <p:spPr>
               <a:xfrm>
-                <a:off x="7623782" y="4762179"/>
-                <a:ext cx="0" cy="865470"/>
+                <a:off x="736598" y="505883"/>
+                <a:ext cx="7370235" cy="1354666"/>
               </a:xfrm>
-              <a:prstGeom prst="straightConnector1">
+              <a:prstGeom prst="ellipse">
                 <a:avLst/>
               </a:prstGeom>
+            </p:spPr>
+            <p:style>
+              <a:lnRef idx="2">
+                <a:schemeClr val="dk1"/>
+              </a:lnRef>
+              <a:fillRef idx="1">
+                <a:schemeClr val="lt1"/>
+              </a:fillRef>
+              <a:effectRef idx="0">
+                <a:schemeClr val="dk1"/>
+              </a:effectRef>
+              <a:fontRef idx="minor">
+                <a:schemeClr val="dk1"/>
+              </a:fontRef>
+            </p:style>
+            <p:txBody>
+              <a:bodyPr rtlCol="0" anchor="ctr"/>
+              <a:lstStyle/>
+              <a:p>
+                <a:pPr algn="ctr"/>
+                <a:endParaRPr lang="zh-CN" altLang="en-US" dirty="0"/>
+              </a:p>
+            </p:txBody>
+          </p:sp>
+          <p:sp>
+            <p:nvSpPr>
+              <p:cNvPr id="13" name="矩形 12">
+                <a:extLst>
+                  <a:ext uri="{FF2B5EF4-FFF2-40B4-BE49-F238E27FC236}">
+                    <a16:creationId xmlns:a16="http://schemas.microsoft.com/office/drawing/2014/main" id="{795AD784-ED85-C7F5-662F-D2B7F8CEA96B}"/>
+                  </a:ext>
+                </a:extLst>
+              </p:cNvPr>
+              <p:cNvSpPr/>
+              <p:nvPr/>
+            </p:nvSpPr>
+            <p:spPr>
+              <a:xfrm>
+                <a:off x="736598" y="239183"/>
+                <a:ext cx="7370235" cy="944033"/>
+              </a:xfrm>
+              <a:prstGeom prst="rect">
+                <a:avLst/>
+              </a:prstGeom>
+              <a:solidFill>
+                <a:schemeClr val="lt1"/>
+              </a:solidFill>
               <a:ln>
-                <a:headEnd type="triangle"/>
-                <a:tailEnd type="triangle"/>
+                <a:noFill/>
               </a:ln>
             </p:spPr>
             <p:style>
-              <a:lnRef idx="3">
+              <a:lnRef idx="2">
                 <a:schemeClr val="dk1"/>
               </a:lnRef>
-              <a:fillRef idx="0">
-                <a:schemeClr val="dk1"/>
+              <a:fillRef idx="1">
+                <a:schemeClr val="lt1"/>
               </a:fillRef>
-              <a:effectRef idx="2">
+              <a:effectRef idx="0">
                 <a:schemeClr val="dk1"/>
               </a:effectRef>
               <a:fontRef idx="minor">
-                <a:schemeClr val="tx1"/>
+                <a:schemeClr val="dk1"/>
               </a:fontRef>
             </p:style>
-          </p:cxnSp>
+            <p:txBody>
+              <a:bodyPr rtlCol="0" anchor="ctr"/>
+              <a:lstStyle/>
+              <a:p>
+                <a:pPr algn="ctr"/>
+                <a:endParaRPr lang="zh-CN" altLang="en-US"/>
+              </a:p>
+            </p:txBody>
+          </p:sp>
         </p:grpSp>
-      </p:grpSp>
-    </p:spTree>
-    <p:extLst>
-      <p:ext uri="{BB962C8B-B14F-4D97-AF65-F5344CB8AC3E}">
-        <p14:creationId xmlns:p14="http://schemas.microsoft.com/office/powerpoint/2010/main" val="3146236317"/>
-      </p:ext>
-    </p:extLst>
-  </p:cSld>
-  <p:clrMapOvr>
-    <a:masterClrMapping/>
-  </p:clrMapOvr>
-</p:sld>
-</file>
-
-<file path=ppt/slides/slide4.xml><?xml version="1.0" encoding="utf-8"?>
-<p:sld xmlns:a="http://schemas.openxmlformats.org/drawingml/2006/main" xmlns:r="http://schemas.openxmlformats.org/officeDocument/2006/relationships" xmlns:p="http://schemas.openxmlformats.org/presentationml/2006/main">
-  <p:cSld>
-    <p:spTree>
-      <p:nvGrpSpPr>
-        <p:cNvPr id="1" name=""/>
-        <p:cNvGrpSpPr/>
-        <p:nvPr/>
-      </p:nvGrpSpPr>
-      <p:grpSpPr>
-        <a:xfrm>
-          <a:off x="0" y="0"/>
-          <a:ext cx="0" cy="0"/>
-          <a:chOff x="0" y="0"/>
-          <a:chExt cx="0" cy="0"/>
-        </a:xfrm>
-      </p:grpSpPr>
-      <p:grpSp>
-        <p:nvGrpSpPr>
-          <p:cNvPr id="41" name="组合 40">
-            <a:extLst>
-              <a:ext uri="{FF2B5EF4-FFF2-40B4-BE49-F238E27FC236}">
-                <a16:creationId xmlns:a16="http://schemas.microsoft.com/office/drawing/2014/main" id="{70331E4D-377A-F442-DF78-A590F10470CA}"/>
-              </a:ext>
-            </a:extLst>
-          </p:cNvPr>
-          <p:cNvGrpSpPr/>
-          <p:nvPr/>
-        </p:nvGrpSpPr>
-        <p:grpSpPr>
-          <a:xfrm>
-            <a:off x="281770" y="23674"/>
-            <a:ext cx="4175125" cy="2103245"/>
-            <a:chOff x="2644775" y="1897255"/>
-            <a:chExt cx="4175125" cy="2103245"/>
-          </a:xfrm>
-        </p:grpSpPr>
         <p:sp>
           <p:nvSpPr>
-            <p:cNvPr id="5" name="矩形 4">
+            <p:cNvPr id="14" name="矩形 13">
               <a:extLst>
                 <a:ext uri="{FF2B5EF4-FFF2-40B4-BE49-F238E27FC236}">
-                  <a16:creationId xmlns:a16="http://schemas.microsoft.com/office/drawing/2014/main" id="{092F0AA4-33CE-4951-0E03-75B78CC9A651}"/>
+                  <a16:creationId xmlns:a16="http://schemas.microsoft.com/office/drawing/2014/main" id="{287229BE-09ED-3B19-3066-F6057B310102}"/>
                 </a:ext>
               </a:extLst>
             </p:cNvPr>
@@ -9495,98 +11306,10 @@
           </p:nvSpPr>
           <p:spPr>
             <a:xfrm>
-              <a:off x="2884962" y="2721253"/>
-              <a:ext cx="2160000" cy="1080000"/>
+              <a:off x="1253829" y="1502736"/>
+              <a:ext cx="2368550" cy="601964"/>
             </a:xfrm>
             <a:prstGeom prst="rect">
-              <a:avLst/>
-            </a:prstGeom>
-          </p:spPr>
-          <p:style>
-            <a:lnRef idx="2">
-              <a:schemeClr val="dk1"/>
-            </a:lnRef>
-            <a:fillRef idx="1">
-              <a:schemeClr val="lt1"/>
-            </a:fillRef>
-            <a:effectRef idx="0">
-              <a:schemeClr val="dk1"/>
-            </a:effectRef>
-            <a:fontRef idx="minor">
-              <a:schemeClr val="dk1"/>
-            </a:fontRef>
-          </p:style>
-          <p:txBody>
-            <a:bodyPr rtlCol="0" anchor="ctr"/>
-            <a:lstStyle/>
-            <a:p>
-              <a:pPr algn="ctr"/>
-              <a:endParaRPr lang="zh-CN" altLang="en-US" dirty="0"/>
-            </a:p>
-          </p:txBody>
-        </p:sp>
-        <p:sp>
-          <p:nvSpPr>
-            <p:cNvPr id="6" name="椭圆 5">
-              <a:extLst>
-                <a:ext uri="{FF2B5EF4-FFF2-40B4-BE49-F238E27FC236}">
-                  <a16:creationId xmlns:a16="http://schemas.microsoft.com/office/drawing/2014/main" id="{60407F38-CEAD-C927-9776-170CDF389097}"/>
-                </a:ext>
-              </a:extLst>
-            </p:cNvPr>
-            <p:cNvSpPr/>
-            <p:nvPr/>
-          </p:nvSpPr>
-          <p:spPr>
-            <a:xfrm>
-              <a:off x="5556000" y="2721253"/>
-              <a:ext cx="1080000" cy="1080000"/>
-            </a:xfrm>
-            <a:prstGeom prst="ellipse">
-              <a:avLst/>
-            </a:prstGeom>
-          </p:spPr>
-          <p:style>
-            <a:lnRef idx="2">
-              <a:schemeClr val="dk1"/>
-            </a:lnRef>
-            <a:fillRef idx="1">
-              <a:schemeClr val="lt1"/>
-            </a:fillRef>
-            <a:effectRef idx="0">
-              <a:schemeClr val="dk1"/>
-            </a:effectRef>
-            <a:fontRef idx="minor">
-              <a:schemeClr val="dk1"/>
-            </a:fontRef>
-          </p:style>
-          <p:txBody>
-            <a:bodyPr rtlCol="0" anchor="ctr"/>
-            <a:lstStyle/>
-            <a:p>
-              <a:pPr algn="ctr"/>
-              <a:endParaRPr lang="zh-CN" altLang="en-US"/>
-            </a:p>
-          </p:txBody>
-        </p:sp>
-        <p:sp>
-          <p:nvSpPr>
-            <p:cNvPr id="9" name="椭圆 8">
-              <a:extLst>
-                <a:ext uri="{FF2B5EF4-FFF2-40B4-BE49-F238E27FC236}">
-                  <a16:creationId xmlns:a16="http://schemas.microsoft.com/office/drawing/2014/main" id="{7F261653-2C56-EF5F-52F5-835C711760A2}"/>
-                </a:ext>
-              </a:extLst>
-            </p:cNvPr>
-            <p:cNvSpPr/>
-            <p:nvPr/>
-          </p:nvSpPr>
-          <p:spPr>
-            <a:xfrm>
-              <a:off x="5736000" y="2901253"/>
-              <a:ext cx="720000" cy="720000"/>
-            </a:xfrm>
-            <a:prstGeom prst="ellipse">
               <a:avLst/>
             </a:prstGeom>
           </p:spPr>
@@ -9615,36 +11338,35 @@
         </p:sp>
         <p:cxnSp>
           <p:nvCxnSpPr>
-            <p:cNvPr id="11" name="直接连接符 10">
+            <p:cNvPr id="3" name="直接连接符 2">
               <a:extLst>
                 <a:ext uri="{FF2B5EF4-FFF2-40B4-BE49-F238E27FC236}">
-                  <a16:creationId xmlns:a16="http://schemas.microsoft.com/office/drawing/2014/main" id="{FBA78C44-E5B8-CD15-D5EC-FDB5E6FC3005}"/>
+                  <a16:creationId xmlns:a16="http://schemas.microsoft.com/office/drawing/2014/main" id="{C8BB9425-038B-1F75-AE27-14D2E4F7E242}"/>
                 </a:ext>
               </a:extLst>
             </p:cNvPr>
             <p:cNvCxnSpPr>
-              <a:cxnSpLocks/>
+              <a:stCxn id="14" idx="0"/>
             </p:cNvCxnSpPr>
             <p:nvPr/>
           </p:nvCxnSpPr>
           <p:spPr>
             <a:xfrm flipH="1">
-              <a:off x="2884962" y="2901253"/>
-              <a:ext cx="2160000" cy="0"/>
+              <a:off x="931333" y="1502736"/>
+              <a:ext cx="1506771" cy="0"/>
             </a:xfrm>
             <a:prstGeom prst="line">
               <a:avLst/>
             </a:prstGeom>
-            <a:ln w="12700"/>
           </p:spPr>
           <p:style>
-            <a:lnRef idx="3">
+            <a:lnRef idx="2">
               <a:schemeClr val="dk1"/>
             </a:lnRef>
             <a:fillRef idx="0">
               <a:schemeClr val="dk1"/>
             </a:fillRef>
-            <a:effectRef idx="2">
+            <a:effectRef idx="1">
               <a:schemeClr val="dk1"/>
             </a:effectRef>
             <a:fontRef idx="minor">
@@ -9654,36 +11376,35 @@
         </p:cxnSp>
         <p:cxnSp>
           <p:nvCxnSpPr>
-            <p:cNvPr id="15" name="直接连接符 14">
+            <p:cNvPr id="7" name="直接连接符 6">
               <a:extLst>
                 <a:ext uri="{FF2B5EF4-FFF2-40B4-BE49-F238E27FC236}">
-                  <a16:creationId xmlns:a16="http://schemas.microsoft.com/office/drawing/2014/main" id="{487A0C97-03B8-8600-6CD3-64107D7A26F5}"/>
+                  <a16:creationId xmlns:a16="http://schemas.microsoft.com/office/drawing/2014/main" id="{FBEB23CA-2C89-5CE4-F454-02C527FF98CA}"/>
                 </a:ext>
               </a:extLst>
             </p:cNvPr>
             <p:cNvCxnSpPr>
-              <a:cxnSpLocks/>
+              <a:stCxn id="14" idx="2"/>
             </p:cNvCxnSpPr>
             <p:nvPr/>
           </p:nvCxnSpPr>
           <p:spPr>
             <a:xfrm flipH="1">
-              <a:off x="2884962" y="3621253"/>
-              <a:ext cx="2160000" cy="0"/>
+              <a:off x="920750" y="2104700"/>
+              <a:ext cx="1517354" cy="0"/>
             </a:xfrm>
             <a:prstGeom prst="line">
               <a:avLst/>
             </a:prstGeom>
-            <a:ln w="12700"/>
           </p:spPr>
           <p:style>
-            <a:lnRef idx="3">
+            <a:lnRef idx="2">
               <a:schemeClr val="dk1"/>
             </a:lnRef>
             <a:fillRef idx="0">
               <a:schemeClr val="dk1"/>
             </a:fillRef>
-            <a:effectRef idx="2">
+            <a:effectRef idx="1">
               <a:schemeClr val="dk1"/>
             </a:effectRef>
             <a:fontRef idx="minor">
@@ -9691,116 +11412,12 @@
             </a:fontRef>
           </p:style>
         </p:cxnSp>
-        <p:sp>
-          <p:nvSpPr>
-            <p:cNvPr id="17" name="矩形 16">
+        <p:cxnSp>
+          <p:nvCxnSpPr>
+            <p:cNvPr id="8" name="直接箭头连接符 7">
               <a:extLst>
                 <a:ext uri="{FF2B5EF4-FFF2-40B4-BE49-F238E27FC236}">
-                  <a16:creationId xmlns:a16="http://schemas.microsoft.com/office/drawing/2014/main" id="{EC5661EC-4D23-F58B-AD0E-57006C824467}"/>
-                </a:ext>
-              </a:extLst>
-            </p:cNvPr>
-            <p:cNvSpPr/>
-            <p:nvPr/>
-          </p:nvSpPr>
-          <p:spPr>
-            <a:xfrm>
-              <a:off x="2884962" y="2721253"/>
-              <a:ext cx="2160000" cy="180000"/>
-            </a:xfrm>
-            <a:prstGeom prst="rect">
-              <a:avLst/>
-            </a:prstGeom>
-            <a:pattFill prst="wdUpDiag">
-              <a:fgClr>
-                <a:schemeClr val="tx1"/>
-              </a:fgClr>
-              <a:bgClr>
-                <a:schemeClr val="bg1"/>
-              </a:bgClr>
-            </a:pattFill>
-          </p:spPr>
-          <p:style>
-            <a:lnRef idx="2">
-              <a:schemeClr val="dk1"/>
-            </a:lnRef>
-            <a:fillRef idx="1">
-              <a:schemeClr val="lt1"/>
-            </a:fillRef>
-            <a:effectRef idx="0">
-              <a:schemeClr val="dk1"/>
-            </a:effectRef>
-            <a:fontRef idx="minor">
-              <a:schemeClr val="dk1"/>
-            </a:fontRef>
-          </p:style>
-          <p:txBody>
-            <a:bodyPr rtlCol="0" anchor="ctr"/>
-            <a:lstStyle/>
-            <a:p>
-              <a:pPr algn="ctr"/>
-              <a:endParaRPr lang="zh-CN" altLang="en-US"/>
-            </a:p>
-          </p:txBody>
-        </p:sp>
-        <p:sp>
-          <p:nvSpPr>
-            <p:cNvPr id="18" name="矩形 17">
-              <a:extLst>
-                <a:ext uri="{FF2B5EF4-FFF2-40B4-BE49-F238E27FC236}">
-                  <a16:creationId xmlns:a16="http://schemas.microsoft.com/office/drawing/2014/main" id="{638F608F-F01F-A2EC-94B1-DFF39E3AE722}"/>
-                </a:ext>
-              </a:extLst>
-            </p:cNvPr>
-            <p:cNvSpPr/>
-            <p:nvPr/>
-          </p:nvSpPr>
-          <p:spPr>
-            <a:xfrm>
-              <a:off x="2884962" y="3621252"/>
-              <a:ext cx="2160000" cy="180000"/>
-            </a:xfrm>
-            <a:prstGeom prst="rect">
-              <a:avLst/>
-            </a:prstGeom>
-            <a:pattFill prst="wdUpDiag">
-              <a:fgClr>
-                <a:schemeClr val="tx1"/>
-              </a:fgClr>
-              <a:bgClr>
-                <a:schemeClr val="bg1"/>
-              </a:bgClr>
-            </a:pattFill>
-          </p:spPr>
-          <p:style>
-            <a:lnRef idx="2">
-              <a:schemeClr val="dk1"/>
-            </a:lnRef>
-            <a:fillRef idx="1">
-              <a:schemeClr val="lt1"/>
-            </a:fillRef>
-            <a:effectRef idx="0">
-              <a:schemeClr val="dk1"/>
-            </a:effectRef>
-            <a:fontRef idx="minor">
-              <a:schemeClr val="dk1"/>
-            </a:fontRef>
-          </p:style>
-          <p:txBody>
-            <a:bodyPr rtlCol="0" anchor="ctr"/>
-            <a:lstStyle/>
-            <a:p>
-              <a:pPr algn="ctr"/>
-              <a:endParaRPr lang="zh-CN" altLang="en-US"/>
-            </a:p>
-          </p:txBody>
-        </p:sp>
-        <p:cxnSp>
-          <p:nvCxnSpPr>
-            <p:cNvPr id="20" name="直接连接符 19">
-              <a:extLst>
-                <a:ext uri="{FF2B5EF4-FFF2-40B4-BE49-F238E27FC236}">
-                  <a16:creationId xmlns:a16="http://schemas.microsoft.com/office/drawing/2014/main" id="{F0CC026A-9B4D-D922-A1CF-985C3CCFAE1B}"/>
+                  <a16:creationId xmlns:a16="http://schemas.microsoft.com/office/drawing/2014/main" id="{C75E4423-5402-1516-AEF5-D058FC7BDE8A}"/>
                 </a:ext>
               </a:extLst>
             </p:cNvPr>
@@ -9811,233 +11428,25 @@
           </p:nvCxnSpPr>
           <p:spPr>
             <a:xfrm>
-              <a:off x="2644775" y="3261253"/>
-              <a:ext cx="4175125" cy="0"/>
-            </a:xfrm>
-            <a:prstGeom prst="line">
-              <a:avLst/>
-            </a:prstGeom>
-            <a:ln>
-              <a:prstDash val="lgDashDot"/>
-            </a:ln>
-          </p:spPr>
-          <p:style>
-            <a:lnRef idx="3">
-              <a:schemeClr val="dk1"/>
-            </a:lnRef>
-            <a:fillRef idx="0">
-              <a:schemeClr val="dk1"/>
-            </a:fillRef>
-            <a:effectRef idx="2">
-              <a:schemeClr val="dk1"/>
-            </a:effectRef>
-            <a:fontRef idx="minor">
-              <a:schemeClr val="tx1"/>
-            </a:fontRef>
-          </p:style>
-        </p:cxnSp>
-        <p:cxnSp>
-          <p:nvCxnSpPr>
-            <p:cNvPr id="25" name="直接连接符 24">
-              <a:extLst>
-                <a:ext uri="{FF2B5EF4-FFF2-40B4-BE49-F238E27FC236}">
-                  <a16:creationId xmlns:a16="http://schemas.microsoft.com/office/drawing/2014/main" id="{52FDA2E0-79DC-A2C7-41CF-4A2F6CA65A72}"/>
-                </a:ext>
-              </a:extLst>
-            </p:cNvPr>
-            <p:cNvCxnSpPr>
-              <a:cxnSpLocks/>
-            </p:cNvCxnSpPr>
-            <p:nvPr/>
-          </p:nvCxnSpPr>
-          <p:spPr>
-            <a:xfrm>
-              <a:off x="6096000" y="2590800"/>
-              <a:ext cx="0" cy="1409700"/>
-            </a:xfrm>
-            <a:prstGeom prst="line">
-              <a:avLst/>
-            </a:prstGeom>
-            <a:ln>
-              <a:prstDash val="lgDashDot"/>
-            </a:ln>
-          </p:spPr>
-          <p:style>
-            <a:lnRef idx="3">
-              <a:schemeClr val="dk1"/>
-            </a:lnRef>
-            <a:fillRef idx="0">
-              <a:schemeClr val="dk1"/>
-            </a:fillRef>
-            <a:effectRef idx="2">
-              <a:schemeClr val="dk1"/>
-            </a:effectRef>
-            <a:fontRef idx="minor">
-              <a:schemeClr val="tx1"/>
-            </a:fontRef>
-          </p:style>
-        </p:cxnSp>
-        <p:cxnSp>
-          <p:nvCxnSpPr>
-            <p:cNvPr id="27" name="直接箭头连接符 26">
-              <a:extLst>
-                <a:ext uri="{FF2B5EF4-FFF2-40B4-BE49-F238E27FC236}">
-                  <a16:creationId xmlns:a16="http://schemas.microsoft.com/office/drawing/2014/main" id="{991BCA40-1DF1-B9C2-5DCA-F2F13661A8AC}"/>
-                </a:ext>
-              </a:extLst>
-            </p:cNvPr>
-            <p:cNvCxnSpPr>
-              <a:cxnSpLocks/>
-            </p:cNvCxnSpPr>
-            <p:nvPr/>
-          </p:nvCxnSpPr>
-          <p:spPr>
-            <a:xfrm>
-              <a:off x="3801082" y="2721253"/>
-              <a:ext cx="0" cy="1079999"/>
+              <a:off x="1158677" y="1502736"/>
+              <a:ext cx="0" cy="601964"/>
             </a:xfrm>
             <a:prstGeom prst="straightConnector1">
               <a:avLst/>
             </a:prstGeom>
             <a:ln>
-              <a:headEnd type="triangle"/>
-              <a:tailEnd type="triangle"/>
+              <a:headEnd type="stealth"/>
+              <a:tailEnd type="stealth"/>
             </a:ln>
           </p:spPr>
           <p:style>
-            <a:lnRef idx="3">
+            <a:lnRef idx="2">
               <a:schemeClr val="dk1"/>
             </a:lnRef>
             <a:fillRef idx="0">
               <a:schemeClr val="dk1"/>
             </a:fillRef>
-            <a:effectRef idx="2">
-              <a:schemeClr val="dk1"/>
-            </a:effectRef>
-            <a:fontRef idx="minor">
-              <a:schemeClr val="tx1"/>
-            </a:fontRef>
-          </p:style>
-        </p:cxnSp>
-        <p:sp>
-          <p:nvSpPr>
-            <p:cNvPr id="36" name="矩形 35">
-              <a:extLst>
-                <a:ext uri="{FF2B5EF4-FFF2-40B4-BE49-F238E27FC236}">
-                  <a16:creationId xmlns:a16="http://schemas.microsoft.com/office/drawing/2014/main" id="{D0405B69-044F-FBCB-A4B4-4236107121DE}"/>
-                </a:ext>
-              </a:extLst>
-            </p:cNvPr>
-            <p:cNvSpPr/>
-            <p:nvPr/>
-          </p:nvSpPr>
-          <p:spPr>
-            <a:xfrm>
-              <a:off x="4127440" y="1942320"/>
-              <a:ext cx="288000" cy="288000"/>
-            </a:xfrm>
-            <a:prstGeom prst="rect">
-              <a:avLst/>
-            </a:prstGeom>
-          </p:spPr>
-          <p:style>
-            <a:lnRef idx="2">
-              <a:schemeClr val="dk1"/>
-            </a:lnRef>
-            <a:fillRef idx="1">
-              <a:schemeClr val="lt1"/>
-            </a:fillRef>
-            <a:effectRef idx="0">
-              <a:schemeClr val="dk1"/>
-            </a:effectRef>
-            <a:fontRef idx="minor">
-              <a:schemeClr val="dk1"/>
-            </a:fontRef>
-          </p:style>
-          <p:txBody>
-            <a:bodyPr rtlCol="0" anchor="ctr"/>
-            <a:lstStyle/>
-            <a:p>
-              <a:pPr algn="ctr"/>
-              <a:endParaRPr lang="zh-CN" altLang="en-US" dirty="0"/>
-            </a:p>
-          </p:txBody>
-        </p:sp>
-        <p:sp>
-          <p:nvSpPr>
-            <p:cNvPr id="37" name="矩形 36">
-              <a:extLst>
-                <a:ext uri="{FF2B5EF4-FFF2-40B4-BE49-F238E27FC236}">
-                  <a16:creationId xmlns:a16="http://schemas.microsoft.com/office/drawing/2014/main" id="{60C08673-1D60-755D-068E-C086839F4377}"/>
-                </a:ext>
-              </a:extLst>
-            </p:cNvPr>
-            <p:cNvSpPr/>
-            <p:nvPr/>
-          </p:nvSpPr>
-          <p:spPr>
-            <a:xfrm>
-              <a:off x="4415440" y="1942320"/>
-              <a:ext cx="380927" cy="288000"/>
-            </a:xfrm>
-            <a:prstGeom prst="rect">
-              <a:avLst/>
-            </a:prstGeom>
-          </p:spPr>
-          <p:style>
-            <a:lnRef idx="2">
-              <a:schemeClr val="dk1"/>
-            </a:lnRef>
-            <a:fillRef idx="1">
-              <a:schemeClr val="lt1"/>
-            </a:fillRef>
-            <a:effectRef idx="0">
-              <a:schemeClr val="dk1"/>
-            </a:effectRef>
-            <a:fontRef idx="minor">
-              <a:schemeClr val="dk1"/>
-            </a:fontRef>
-          </p:style>
-          <p:txBody>
-            <a:bodyPr rtlCol="0" anchor="ctr"/>
-            <a:lstStyle/>
-            <a:p>
-              <a:pPr algn="ctr"/>
-              <a:endParaRPr lang="zh-CN" altLang="en-US" dirty="0"/>
-            </a:p>
-          </p:txBody>
-        </p:sp>
-        <p:cxnSp>
-          <p:nvCxnSpPr>
-            <p:cNvPr id="38" name="直接连接符 37">
-              <a:extLst>
-                <a:ext uri="{FF2B5EF4-FFF2-40B4-BE49-F238E27FC236}">
-                  <a16:creationId xmlns:a16="http://schemas.microsoft.com/office/drawing/2014/main" id="{8801F966-EB3F-C0A3-8FD7-4DFAC2A217C0}"/>
-                </a:ext>
-              </a:extLst>
-            </p:cNvPr>
-            <p:cNvCxnSpPr>
-              <a:cxnSpLocks/>
-            </p:cNvCxnSpPr>
-            <p:nvPr/>
-          </p:nvCxnSpPr>
-          <p:spPr>
-            <a:xfrm>
-              <a:off x="4184633" y="2084955"/>
-              <a:ext cx="162969" cy="0"/>
-            </a:xfrm>
-            <a:prstGeom prst="line">
-              <a:avLst/>
-            </a:prstGeom>
-          </p:spPr>
-          <p:style>
-            <a:lnRef idx="3">
-              <a:schemeClr val="dk1"/>
-            </a:lnRef>
-            <a:fillRef idx="0">
-              <a:schemeClr val="dk1"/>
-            </a:fillRef>
-            <a:effectRef idx="2">
+            <a:effectRef idx="1">
               <a:schemeClr val="dk1"/>
             </a:effectRef>
             <a:fontRef idx="minor">
@@ -10049,10 +11458,10 @@
           <mc:Choice Requires="a14">
             <p:sp>
               <p:nvSpPr>
-                <p:cNvPr id="39" name="文本框 38">
+                <p:cNvPr id="15" name="文本框 14">
                   <a:extLst>
                     <a:ext uri="{FF2B5EF4-FFF2-40B4-BE49-F238E27FC236}">
-                      <a16:creationId xmlns:a16="http://schemas.microsoft.com/office/drawing/2014/main" id="{1BF6DF79-0524-7065-76B5-EC7D57400AF1}"/>
+                      <a16:creationId xmlns:a16="http://schemas.microsoft.com/office/drawing/2014/main" id="{28F5B2B0-3F68-8503-8DAA-E5D8D6427B58}"/>
                     </a:ext>
                   </a:extLst>
                 </p:cNvPr>
@@ -10060,9 +11469,9 @@
                 <p:nvPr/>
               </p:nvSpPr>
               <p:spPr>
-                <a:xfrm>
-                  <a:off x="4347602" y="1897255"/>
-                  <a:ext cx="516129" cy="369332"/>
+                <a:xfrm rot="16200000">
+                  <a:off x="673269" y="1577914"/>
+                  <a:ext cx="516129" cy="391582"/>
                 </a:xfrm>
                 <a:prstGeom prst="rect">
                   <a:avLst/>
@@ -10077,27 +11486,46 @@
                 <a:p>
                   <a:pPr algn="ctr"/>
                   <a14:m>
-                    <m:oMath xmlns:m="http://schemas.openxmlformats.org/officeDocument/2006/math">
-                      <m:r>
-                        <m:rPr>
-                          <m:sty m:val="p"/>
-                        </m:rPr>
-                        <a:rPr lang="en-US" altLang="zh-CN" b="0" i="0" smtClean="0">
-                          <a:latin typeface="Cambria Math" panose="02040503050406030204" pitchFamily="18" charset="0"/>
-                          <a:cs typeface="Times New Roman" panose="02020603050405020304" pitchFamily="18" charset="0"/>
-                        </a:rPr>
-                        <m:t>Φ</m:t>
-                      </m:r>
-                    </m:oMath>
+                    <m:oMathPara xmlns:m="http://schemas.openxmlformats.org/officeDocument/2006/math">
+                      <m:oMathParaPr>
+                        <m:jc m:val="centerGroup"/>
+                      </m:oMathParaPr>
+                      <m:oMath xmlns:m="http://schemas.openxmlformats.org/officeDocument/2006/math">
+                        <m:sSub>
+                          <m:sSubPr>
+                            <m:ctrlPr>
+                              <a:rPr lang="en-US" altLang="zh-CN" b="0" i="1" smtClean="0">
+                                <a:latin typeface="Cambria Math" panose="02040503050406030204" pitchFamily="18" charset="0"/>
+                                <a:cs typeface="Times New Roman" panose="02020603050405020304" pitchFamily="18" charset="0"/>
+                              </a:rPr>
+                            </m:ctrlPr>
+                          </m:sSubPr>
+                          <m:e>
+                            <m:r>
+                              <m:rPr>
+                                <m:sty m:val="p"/>
+                              </m:rPr>
+                              <a:rPr lang="en-US" altLang="zh-CN" i="1" smtClean="0">
+                                <a:latin typeface="Cambria Math" panose="02040503050406030204" pitchFamily="18" charset="0"/>
+                                <a:cs typeface="Times New Roman" panose="02020603050405020304" pitchFamily="18" charset="0"/>
+                              </a:rPr>
+                              <m:t>D</m:t>
+                            </m:r>
+                          </m:e>
+                          <m:sub>
+                            <m:r>
+                              <a:rPr lang="en-US" altLang="zh-CN" b="0" i="1" smtClean="0">
+                                <a:latin typeface="Cambria Math" panose="02040503050406030204" pitchFamily="18" charset="0"/>
+                                <a:cs typeface="Times New Roman" panose="02020603050405020304" pitchFamily="18" charset="0"/>
+                              </a:rPr>
+                              <m:t>𝑓𝑒</m:t>
+                            </m:r>
+                          </m:sub>
+                        </m:sSub>
+                      </m:oMath>
+                    </m:oMathPara>
                   </a14:m>
-                  <a:r>
-                    <a:rPr lang="en-US" altLang="zh-CN" dirty="0">
-                      <a:latin typeface="Times New Roman" panose="02020603050405020304" pitchFamily="18" charset="0"/>
-                      <a:cs typeface="Times New Roman" panose="02020603050405020304" pitchFamily="18" charset="0"/>
-                    </a:rPr>
-                    <a:t>t</a:t>
-                  </a:r>
-                  <a:endParaRPr lang="zh-CN" altLang="en-US" dirty="0">
+                  <a:endParaRPr lang="en-US" altLang="zh-CN" b="0" dirty="0">
                     <a:latin typeface="Times New Roman" panose="02020603050405020304" pitchFamily="18" charset="0"/>
                     <a:cs typeface="Times New Roman" panose="02020603050405020304" pitchFamily="18" charset="0"/>
                   </a:endParaRPr>
@@ -10108,10 +11536,10 @@
           <mc:Fallback xmlns="">
             <p:sp>
               <p:nvSpPr>
-                <p:cNvPr id="39" name="文本框 38">
+                <p:cNvPr id="15" name="文本框 14">
                   <a:extLst>
                     <a:ext uri="{FF2B5EF4-FFF2-40B4-BE49-F238E27FC236}">
-                      <a16:creationId xmlns:a16="http://schemas.microsoft.com/office/drawing/2014/main" id="{1BF6DF79-0524-7065-76B5-EC7D57400AF1}"/>
+                      <a16:creationId xmlns:a16="http://schemas.microsoft.com/office/drawing/2014/main" id="{28F5B2B0-3F68-8503-8DAA-E5D8D6427B58}"/>
                     </a:ext>
                   </a:extLst>
                 </p:cNvPr>
@@ -10121,9 +11549,9 @@
                 <p:nvPr/>
               </p:nvSpPr>
               <p:spPr>
-                <a:xfrm>
-                  <a:off x="4347602" y="1897255"/>
-                  <a:ext cx="516129" cy="369332"/>
+                <a:xfrm rot="16200000">
+                  <a:off x="673269" y="1577914"/>
+                  <a:ext cx="516129" cy="391582"/>
                 </a:xfrm>
                 <a:prstGeom prst="rect">
                   <a:avLst/>
@@ -10131,486 +11559,7 @@
                 <a:blipFill>
                   <a:blip r:embed="rId2"/>
                   <a:stretch>
-                    <a:fillRect t="-10000" r="-1190" b="-26667"/>
-                  </a:stretch>
-                </a:blipFill>
-              </p:spPr>
-              <p:txBody>
-                <a:bodyPr/>
-                <a:lstStyle/>
-                <a:p>
-                  <a:r>
-                    <a:rPr lang="zh-CN" altLang="en-US">
-                      <a:noFill/>
-                    </a:rPr>
-                    <a:t> </a:t>
-                  </a:r>
-                </a:p>
-              </p:txBody>
-            </p:sp>
-          </mc:Fallback>
-        </mc:AlternateContent>
-        <p:cxnSp>
-          <p:nvCxnSpPr>
-            <p:cNvPr id="40" name="连接符: 肘形 39">
-              <a:extLst>
-                <a:ext uri="{FF2B5EF4-FFF2-40B4-BE49-F238E27FC236}">
-                  <a16:creationId xmlns:a16="http://schemas.microsoft.com/office/drawing/2014/main" id="{1FD31988-32F9-EB7E-D420-BF00BA12E08E}"/>
-                </a:ext>
-              </a:extLst>
-            </p:cNvPr>
-            <p:cNvCxnSpPr>
-              <a:cxnSpLocks/>
-              <a:stCxn id="36" idx="1"/>
-            </p:cNvCxnSpPr>
-            <p:nvPr/>
-          </p:nvCxnSpPr>
-          <p:spPr>
-            <a:xfrm rot="10800000" flipV="1">
-              <a:off x="3801082" y="2086319"/>
-              <a:ext cx="326359" cy="634933"/>
-            </a:xfrm>
-            <a:prstGeom prst="bentConnector2">
-              <a:avLst/>
-            </a:prstGeom>
-            <a:ln>
-              <a:tailEnd type="stealth"/>
-            </a:ln>
-          </p:spPr>
-          <p:style>
-            <a:lnRef idx="3">
-              <a:schemeClr val="dk1"/>
-            </a:lnRef>
-            <a:fillRef idx="0">
-              <a:schemeClr val="dk1"/>
-            </a:fillRef>
-            <a:effectRef idx="2">
-              <a:schemeClr val="dk1"/>
-            </a:effectRef>
-            <a:fontRef idx="minor">
-              <a:schemeClr val="tx1"/>
-            </a:fontRef>
-          </p:style>
-        </p:cxnSp>
-      </p:grpSp>
-      <p:grpSp>
-        <p:nvGrpSpPr>
-          <p:cNvPr id="58" name="组合 57">
-            <a:extLst>
-              <a:ext uri="{FF2B5EF4-FFF2-40B4-BE49-F238E27FC236}">
-                <a16:creationId xmlns:a16="http://schemas.microsoft.com/office/drawing/2014/main" id="{CBC4F329-B90C-4ED7-54F0-6700D9C1A734}"/>
-              </a:ext>
-            </a:extLst>
-          </p:cNvPr>
-          <p:cNvGrpSpPr/>
-          <p:nvPr/>
-        </p:nvGrpSpPr>
-        <p:grpSpPr>
-          <a:xfrm>
-            <a:off x="777595" y="2876550"/>
-            <a:ext cx="2700000" cy="1993900"/>
-            <a:chOff x="1596745" y="2768600"/>
-            <a:chExt cx="2700000" cy="1993900"/>
-          </a:xfrm>
-        </p:grpSpPr>
-        <p:sp>
-          <p:nvSpPr>
-            <p:cNvPr id="47" name="任意多边形: 形状 46">
-              <a:extLst>
-                <a:ext uri="{FF2B5EF4-FFF2-40B4-BE49-F238E27FC236}">
-                  <a16:creationId xmlns:a16="http://schemas.microsoft.com/office/drawing/2014/main" id="{135DDF4F-775C-99ED-6D29-54AA95E7E398}"/>
-                </a:ext>
-              </a:extLst>
-            </p:cNvPr>
-            <p:cNvSpPr/>
-            <p:nvPr/>
-          </p:nvSpPr>
-          <p:spPr>
-            <a:xfrm>
-              <a:off x="1866745" y="3340098"/>
-              <a:ext cx="2430000" cy="1080000"/>
-            </a:xfrm>
-            <a:custGeom>
-              <a:avLst/>
-              <a:gdLst>
-                <a:gd name="connsiteX0" fmla="*/ 0 w 2430000"/>
-                <a:gd name="connsiteY0" fmla="*/ 0 h 1080000"/>
-                <a:gd name="connsiteX1" fmla="*/ 2160000 w 2430000"/>
-                <a:gd name="connsiteY1" fmla="*/ 0 h 1080000"/>
-                <a:gd name="connsiteX2" fmla="*/ 2430000 w 2430000"/>
-                <a:gd name="connsiteY2" fmla="*/ 540000 h 1080000"/>
-                <a:gd name="connsiteX3" fmla="*/ 2160000 w 2430000"/>
-                <a:gd name="connsiteY3" fmla="*/ 1080000 h 1080000"/>
-                <a:gd name="connsiteX4" fmla="*/ 0 w 2430000"/>
-                <a:gd name="connsiteY4" fmla="*/ 1080000 h 1080000"/>
-              </a:gdLst>
-              <a:ahLst/>
-              <a:cxnLst>
-                <a:cxn ang="0">
-                  <a:pos x="connsiteX0" y="connsiteY0"/>
-                </a:cxn>
-                <a:cxn ang="0">
-                  <a:pos x="connsiteX1" y="connsiteY1"/>
-                </a:cxn>
-                <a:cxn ang="0">
-                  <a:pos x="connsiteX2" y="connsiteY2"/>
-                </a:cxn>
-                <a:cxn ang="0">
-                  <a:pos x="connsiteX3" y="connsiteY3"/>
-                </a:cxn>
-                <a:cxn ang="0">
-                  <a:pos x="connsiteX4" y="connsiteY4"/>
-                </a:cxn>
-              </a:cxnLst>
-              <a:rect l="l" t="t" r="r" b="b"/>
-              <a:pathLst>
-                <a:path w="2430000" h="1080000">
-                  <a:moveTo>
-                    <a:pt x="0" y="0"/>
-                  </a:moveTo>
-                  <a:lnTo>
-                    <a:pt x="2160000" y="0"/>
-                  </a:lnTo>
-                  <a:cubicBezTo>
-                    <a:pt x="2309117" y="0"/>
-                    <a:pt x="2430000" y="241766"/>
-                    <a:pt x="2430000" y="540000"/>
-                  </a:cubicBezTo>
-                  <a:cubicBezTo>
-                    <a:pt x="2430000" y="838234"/>
-                    <a:pt x="2309117" y="1080000"/>
-                    <a:pt x="2160000" y="1080000"/>
-                  </a:cubicBezTo>
-                  <a:lnTo>
-                    <a:pt x="0" y="1080000"/>
-                  </a:lnTo>
-                  <a:close/>
-                </a:path>
-              </a:pathLst>
-            </a:custGeom>
-          </p:spPr>
-          <p:style>
-            <a:lnRef idx="2">
-              <a:schemeClr val="dk1"/>
-            </a:lnRef>
-            <a:fillRef idx="1">
-              <a:schemeClr val="lt1"/>
-            </a:fillRef>
-            <a:effectRef idx="0">
-              <a:schemeClr val="dk1"/>
-            </a:effectRef>
-            <a:fontRef idx="minor">
-              <a:schemeClr val="dk1"/>
-            </a:fontRef>
-          </p:style>
-          <p:txBody>
-            <a:bodyPr wrap="square" rtlCol="0" anchor="ctr">
-              <a:noAutofit/>
-            </a:bodyPr>
-            <a:lstStyle/>
-            <a:p>
-              <a:pPr algn="ctr"/>
-              <a:endParaRPr lang="zh-CN" altLang="en-US"/>
-            </a:p>
-          </p:txBody>
-        </p:sp>
-        <p:sp>
-          <p:nvSpPr>
-            <p:cNvPr id="42" name="椭圆 41">
-              <a:extLst>
-                <a:ext uri="{FF2B5EF4-FFF2-40B4-BE49-F238E27FC236}">
-                  <a16:creationId xmlns:a16="http://schemas.microsoft.com/office/drawing/2014/main" id="{B0DBDF7B-61F8-3EB9-3805-D5A49FA4CC69}"/>
-                </a:ext>
-              </a:extLst>
-            </p:cNvPr>
-            <p:cNvSpPr/>
-            <p:nvPr/>
-          </p:nvSpPr>
-          <p:spPr>
-            <a:xfrm>
-              <a:off x="1596745" y="3340099"/>
-              <a:ext cx="540000" cy="1080000"/>
-            </a:xfrm>
-            <a:prstGeom prst="ellipse">
-              <a:avLst/>
-            </a:prstGeom>
-          </p:spPr>
-          <p:style>
-            <a:lnRef idx="2">
-              <a:schemeClr val="dk1"/>
-            </a:lnRef>
-            <a:fillRef idx="1">
-              <a:schemeClr val="lt1"/>
-            </a:fillRef>
-            <a:effectRef idx="0">
-              <a:schemeClr val="dk1"/>
-            </a:effectRef>
-            <a:fontRef idx="minor">
-              <a:schemeClr val="dk1"/>
-            </a:fontRef>
-          </p:style>
-          <p:txBody>
-            <a:bodyPr rtlCol="0" anchor="ctr"/>
-            <a:lstStyle/>
-            <a:p>
-              <a:pPr algn="ctr"/>
-              <a:endParaRPr lang="zh-CN" altLang="en-US"/>
-            </a:p>
-          </p:txBody>
-        </p:sp>
-        <p:sp>
-          <p:nvSpPr>
-            <p:cNvPr id="45" name="椭圆 44">
-              <a:extLst>
-                <a:ext uri="{FF2B5EF4-FFF2-40B4-BE49-F238E27FC236}">
-                  <a16:creationId xmlns:a16="http://schemas.microsoft.com/office/drawing/2014/main" id="{B01BD6AF-28B4-5BA9-E5A7-18CAE08AB0BE}"/>
-                </a:ext>
-              </a:extLst>
-            </p:cNvPr>
-            <p:cNvSpPr/>
-            <p:nvPr/>
-          </p:nvSpPr>
-          <p:spPr>
-            <a:xfrm>
-              <a:off x="3756745" y="3340098"/>
-              <a:ext cx="540000" cy="1080000"/>
-            </a:xfrm>
-            <a:prstGeom prst="ellipse">
-              <a:avLst/>
-            </a:prstGeom>
-            <a:ln w="6350">
-              <a:prstDash val="sysDash"/>
-            </a:ln>
-          </p:spPr>
-          <p:style>
-            <a:lnRef idx="2">
-              <a:schemeClr val="dk1"/>
-            </a:lnRef>
-            <a:fillRef idx="1">
-              <a:schemeClr val="lt1"/>
-            </a:fillRef>
-            <a:effectRef idx="0">
-              <a:schemeClr val="dk1"/>
-            </a:effectRef>
-            <a:fontRef idx="minor">
-              <a:schemeClr val="dk1"/>
-            </a:fontRef>
-          </p:style>
-          <p:txBody>
-            <a:bodyPr rtlCol="0" anchor="ctr"/>
-            <a:lstStyle/>
-            <a:p>
-              <a:pPr algn="ctr"/>
-              <a:endParaRPr lang="zh-CN" altLang="en-US" dirty="0"/>
-            </a:p>
-          </p:txBody>
-        </p:sp>
-        <p:cxnSp>
-          <p:nvCxnSpPr>
-            <p:cNvPr id="49" name="直接连接符 48">
-              <a:extLst>
-                <a:ext uri="{FF2B5EF4-FFF2-40B4-BE49-F238E27FC236}">
-                  <a16:creationId xmlns:a16="http://schemas.microsoft.com/office/drawing/2014/main" id="{5939C927-A3BD-9F59-E9FA-E99D2F820570}"/>
-                </a:ext>
-              </a:extLst>
-            </p:cNvPr>
-            <p:cNvCxnSpPr/>
-            <p:nvPr/>
-          </p:nvCxnSpPr>
-          <p:spPr>
-            <a:xfrm>
-              <a:off x="3368484" y="3340098"/>
-              <a:ext cx="0" cy="1080000"/>
-            </a:xfrm>
-            <a:prstGeom prst="line">
-              <a:avLst/>
-            </a:prstGeom>
-            <a:ln w="19050"/>
-          </p:spPr>
-          <p:style>
-            <a:lnRef idx="3">
-              <a:schemeClr val="dk1"/>
-            </a:lnRef>
-            <a:fillRef idx="0">
-              <a:schemeClr val="dk1"/>
-            </a:fillRef>
-            <a:effectRef idx="2">
-              <a:schemeClr val="dk1"/>
-            </a:effectRef>
-            <a:fontRef idx="minor">
-              <a:schemeClr val="tx1"/>
-            </a:fontRef>
-          </p:style>
-        </p:cxnSp>
-        <p:cxnSp>
-          <p:nvCxnSpPr>
-            <p:cNvPr id="51" name="直接箭头连接符 50">
-              <a:extLst>
-                <a:ext uri="{FF2B5EF4-FFF2-40B4-BE49-F238E27FC236}">
-                  <a16:creationId xmlns:a16="http://schemas.microsoft.com/office/drawing/2014/main" id="{38F0CCC0-4F2A-AACD-A832-7B319F62EE86}"/>
-                </a:ext>
-              </a:extLst>
-            </p:cNvPr>
-            <p:cNvCxnSpPr>
-              <a:cxnSpLocks/>
-            </p:cNvCxnSpPr>
-            <p:nvPr/>
-          </p:nvCxnSpPr>
-          <p:spPr>
-            <a:xfrm flipV="1">
-              <a:off x="3368484" y="4420098"/>
-              <a:ext cx="0" cy="342402"/>
-            </a:xfrm>
-            <a:prstGeom prst="straightConnector1">
-              <a:avLst/>
-            </a:prstGeom>
-            <a:ln>
-              <a:tailEnd type="triangle"/>
-            </a:ln>
-          </p:spPr>
-          <p:style>
-            <a:lnRef idx="3">
-              <a:schemeClr val="dk1"/>
-            </a:lnRef>
-            <a:fillRef idx="0">
-              <a:schemeClr val="dk1"/>
-            </a:fillRef>
-            <a:effectRef idx="2">
-              <a:schemeClr val="dk1"/>
-            </a:effectRef>
-            <a:fontRef idx="minor">
-              <a:schemeClr val="tx1"/>
-            </a:fontRef>
-          </p:style>
-        </p:cxnSp>
-        <p:cxnSp>
-          <p:nvCxnSpPr>
-            <p:cNvPr id="54" name="直接箭头连接符 53">
-              <a:extLst>
-                <a:ext uri="{FF2B5EF4-FFF2-40B4-BE49-F238E27FC236}">
-                  <a16:creationId xmlns:a16="http://schemas.microsoft.com/office/drawing/2014/main" id="{28C27E94-49AE-03BE-0829-B6313B573E14}"/>
-                </a:ext>
-              </a:extLst>
-            </p:cNvPr>
-            <p:cNvCxnSpPr>
-              <a:cxnSpLocks/>
-            </p:cNvCxnSpPr>
-            <p:nvPr/>
-          </p:nvCxnSpPr>
-          <p:spPr>
-            <a:xfrm>
-              <a:off x="3368484" y="2768600"/>
-              <a:ext cx="0" cy="571498"/>
-            </a:xfrm>
-            <a:prstGeom prst="straightConnector1">
-              <a:avLst/>
-            </a:prstGeom>
-            <a:ln>
-              <a:tailEnd type="triangle"/>
-            </a:ln>
-          </p:spPr>
-          <p:style>
-            <a:lnRef idx="3">
-              <a:schemeClr val="dk1"/>
-            </a:lnRef>
-            <a:fillRef idx="0">
-              <a:schemeClr val="dk1"/>
-            </a:fillRef>
-            <a:effectRef idx="2">
-              <a:schemeClr val="dk1"/>
-            </a:effectRef>
-            <a:fontRef idx="minor">
-              <a:schemeClr val="tx1"/>
-            </a:fontRef>
-          </p:style>
-        </p:cxnSp>
-        <mc:AlternateContent xmlns:mc="http://schemas.openxmlformats.org/markup-compatibility/2006" xmlns:a14="http://schemas.microsoft.com/office/drawing/2010/main">
-          <mc:Choice Requires="a14">
-            <p:sp>
-              <p:nvSpPr>
-                <p:cNvPr id="56" name="文本框 55">
-                  <a:extLst>
-                    <a:ext uri="{FF2B5EF4-FFF2-40B4-BE49-F238E27FC236}">
-                      <a16:creationId xmlns:a16="http://schemas.microsoft.com/office/drawing/2014/main" id="{8937C1FC-A39A-4DE0-338F-44831FCFDD63}"/>
-                    </a:ext>
-                  </a:extLst>
-                </p:cNvPr>
-                <p:cNvSpPr txBox="1"/>
-                <p:nvPr/>
-              </p:nvSpPr>
-              <p:spPr>
-                <a:xfrm>
-                  <a:off x="2930419" y="2821001"/>
-                  <a:ext cx="516129" cy="369332"/>
-                </a:xfrm>
-                <a:prstGeom prst="rect">
-                  <a:avLst/>
-                </a:prstGeom>
-                <a:noFill/>
-              </p:spPr>
-              <p:txBody>
-                <a:bodyPr wrap="square" rtlCol="0">
-                  <a:spAutoFit/>
-                </a:bodyPr>
-                <a:lstStyle/>
-                <a:p>
-                  <a:pPr algn="ctr"/>
-                  <a14:m>
-                    <m:oMath xmlns:m="http://schemas.openxmlformats.org/officeDocument/2006/math">
-                      <m:r>
-                        <m:rPr>
-                          <m:sty m:val="p"/>
-                        </m:rPr>
-                        <a:rPr lang="en-US" altLang="zh-CN" b="0" i="0" smtClean="0">
-                          <a:latin typeface="Cambria Math" panose="02040503050406030204" pitchFamily="18" charset="0"/>
-                          <a:cs typeface="Times New Roman" panose="02020603050405020304" pitchFamily="18" charset="0"/>
-                        </a:rPr>
-                        <m:t>Φ</m:t>
-                      </m:r>
-                    </m:oMath>
-                  </a14:m>
-                  <a:r>
-                    <a:rPr lang="en-US" altLang="zh-CN" dirty="0">
-                      <a:latin typeface="Times New Roman" panose="02020603050405020304" pitchFamily="18" charset="0"/>
-                      <a:cs typeface="Times New Roman" panose="02020603050405020304" pitchFamily="18" charset="0"/>
-                    </a:rPr>
-                    <a:t>t</a:t>
-                  </a:r>
-                  <a:endParaRPr lang="zh-CN" altLang="en-US" dirty="0">
-                    <a:latin typeface="Times New Roman" panose="02020603050405020304" pitchFamily="18" charset="0"/>
-                    <a:cs typeface="Times New Roman" panose="02020603050405020304" pitchFamily="18" charset="0"/>
-                  </a:endParaRPr>
-                </a:p>
-              </p:txBody>
-            </p:sp>
-          </mc:Choice>
-          <mc:Fallback xmlns="">
-            <p:sp>
-              <p:nvSpPr>
-                <p:cNvPr id="56" name="文本框 55">
-                  <a:extLst>
-                    <a:ext uri="{FF2B5EF4-FFF2-40B4-BE49-F238E27FC236}">
-                      <a16:creationId xmlns:a16="http://schemas.microsoft.com/office/drawing/2014/main" id="{8937C1FC-A39A-4DE0-338F-44831FCFDD63}"/>
-                    </a:ext>
-                  </a:extLst>
-                </p:cNvPr>
-                <p:cNvSpPr txBox="1">
-                  <a:spLocks noRot="1" noChangeAspect="1" noMove="1" noResize="1" noEditPoints="1" noAdjustHandles="1" noChangeArrowheads="1" noChangeShapeType="1" noTextEdit="1"/>
-                </p:cNvSpPr>
-                <p:nvPr/>
-              </p:nvSpPr>
-              <p:spPr>
-                <a:xfrm>
-                  <a:off x="2930419" y="2821001"/>
-                  <a:ext cx="516129" cy="369332"/>
-                </a:xfrm>
-                <a:prstGeom prst="rect">
-                  <a:avLst/>
-                </a:prstGeom>
-                <a:blipFill>
-                  <a:blip r:embed="rId3"/>
-                  <a:stretch>
-                    <a:fillRect t="-8197" r="-1176" b="-24590"/>
+                    <a:fillRect r="-9375" b="-4762"/>
                   </a:stretch>
                 </a:blipFill>
               </p:spPr>
@@ -10630,10 +11579,847 @@
           </mc:Fallback>
         </mc:AlternateContent>
       </p:grpSp>
+      <p:grpSp>
+        <p:nvGrpSpPr>
+          <p:cNvPr id="52" name="组合 51">
+            <a:extLst>
+              <a:ext uri="{FF2B5EF4-FFF2-40B4-BE49-F238E27FC236}">
+                <a16:creationId xmlns:a16="http://schemas.microsoft.com/office/drawing/2014/main" id="{E4E44658-D3D0-9713-36E9-DD8217F13EF5}"/>
+              </a:ext>
+            </a:extLst>
+          </p:cNvPr>
+          <p:cNvGrpSpPr/>
+          <p:nvPr/>
+        </p:nvGrpSpPr>
+        <p:grpSpPr>
+          <a:xfrm>
+            <a:off x="651933" y="1796405"/>
+            <a:ext cx="2325925" cy="755736"/>
+            <a:chOff x="651933" y="1796405"/>
+            <a:chExt cx="2325925" cy="755736"/>
+          </a:xfrm>
+        </p:grpSpPr>
+        <p:cxnSp>
+          <p:nvCxnSpPr>
+            <p:cNvPr id="26" name="直接箭头连接符 25">
+              <a:extLst>
+                <a:ext uri="{FF2B5EF4-FFF2-40B4-BE49-F238E27FC236}">
+                  <a16:creationId xmlns:a16="http://schemas.microsoft.com/office/drawing/2014/main" id="{7ABF7936-255A-5703-D5FA-840792FA5FF9}"/>
+                </a:ext>
+              </a:extLst>
+            </p:cNvPr>
+            <p:cNvCxnSpPr>
+              <a:cxnSpLocks/>
+            </p:cNvCxnSpPr>
+            <p:nvPr/>
+          </p:nvCxnSpPr>
+          <p:spPr>
+            <a:xfrm>
+              <a:off x="1072447" y="2003653"/>
+              <a:ext cx="0" cy="544316"/>
+            </a:xfrm>
+            <a:prstGeom prst="straightConnector1">
+              <a:avLst/>
+            </a:prstGeom>
+            <a:ln>
+              <a:headEnd type="stealth"/>
+              <a:tailEnd type="stealth"/>
+            </a:ln>
+          </p:spPr>
+          <p:style>
+            <a:lnRef idx="2">
+              <a:schemeClr val="dk1"/>
+            </a:lnRef>
+            <a:fillRef idx="0">
+              <a:schemeClr val="dk1"/>
+            </a:fillRef>
+            <a:effectRef idx="1">
+              <a:schemeClr val="dk1"/>
+            </a:effectRef>
+            <a:fontRef idx="minor">
+              <a:schemeClr val="tx1"/>
+            </a:fontRef>
+          </p:style>
+        </p:cxnSp>
+        <mc:AlternateContent xmlns:mc="http://schemas.openxmlformats.org/markup-compatibility/2006" xmlns:a14="http://schemas.microsoft.com/office/drawing/2010/main">
+          <mc:Choice Requires="a14">
+            <p:sp>
+              <p:nvSpPr>
+                <p:cNvPr id="27" name="文本框 26">
+                  <a:extLst>
+                    <a:ext uri="{FF2B5EF4-FFF2-40B4-BE49-F238E27FC236}">
+                      <a16:creationId xmlns:a16="http://schemas.microsoft.com/office/drawing/2014/main" id="{36D8CD00-BB4F-8274-B471-927C81D3AB18}"/>
+                    </a:ext>
+                  </a:extLst>
+                </p:cNvPr>
+                <p:cNvSpPr txBox="1"/>
+                <p:nvPr/>
+              </p:nvSpPr>
+              <p:spPr>
+                <a:xfrm rot="16200000">
+                  <a:off x="589659" y="2065927"/>
+                  <a:ext cx="516129" cy="391582"/>
+                </a:xfrm>
+                <a:prstGeom prst="rect">
+                  <a:avLst/>
+                </a:prstGeom>
+                <a:noFill/>
+              </p:spPr>
+              <p:txBody>
+                <a:bodyPr wrap="square" rtlCol="0">
+                  <a:spAutoFit/>
+                </a:bodyPr>
+                <a:lstStyle/>
+                <a:p>
+                  <a:pPr algn="ctr"/>
+                  <a14:m>
+                    <m:oMathPara xmlns:m="http://schemas.openxmlformats.org/officeDocument/2006/math">
+                      <m:oMathParaPr>
+                        <m:jc m:val="centerGroup"/>
+                      </m:oMathParaPr>
+                      <m:oMath xmlns:m="http://schemas.openxmlformats.org/officeDocument/2006/math">
+                        <m:sSub>
+                          <m:sSubPr>
+                            <m:ctrlPr>
+                              <a:rPr lang="en-US" altLang="zh-CN" b="0" i="1" smtClean="0">
+                                <a:latin typeface="Cambria Math" panose="02040503050406030204" pitchFamily="18" charset="0"/>
+                                <a:cs typeface="Times New Roman" panose="02020603050405020304" pitchFamily="18" charset="0"/>
+                              </a:rPr>
+                            </m:ctrlPr>
+                          </m:sSubPr>
+                          <m:e>
+                            <m:r>
+                              <a:rPr lang="en-US" altLang="zh-CN" b="0" i="1" smtClean="0">
+                                <a:latin typeface="Cambria Math" panose="02040503050406030204" pitchFamily="18" charset="0"/>
+                                <a:cs typeface="Times New Roman" panose="02020603050405020304" pitchFamily="18" charset="0"/>
+                              </a:rPr>
+                              <m:t>𝑑</m:t>
+                            </m:r>
+                          </m:e>
+                          <m:sub>
+                            <m:r>
+                              <a:rPr lang="en-US" altLang="zh-CN" b="0" i="1" smtClean="0">
+                                <a:latin typeface="Cambria Math" panose="02040503050406030204" pitchFamily="18" charset="0"/>
+                                <a:cs typeface="Times New Roman" panose="02020603050405020304" pitchFamily="18" charset="0"/>
+                              </a:rPr>
+                              <m:t>𝑓𝑒</m:t>
+                            </m:r>
+                          </m:sub>
+                        </m:sSub>
+                      </m:oMath>
+                    </m:oMathPara>
+                  </a14:m>
+                  <a:endParaRPr lang="en-US" altLang="zh-CN" b="0" dirty="0">
+                    <a:latin typeface="Times New Roman" panose="02020603050405020304" pitchFamily="18" charset="0"/>
+                    <a:cs typeface="Times New Roman" panose="02020603050405020304" pitchFamily="18" charset="0"/>
+                  </a:endParaRPr>
+                </a:p>
+              </p:txBody>
+            </p:sp>
+          </mc:Choice>
+          <mc:Fallback xmlns="">
+            <p:sp>
+              <p:nvSpPr>
+                <p:cNvPr id="27" name="文本框 26">
+                  <a:extLst>
+                    <a:ext uri="{FF2B5EF4-FFF2-40B4-BE49-F238E27FC236}">
+                      <a16:creationId xmlns:a16="http://schemas.microsoft.com/office/drawing/2014/main" id="{36D8CD00-BB4F-8274-B471-927C81D3AB18}"/>
+                    </a:ext>
+                  </a:extLst>
+                </p:cNvPr>
+                <p:cNvSpPr txBox="1">
+                  <a:spLocks noRot="1" noChangeAspect="1" noMove="1" noResize="1" noEditPoints="1" noAdjustHandles="1" noChangeArrowheads="1" noChangeShapeType="1" noTextEdit="1"/>
+                </p:cNvSpPr>
+                <p:nvPr/>
+              </p:nvSpPr>
+              <p:spPr>
+                <a:xfrm rot="16200000">
+                  <a:off x="589659" y="2065927"/>
+                  <a:ext cx="516129" cy="391582"/>
+                </a:xfrm>
+                <a:prstGeom prst="rect">
+                  <a:avLst/>
+                </a:prstGeom>
+                <a:blipFill>
+                  <a:blip r:embed="rId3"/>
+                  <a:stretch>
+                    <a:fillRect r="-9375" b="-3571"/>
+                  </a:stretch>
+                </a:blipFill>
+              </p:spPr>
+              <p:txBody>
+                <a:bodyPr/>
+                <a:lstStyle/>
+                <a:p>
+                  <a:r>
+                    <a:rPr lang="zh-CN" altLang="en-US">
+                      <a:noFill/>
+                    </a:rPr>
+                    <a:t> </a:t>
+                  </a:r>
+                </a:p>
+              </p:txBody>
+            </p:sp>
+          </mc:Fallback>
+        </mc:AlternateContent>
+        <p:grpSp>
+          <p:nvGrpSpPr>
+            <p:cNvPr id="39" name="组合 38">
+              <a:extLst>
+                <a:ext uri="{FF2B5EF4-FFF2-40B4-BE49-F238E27FC236}">
+                  <a16:creationId xmlns:a16="http://schemas.microsoft.com/office/drawing/2014/main" id="{F1960286-4148-FFDC-D227-09ED59E1D738}"/>
+                </a:ext>
+              </a:extLst>
+            </p:cNvPr>
+            <p:cNvGrpSpPr/>
+            <p:nvPr/>
+          </p:nvGrpSpPr>
+          <p:grpSpPr>
+            <a:xfrm>
+              <a:off x="1235010" y="1796405"/>
+              <a:ext cx="1602565" cy="755736"/>
+              <a:chOff x="3283588" y="2512688"/>
+              <a:chExt cx="1602565" cy="755736"/>
+            </a:xfrm>
+          </p:grpSpPr>
+          <p:grpSp>
+            <p:nvGrpSpPr>
+              <p:cNvPr id="21" name="组合 20">
+                <a:extLst>
+                  <a:ext uri="{FF2B5EF4-FFF2-40B4-BE49-F238E27FC236}">
+                    <a16:creationId xmlns:a16="http://schemas.microsoft.com/office/drawing/2014/main" id="{2727AAA6-7D4E-556E-76BF-EFD62D222D9F}"/>
+                  </a:ext>
+                </a:extLst>
+              </p:cNvPr>
+              <p:cNvGrpSpPr/>
+              <p:nvPr/>
+            </p:nvGrpSpPr>
+            <p:grpSpPr>
+              <a:xfrm>
+                <a:off x="3283588" y="2512688"/>
+                <a:ext cx="1602565" cy="349152"/>
+                <a:chOff x="736598" y="239183"/>
+                <a:chExt cx="7370235" cy="1621366"/>
+              </a:xfrm>
+            </p:grpSpPr>
+            <p:sp>
+              <p:nvSpPr>
+                <p:cNvPr id="30" name="椭圆 29">
+                  <a:extLst>
+                    <a:ext uri="{FF2B5EF4-FFF2-40B4-BE49-F238E27FC236}">
+                      <a16:creationId xmlns:a16="http://schemas.microsoft.com/office/drawing/2014/main" id="{1B1B0B47-521B-4B23-4588-4685E7DCF6A1}"/>
+                    </a:ext>
+                  </a:extLst>
+                </p:cNvPr>
+                <p:cNvSpPr/>
+                <p:nvPr/>
+              </p:nvSpPr>
+              <p:spPr>
+                <a:xfrm>
+                  <a:off x="736598" y="505883"/>
+                  <a:ext cx="7370235" cy="1354666"/>
+                </a:xfrm>
+                <a:prstGeom prst="ellipse">
+                  <a:avLst/>
+                </a:prstGeom>
+              </p:spPr>
+              <p:style>
+                <a:lnRef idx="2">
+                  <a:schemeClr val="dk1"/>
+                </a:lnRef>
+                <a:fillRef idx="1">
+                  <a:schemeClr val="lt1"/>
+                </a:fillRef>
+                <a:effectRef idx="0">
+                  <a:schemeClr val="dk1"/>
+                </a:effectRef>
+                <a:fontRef idx="minor">
+                  <a:schemeClr val="dk1"/>
+                </a:fontRef>
+              </p:style>
+              <p:txBody>
+                <a:bodyPr rtlCol="0" anchor="ctr"/>
+                <a:lstStyle/>
+                <a:p>
+                  <a:pPr algn="ctr"/>
+                  <a:endParaRPr lang="zh-CN" altLang="en-US"/>
+                </a:p>
+              </p:txBody>
+            </p:sp>
+            <p:sp>
+              <p:nvSpPr>
+                <p:cNvPr id="31" name="矩形 30">
+                  <a:extLst>
+                    <a:ext uri="{FF2B5EF4-FFF2-40B4-BE49-F238E27FC236}">
+                      <a16:creationId xmlns:a16="http://schemas.microsoft.com/office/drawing/2014/main" id="{48961730-F7B6-8E2B-12B6-02ECB8B078D2}"/>
+                    </a:ext>
+                  </a:extLst>
+                </p:cNvPr>
+                <p:cNvSpPr/>
+                <p:nvPr/>
+              </p:nvSpPr>
+              <p:spPr>
+                <a:xfrm>
+                  <a:off x="736598" y="239183"/>
+                  <a:ext cx="7370235" cy="944033"/>
+                </a:xfrm>
+                <a:prstGeom prst="rect">
+                  <a:avLst/>
+                </a:prstGeom>
+                <a:solidFill>
+                  <a:schemeClr val="lt1"/>
+                </a:solidFill>
+                <a:ln>
+                  <a:noFill/>
+                </a:ln>
+              </p:spPr>
+              <p:style>
+                <a:lnRef idx="2">
+                  <a:schemeClr val="dk1"/>
+                </a:lnRef>
+                <a:fillRef idx="1">
+                  <a:schemeClr val="lt1"/>
+                </a:fillRef>
+                <a:effectRef idx="0">
+                  <a:schemeClr val="dk1"/>
+                </a:effectRef>
+                <a:fontRef idx="minor">
+                  <a:schemeClr val="dk1"/>
+                </a:fontRef>
+              </p:style>
+              <p:txBody>
+                <a:bodyPr rtlCol="0" anchor="ctr"/>
+                <a:lstStyle/>
+                <a:p>
+                  <a:pPr algn="ctr"/>
+                  <a:endParaRPr lang="zh-CN" altLang="en-US"/>
+                </a:p>
+              </p:txBody>
+            </p:sp>
+          </p:grpSp>
+          <p:grpSp>
+            <p:nvGrpSpPr>
+              <p:cNvPr id="22" name="组合 21">
+                <a:extLst>
+                  <a:ext uri="{FF2B5EF4-FFF2-40B4-BE49-F238E27FC236}">
+                    <a16:creationId xmlns:a16="http://schemas.microsoft.com/office/drawing/2014/main" id="{5B71B74E-7D23-14AC-0070-5A4B03814E5E}"/>
+                  </a:ext>
+                </a:extLst>
+              </p:cNvPr>
+              <p:cNvGrpSpPr/>
+              <p:nvPr/>
+            </p:nvGrpSpPr>
+            <p:grpSpPr>
+              <a:xfrm>
+                <a:off x="3283588" y="2919272"/>
+                <a:ext cx="1602565" cy="349152"/>
+                <a:chOff x="736598" y="239183"/>
+                <a:chExt cx="7370235" cy="1621366"/>
+              </a:xfrm>
+            </p:grpSpPr>
+            <p:sp>
+              <p:nvSpPr>
+                <p:cNvPr id="28" name="椭圆 27">
+                  <a:extLst>
+                    <a:ext uri="{FF2B5EF4-FFF2-40B4-BE49-F238E27FC236}">
+                      <a16:creationId xmlns:a16="http://schemas.microsoft.com/office/drawing/2014/main" id="{16455C7D-0A19-B9E2-7AFB-CCD6881319DC}"/>
+                    </a:ext>
+                  </a:extLst>
+                </p:cNvPr>
+                <p:cNvSpPr/>
+                <p:nvPr/>
+              </p:nvSpPr>
+              <p:spPr>
+                <a:xfrm>
+                  <a:off x="736598" y="505883"/>
+                  <a:ext cx="7370235" cy="1354666"/>
+                </a:xfrm>
+                <a:prstGeom prst="ellipse">
+                  <a:avLst/>
+                </a:prstGeom>
+              </p:spPr>
+              <p:style>
+                <a:lnRef idx="2">
+                  <a:schemeClr val="dk1"/>
+                </a:lnRef>
+                <a:fillRef idx="1">
+                  <a:schemeClr val="lt1"/>
+                </a:fillRef>
+                <a:effectRef idx="0">
+                  <a:schemeClr val="dk1"/>
+                </a:effectRef>
+                <a:fontRef idx="minor">
+                  <a:schemeClr val="dk1"/>
+                </a:fontRef>
+              </p:style>
+              <p:txBody>
+                <a:bodyPr rtlCol="0" anchor="ctr"/>
+                <a:lstStyle/>
+                <a:p>
+                  <a:pPr algn="ctr"/>
+                  <a:endParaRPr lang="zh-CN" altLang="en-US" dirty="0"/>
+                </a:p>
+              </p:txBody>
+            </p:sp>
+            <p:sp>
+              <p:nvSpPr>
+                <p:cNvPr id="29" name="矩形 28">
+                  <a:extLst>
+                    <a:ext uri="{FF2B5EF4-FFF2-40B4-BE49-F238E27FC236}">
+                      <a16:creationId xmlns:a16="http://schemas.microsoft.com/office/drawing/2014/main" id="{A43B4541-4440-2A60-67C2-499492D97745}"/>
+                    </a:ext>
+                  </a:extLst>
+                </p:cNvPr>
+                <p:cNvSpPr/>
+                <p:nvPr/>
+              </p:nvSpPr>
+              <p:spPr>
+                <a:xfrm>
+                  <a:off x="736598" y="239183"/>
+                  <a:ext cx="7370235" cy="944033"/>
+                </a:xfrm>
+                <a:prstGeom prst="rect">
+                  <a:avLst/>
+                </a:prstGeom>
+                <a:solidFill>
+                  <a:schemeClr val="lt1"/>
+                </a:solidFill>
+                <a:ln>
+                  <a:noFill/>
+                </a:ln>
+              </p:spPr>
+              <p:style>
+                <a:lnRef idx="2">
+                  <a:schemeClr val="dk1"/>
+                </a:lnRef>
+                <a:fillRef idx="1">
+                  <a:schemeClr val="lt1"/>
+                </a:fillRef>
+                <a:effectRef idx="0">
+                  <a:schemeClr val="dk1"/>
+                </a:effectRef>
+                <a:fontRef idx="minor">
+                  <a:schemeClr val="dk1"/>
+                </a:fontRef>
+              </p:style>
+              <p:txBody>
+                <a:bodyPr rtlCol="0" anchor="ctr"/>
+                <a:lstStyle/>
+                <a:p>
+                  <a:pPr algn="ctr"/>
+                  <a:endParaRPr lang="zh-CN" altLang="en-US"/>
+                </a:p>
+              </p:txBody>
+            </p:sp>
+          </p:grpSp>
+          <p:cxnSp>
+            <p:nvCxnSpPr>
+              <p:cNvPr id="33" name="直接连接符 32">
+                <a:extLst>
+                  <a:ext uri="{FF2B5EF4-FFF2-40B4-BE49-F238E27FC236}">
+                    <a16:creationId xmlns:a16="http://schemas.microsoft.com/office/drawing/2014/main" id="{9CBCCA5F-0962-8110-0441-85FA75E4893A}"/>
+                  </a:ext>
+                </a:extLst>
+              </p:cNvPr>
+              <p:cNvCxnSpPr>
+                <a:cxnSpLocks/>
+                <a:stCxn id="30" idx="2"/>
+                <a:endCxn id="28" idx="2"/>
+              </p:cNvCxnSpPr>
+              <p:nvPr/>
+            </p:nvCxnSpPr>
+            <p:spPr>
+              <a:xfrm>
+                <a:off x="3283588" y="2715980"/>
+                <a:ext cx="0" cy="406584"/>
+              </a:xfrm>
+              <a:prstGeom prst="line">
+                <a:avLst/>
+              </a:prstGeom>
+            </p:spPr>
+            <p:style>
+              <a:lnRef idx="2">
+                <a:schemeClr val="dk1"/>
+              </a:lnRef>
+              <a:fillRef idx="0">
+                <a:schemeClr val="dk1"/>
+              </a:fillRef>
+              <a:effectRef idx="1">
+                <a:schemeClr val="dk1"/>
+              </a:effectRef>
+              <a:fontRef idx="minor">
+                <a:schemeClr val="tx1"/>
+              </a:fontRef>
+            </p:style>
+          </p:cxnSp>
+          <p:cxnSp>
+            <p:nvCxnSpPr>
+              <p:cNvPr id="37" name="直接连接符 36">
+                <a:extLst>
+                  <a:ext uri="{FF2B5EF4-FFF2-40B4-BE49-F238E27FC236}">
+                    <a16:creationId xmlns:a16="http://schemas.microsoft.com/office/drawing/2014/main" id="{102418AE-7BF6-7025-F695-E41B0B626568}"/>
+                  </a:ext>
+                </a:extLst>
+              </p:cNvPr>
+              <p:cNvCxnSpPr>
+                <a:cxnSpLocks/>
+                <a:stCxn id="30" idx="6"/>
+                <a:endCxn id="28" idx="6"/>
+              </p:cNvCxnSpPr>
+              <p:nvPr/>
+            </p:nvCxnSpPr>
+            <p:spPr>
+              <a:xfrm>
+                <a:off x="4886153" y="2715980"/>
+                <a:ext cx="0" cy="406584"/>
+              </a:xfrm>
+              <a:prstGeom prst="line">
+                <a:avLst/>
+              </a:prstGeom>
+            </p:spPr>
+            <p:style>
+              <a:lnRef idx="2">
+                <a:schemeClr val="dk1"/>
+              </a:lnRef>
+              <a:fillRef idx="0">
+                <a:schemeClr val="dk1"/>
+              </a:fillRef>
+              <a:effectRef idx="1">
+                <a:schemeClr val="dk1"/>
+              </a:effectRef>
+              <a:fontRef idx="minor">
+                <a:schemeClr val="tx1"/>
+              </a:fontRef>
+            </p:style>
+          </p:cxnSp>
+        </p:grpSp>
+        <p:cxnSp>
+          <p:nvCxnSpPr>
+            <p:cNvPr id="43" name="直接连接符 42">
+              <a:extLst>
+                <a:ext uri="{FF2B5EF4-FFF2-40B4-BE49-F238E27FC236}">
+                  <a16:creationId xmlns:a16="http://schemas.microsoft.com/office/drawing/2014/main" id="{8665A03C-DDE4-4991-9FFD-9F858B75322E}"/>
+                </a:ext>
+              </a:extLst>
+            </p:cNvPr>
+            <p:cNvCxnSpPr>
+              <a:cxnSpLocks/>
+            </p:cNvCxnSpPr>
+            <p:nvPr/>
+          </p:nvCxnSpPr>
+          <p:spPr>
+            <a:xfrm>
+              <a:off x="852018" y="1997207"/>
+              <a:ext cx="2125840" cy="0"/>
+            </a:xfrm>
+            <a:prstGeom prst="line">
+              <a:avLst/>
+            </a:prstGeom>
+          </p:spPr>
+          <p:style>
+            <a:lnRef idx="2">
+              <a:schemeClr val="dk1"/>
+            </a:lnRef>
+            <a:fillRef idx="0">
+              <a:schemeClr val="dk1"/>
+            </a:fillRef>
+            <a:effectRef idx="1">
+              <a:schemeClr val="dk1"/>
+            </a:effectRef>
+            <a:fontRef idx="minor">
+              <a:schemeClr val="tx1"/>
+            </a:fontRef>
+          </p:style>
+        </p:cxnSp>
+        <p:cxnSp>
+          <p:nvCxnSpPr>
+            <p:cNvPr id="46" name="直接连接符 45">
+              <a:extLst>
+                <a:ext uri="{FF2B5EF4-FFF2-40B4-BE49-F238E27FC236}">
+                  <a16:creationId xmlns:a16="http://schemas.microsoft.com/office/drawing/2014/main" id="{99974748-69E9-FB6F-321C-5DB1160725E5}"/>
+                </a:ext>
+              </a:extLst>
+            </p:cNvPr>
+            <p:cNvCxnSpPr>
+              <a:cxnSpLocks/>
+            </p:cNvCxnSpPr>
+            <p:nvPr/>
+          </p:nvCxnSpPr>
+          <p:spPr>
+            <a:xfrm>
+              <a:off x="852018" y="2547969"/>
+              <a:ext cx="2125840" cy="0"/>
+            </a:xfrm>
+            <a:prstGeom prst="line">
+              <a:avLst/>
+            </a:prstGeom>
+          </p:spPr>
+          <p:style>
+            <a:lnRef idx="2">
+              <a:schemeClr val="dk1"/>
+            </a:lnRef>
+            <a:fillRef idx="0">
+              <a:schemeClr val="dk1"/>
+            </a:fillRef>
+            <a:effectRef idx="1">
+              <a:schemeClr val="dk1"/>
+            </a:effectRef>
+            <a:fontRef idx="minor">
+              <a:schemeClr val="tx1"/>
+            </a:fontRef>
+          </p:style>
+        </p:cxnSp>
+      </p:grpSp>
     </p:spTree>
     <p:extLst>
       <p:ext uri="{BB962C8B-B14F-4D97-AF65-F5344CB8AC3E}">
-        <p14:creationId xmlns:p14="http://schemas.microsoft.com/office/powerpoint/2010/main" val="1247407056"/>
+        <p14:creationId xmlns:p14="http://schemas.microsoft.com/office/powerpoint/2010/main" val="1535376229"/>
+      </p:ext>
+    </p:extLst>
+  </p:cSld>
+  <p:clrMapOvr>
+    <a:masterClrMapping/>
+  </p:clrMapOvr>
+</p:sld>
+</file>
+
+<file path=ppt/slides/slide7.xml><?xml version="1.0" encoding="utf-8"?>
+<p:sld xmlns:a="http://schemas.openxmlformats.org/drawingml/2006/main" xmlns:r="http://schemas.openxmlformats.org/officeDocument/2006/relationships" xmlns:p="http://schemas.openxmlformats.org/presentationml/2006/main">
+  <p:cSld>
+    <p:spTree>
+      <p:nvGrpSpPr>
+        <p:cNvPr id="1" name=""/>
+        <p:cNvGrpSpPr/>
+        <p:nvPr/>
+      </p:nvGrpSpPr>
+      <p:grpSpPr>
+        <a:xfrm>
+          <a:off x="0" y="0"/>
+          <a:ext cx="0" cy="0"/>
+          <a:chOff x="0" y="0"/>
+          <a:chExt cx="0" cy="0"/>
+        </a:xfrm>
+      </p:grpSpPr>
+      <p:grpSp>
+        <p:nvGrpSpPr>
+          <p:cNvPr id="8" name="组合 7">
+            <a:extLst>
+              <a:ext uri="{FF2B5EF4-FFF2-40B4-BE49-F238E27FC236}">
+                <a16:creationId xmlns:a16="http://schemas.microsoft.com/office/drawing/2014/main" id="{B000D74F-E533-F35E-90CB-C4E24A5D3E26}"/>
+              </a:ext>
+            </a:extLst>
+          </p:cNvPr>
+          <p:cNvGrpSpPr/>
+          <p:nvPr/>
+        </p:nvGrpSpPr>
+        <p:grpSpPr>
+          <a:xfrm>
+            <a:off x="3304472" y="802888"/>
+            <a:ext cx="516129" cy="360000"/>
+            <a:chOff x="3304472" y="802888"/>
+            <a:chExt cx="516129" cy="360000"/>
+          </a:xfrm>
+        </p:grpSpPr>
+        <p:sp>
+          <p:nvSpPr>
+            <p:cNvPr id="4" name="椭圆 3">
+              <a:extLst>
+                <a:ext uri="{FF2B5EF4-FFF2-40B4-BE49-F238E27FC236}">
+                  <a16:creationId xmlns:a16="http://schemas.microsoft.com/office/drawing/2014/main" id="{1A837B8B-CDBC-D6AE-69B3-B5039F3DF7BE}"/>
+                </a:ext>
+              </a:extLst>
+            </p:cNvPr>
+            <p:cNvSpPr/>
+            <p:nvPr/>
+          </p:nvSpPr>
+          <p:spPr>
+            <a:xfrm>
+              <a:off x="3382537" y="802888"/>
+              <a:ext cx="360000" cy="360000"/>
+            </a:xfrm>
+            <a:prstGeom prst="ellipse">
+              <a:avLst/>
+            </a:prstGeom>
+          </p:spPr>
+          <p:style>
+            <a:lnRef idx="2">
+              <a:schemeClr val="dk1"/>
+            </a:lnRef>
+            <a:fillRef idx="1">
+              <a:schemeClr val="lt1"/>
+            </a:fillRef>
+            <a:effectRef idx="0">
+              <a:schemeClr val="dk1"/>
+            </a:effectRef>
+            <a:fontRef idx="minor">
+              <a:schemeClr val="dk1"/>
+            </a:fontRef>
+          </p:style>
+          <p:txBody>
+            <a:bodyPr rtlCol="0" anchor="ctr"/>
+            <a:lstStyle/>
+            <a:p>
+              <a:pPr algn="ctr"/>
+              <a:endParaRPr lang="zh-CN" altLang="en-US"/>
+            </a:p>
+          </p:txBody>
+        </p:sp>
+        <p:sp>
+          <p:nvSpPr>
+            <p:cNvPr id="5" name="文本框 4">
+              <a:extLst>
+                <a:ext uri="{FF2B5EF4-FFF2-40B4-BE49-F238E27FC236}">
+                  <a16:creationId xmlns:a16="http://schemas.microsoft.com/office/drawing/2014/main" id="{BB4016D7-54B8-DD28-D315-1237C1B366B9}"/>
+                </a:ext>
+              </a:extLst>
+            </p:cNvPr>
+            <p:cNvSpPr txBox="1"/>
+            <p:nvPr/>
+          </p:nvSpPr>
+          <p:spPr>
+            <a:xfrm>
+              <a:off x="3304472" y="828999"/>
+              <a:ext cx="516129" cy="307777"/>
+            </a:xfrm>
+            <a:prstGeom prst="rect">
+              <a:avLst/>
+            </a:prstGeom>
+            <a:noFill/>
+          </p:spPr>
+          <p:txBody>
+            <a:bodyPr wrap="square" rtlCol="0">
+              <a:spAutoFit/>
+            </a:bodyPr>
+            <a:lstStyle/>
+            <a:p>
+              <a:pPr algn="ctr"/>
+              <a:r>
+                <a:rPr lang="en-US" altLang="zh-CN" sz="1400" dirty="0">
+                  <a:latin typeface="Times New Roman" panose="02020603050405020304" pitchFamily="18" charset="0"/>
+                  <a:cs typeface="Times New Roman" panose="02020603050405020304" pitchFamily="18" charset="0"/>
+                </a:rPr>
+                <a:t>M</a:t>
+              </a:r>
+              <a:endParaRPr lang="zh-CN" altLang="en-US" sz="1400" dirty="0">
+                <a:latin typeface="Times New Roman" panose="02020603050405020304" pitchFamily="18" charset="0"/>
+                <a:cs typeface="Times New Roman" panose="02020603050405020304" pitchFamily="18" charset="0"/>
+              </a:endParaRPr>
+            </a:p>
+          </p:txBody>
+        </p:sp>
+      </p:grpSp>
+      <p:grpSp>
+        <p:nvGrpSpPr>
+          <p:cNvPr id="9" name="组合 8">
+            <a:extLst>
+              <a:ext uri="{FF2B5EF4-FFF2-40B4-BE49-F238E27FC236}">
+                <a16:creationId xmlns:a16="http://schemas.microsoft.com/office/drawing/2014/main" id="{CF7CD456-4F0E-A1C9-FA29-29BFE7493C16}"/>
+              </a:ext>
+            </a:extLst>
+          </p:cNvPr>
+          <p:cNvGrpSpPr/>
+          <p:nvPr/>
+        </p:nvGrpSpPr>
+        <p:grpSpPr>
+          <a:xfrm>
+            <a:off x="4041072" y="776776"/>
+            <a:ext cx="516129" cy="360000"/>
+            <a:chOff x="4041072" y="776776"/>
+            <a:chExt cx="516129" cy="360000"/>
+          </a:xfrm>
+        </p:grpSpPr>
+        <p:sp>
+          <p:nvSpPr>
+            <p:cNvPr id="6" name="椭圆 5">
+              <a:extLst>
+                <a:ext uri="{FF2B5EF4-FFF2-40B4-BE49-F238E27FC236}">
+                  <a16:creationId xmlns:a16="http://schemas.microsoft.com/office/drawing/2014/main" id="{E0411939-F27A-5238-2AA4-20EC47883EE0}"/>
+                </a:ext>
+              </a:extLst>
+            </p:cNvPr>
+            <p:cNvSpPr/>
+            <p:nvPr/>
+          </p:nvSpPr>
+          <p:spPr>
+            <a:xfrm>
+              <a:off x="4119137" y="776776"/>
+              <a:ext cx="360000" cy="360000"/>
+            </a:xfrm>
+            <a:prstGeom prst="ellipse">
+              <a:avLst/>
+            </a:prstGeom>
+          </p:spPr>
+          <p:style>
+            <a:lnRef idx="2">
+              <a:schemeClr val="dk1"/>
+            </a:lnRef>
+            <a:fillRef idx="1">
+              <a:schemeClr val="lt1"/>
+            </a:fillRef>
+            <a:effectRef idx="0">
+              <a:schemeClr val="dk1"/>
+            </a:effectRef>
+            <a:fontRef idx="minor">
+              <a:schemeClr val="dk1"/>
+            </a:fontRef>
+          </p:style>
+          <p:txBody>
+            <a:bodyPr rtlCol="0" anchor="ctr"/>
+            <a:lstStyle/>
+            <a:p>
+              <a:pPr algn="ctr"/>
+              <a:endParaRPr lang="zh-CN" altLang="en-US"/>
+            </a:p>
+          </p:txBody>
+        </p:sp>
+        <p:sp>
+          <p:nvSpPr>
+            <p:cNvPr id="7" name="文本框 6">
+              <a:extLst>
+                <a:ext uri="{FF2B5EF4-FFF2-40B4-BE49-F238E27FC236}">
+                  <a16:creationId xmlns:a16="http://schemas.microsoft.com/office/drawing/2014/main" id="{1BB9987A-4C66-DEA5-ED12-7C77C4EC5183}"/>
+                </a:ext>
+              </a:extLst>
+            </p:cNvPr>
+            <p:cNvSpPr txBox="1"/>
+            <p:nvPr/>
+          </p:nvSpPr>
+          <p:spPr>
+            <a:xfrm>
+              <a:off x="4041072" y="802887"/>
+              <a:ext cx="516129" cy="307777"/>
+            </a:xfrm>
+            <a:prstGeom prst="rect">
+              <a:avLst/>
+            </a:prstGeom>
+            <a:noFill/>
+          </p:spPr>
+          <p:txBody>
+            <a:bodyPr wrap="square" rtlCol="0">
+              <a:spAutoFit/>
+            </a:bodyPr>
+            <a:lstStyle/>
+            <a:p>
+              <a:pPr algn="ctr"/>
+              <a:r>
+                <a:rPr lang="en-US" altLang="zh-CN" sz="1400" dirty="0">
+                  <a:latin typeface="Times New Roman" panose="02020603050405020304" pitchFamily="18" charset="0"/>
+                  <a:cs typeface="Times New Roman" panose="02020603050405020304" pitchFamily="18" charset="0"/>
+                </a:rPr>
+                <a:t>E</a:t>
+              </a:r>
+              <a:endParaRPr lang="zh-CN" altLang="en-US" sz="1400" dirty="0">
+                <a:latin typeface="Times New Roman" panose="02020603050405020304" pitchFamily="18" charset="0"/>
+                <a:cs typeface="Times New Roman" panose="02020603050405020304" pitchFamily="18" charset="0"/>
+              </a:endParaRPr>
+            </a:p>
+          </p:txBody>
+        </p:sp>
+      </p:grpSp>
+    </p:spTree>
+    <p:extLst>
+      <p:ext uri="{BB962C8B-B14F-4D97-AF65-F5344CB8AC3E}">
+        <p14:creationId xmlns:p14="http://schemas.microsoft.com/office/powerpoint/2010/main" val="4107686248"/>
       </p:ext>
     </p:extLst>
   </p:cSld>
@@ -10953,13 +12739,13 @@
       <a:bodyPr/>
       <a:lstStyle/>
       <a:style>
-        <a:lnRef idx="3">
+        <a:lnRef idx="2">
           <a:schemeClr val="dk1"/>
         </a:lnRef>
         <a:fillRef idx="0">
           <a:schemeClr val="dk1"/>
         </a:fillRef>
-        <a:effectRef idx="2">
+        <a:effectRef idx="1">
           <a:schemeClr val="dk1"/>
         </a:effectRef>
         <a:fontRef idx="minor">
